--- a/Presentaciones/5. Manejo de Interfaz Gráfica (css,html5, ionic creator).pptx
+++ b/Presentaciones/5. Manejo de Interfaz Gráfica (css,html5, ionic creator).pptx
@@ -5,29 +5,31 @@
     <p:sldMasterId id="2147483690" r:id="rId4"/>
   </p:sldMasterIdLst>
   <p:notesMasterIdLst>
-    <p:notesMasterId r:id="rId17"/>
+    <p:notesMasterId r:id="rId19"/>
   </p:notesMasterIdLst>
   <p:handoutMasterIdLst>
-    <p:handoutMasterId r:id="rId18"/>
+    <p:handoutMasterId r:id="rId20"/>
   </p:handoutMasterIdLst>
   <p:sldIdLst>
     <p:sldId id="265" r:id="rId5"/>
-    <p:sldId id="310" r:id="rId6"/>
-    <p:sldId id="319" r:id="rId7"/>
-    <p:sldId id="320" r:id="rId8"/>
-    <p:sldId id="321" r:id="rId9"/>
-    <p:sldId id="322" r:id="rId10"/>
-    <p:sldId id="323" r:id="rId11"/>
-    <p:sldId id="324" r:id="rId12"/>
-    <p:sldId id="325" r:id="rId13"/>
-    <p:sldId id="326" r:id="rId14"/>
-    <p:sldId id="327" r:id="rId15"/>
-    <p:sldId id="318" r:id="rId16"/>
+    <p:sldId id="328" r:id="rId6"/>
+    <p:sldId id="329" r:id="rId7"/>
+    <p:sldId id="310" r:id="rId8"/>
+    <p:sldId id="319" r:id="rId9"/>
+    <p:sldId id="320" r:id="rId10"/>
+    <p:sldId id="321" r:id="rId11"/>
+    <p:sldId id="322" r:id="rId12"/>
+    <p:sldId id="323" r:id="rId13"/>
+    <p:sldId id="324" r:id="rId14"/>
+    <p:sldId id="325" r:id="rId15"/>
+    <p:sldId id="326" r:id="rId16"/>
+    <p:sldId id="327" r:id="rId17"/>
+    <p:sldId id="318" r:id="rId18"/>
   </p:sldIdLst>
   <p:sldSz cx="12188825" cy="6858000"/>
   <p:notesSz cx="6858000" cy="9144000"/>
   <p:custDataLst>
-    <p:tags r:id="rId19"/>
+    <p:tags r:id="rId21"/>
   </p:custDataLst>
   <p:defaultTextStyle>
     <a:defPPr>
@@ -230,7 +232,7 @@
             <a:pPr algn="r" rtl="0"/>
             <a:fld id="{DA61EFE9-9F30-4528-BDDA-C859CD15CA56}" type="datetime1">
               <a:rPr lang="es-ES" smtClean="0"/>
-              <a:t>22/08/2018</a:t>
+              <a:t>02/09/2018</a:t>
             </a:fld>
             <a:endParaRPr lang="es-ES" dirty="0"/>
           </a:p>
@@ -400,7 +402,7 @@
             <a:fld id="{27373BEA-F5F3-4B6E-BA6B-D76E24101839}" type="datetime1">
               <a:rPr lang="es-ES" smtClean="0"/>
               <a:pPr/>
-              <a:t>22/08/2018</a:t>
+              <a:t>02/09/2018</a:t>
             </a:fld>
             <a:endParaRPr lang="es-ES" dirty="0"/>
           </a:p>
@@ -870,7 +872,7 @@
           <a:p>
             <a:fld id="{D1F3A871-E095-425B-8138-DD883F1F9138}" type="datetimeFigureOut">
               <a:rPr lang="es-CO" smtClean="0"/>
-              <a:t>22/08/2018</a:t>
+              <a:t>2/09/2018</a:t>
             </a:fld>
             <a:endParaRPr lang="es-CO"/>
           </a:p>
@@ -1073,7 +1075,7 @@
             <a:fld id="{F1AC609F-0362-4067-A47A-9F1CA2E45A65}" type="datetime1">
               <a:rPr lang="es-ES" smtClean="0"/>
               <a:pPr/>
-              <a:t>22/08/2018</a:t>
+              <a:t>02/09/2018</a:t>
             </a:fld>
             <a:endParaRPr lang="es-ES" dirty="0"/>
           </a:p>
@@ -1268,7 +1270,7 @@
             <a:fld id="{932AED9F-A6BB-400D-8F4D-616EB46A9405}" type="datetime1">
               <a:rPr lang="es-ES" smtClean="0"/>
               <a:pPr/>
-              <a:t>22/08/2018</a:t>
+              <a:t>02/09/2018</a:t>
             </a:fld>
             <a:endParaRPr lang="es-ES" dirty="0"/>
           </a:p>
@@ -1454,7 +1456,7 @@
             <a:fld id="{7170E197-1079-4777-8273-53286CD6A787}" type="datetime1">
               <a:rPr lang="es-ES" smtClean="0"/>
               <a:pPr algn="r"/>
-              <a:t>22/08/2018</a:t>
+              <a:t>02/09/2018</a:t>
             </a:fld>
             <a:endParaRPr lang="es-ES" dirty="0"/>
           </a:p>
@@ -1713,7 +1715,7 @@
             <a:fld id="{A12EF1AF-E5B2-41DB-BFF8-672C5BBF646A}" type="datetime1">
               <a:rPr lang="es-ES" smtClean="0"/>
               <a:pPr/>
-              <a:t>22/08/2018</a:t>
+              <a:t>02/09/2018</a:t>
             </a:fld>
             <a:endParaRPr lang="es-ES" dirty="0"/>
           </a:p>
@@ -2017,7 +2019,7 @@
             <a:fld id="{8E17C630-F8FA-4DCB-87FA-91D30885A2FD}" type="datetime1">
               <a:rPr lang="es-ES" smtClean="0"/>
               <a:pPr algn="r"/>
-              <a:t>22/08/2018</a:t>
+              <a:t>02/09/2018</a:t>
             </a:fld>
             <a:endParaRPr lang="es-ES" dirty="0"/>
           </a:p>
@@ -2470,7 +2472,7 @@
             <a:fld id="{724076C6-356A-48AB-A8EF-572AE4A11929}" type="datetime1">
               <a:rPr lang="es-ES" smtClean="0"/>
               <a:pPr/>
-              <a:t>22/08/2018</a:t>
+              <a:t>02/09/2018</a:t>
             </a:fld>
             <a:endParaRPr lang="es-ES" dirty="0"/>
           </a:p>
@@ -2603,7 +2605,7 @@
             <a:fld id="{E4A686D9-BDBD-4090-B19D-04E04F3CB648}" type="datetime1">
               <a:rPr lang="es-ES" smtClean="0"/>
               <a:pPr/>
-              <a:t>22/08/2018</a:t>
+              <a:t>02/09/2018</a:t>
             </a:fld>
             <a:endParaRPr lang="es-ES" dirty="0"/>
           </a:p>
@@ -2713,7 +2715,7 @@
             <a:fld id="{D1B4D0FB-1285-4974-8D4E-BCFCC0FA7978}" type="datetime1">
               <a:rPr lang="es-ES" smtClean="0"/>
               <a:pPr/>
-              <a:t>22/08/2018</a:t>
+              <a:t>02/09/2018</a:t>
             </a:fld>
             <a:endParaRPr lang="es-ES" dirty="0"/>
           </a:p>
@@ -3084,7 +3086,7 @@
             <a:fld id="{9C3D96D5-80C9-4ED7-89C2-CE590C3C6CB2}" type="datetime1">
               <a:rPr lang="es-ES" smtClean="0"/>
               <a:pPr/>
-              <a:t>22/08/2018</a:t>
+              <a:t>02/09/2018</a:t>
             </a:fld>
             <a:endParaRPr lang="es-ES" dirty="0"/>
           </a:p>
@@ -3415,7 +3417,7 @@
             <a:fld id="{DA911BAB-2490-48FD-81BA-E5EB85DA87AE}" type="datetime1">
               <a:rPr lang="es-ES" smtClean="0"/>
               <a:pPr/>
-              <a:t>22/08/2018</a:t>
+              <a:t>02/09/2018</a:t>
             </a:fld>
             <a:endParaRPr lang="es-ES" dirty="0"/>
           </a:p>
@@ -3665,7 +3667,7 @@
             <a:fld id="{7170E197-1079-4777-8273-53286CD6A787}" type="datetime1">
               <a:rPr lang="es-ES" smtClean="0"/>
               <a:pPr algn="r"/>
-              <a:t>22/08/2018</a:t>
+              <a:t>02/09/2018</a:t>
             </a:fld>
             <a:endParaRPr lang="es-ES" dirty="0"/>
           </a:p>
@@ -4245,1099 +4247,6 @@
           <p:cNvPr id="3" name="Imagen 2">
             <a:extLst>
               <a:ext uri="{FF2B5EF4-FFF2-40B4-BE49-F238E27FC236}">
-                <a16:creationId xmlns:a16="http://schemas.microsoft.com/office/drawing/2014/main" id="{81647E9E-6836-4EC5-947F-468EAC516A16}"/>
-              </a:ext>
-            </a:extLst>
-          </p:cNvPr>
-          <p:cNvPicPr>
-            <a:picLocks noChangeAspect="1"/>
-          </p:cNvPicPr>
-          <p:nvPr/>
-        </p:nvPicPr>
-        <p:blipFill>
-          <a:blip r:embed="rId2"/>
-          <a:stretch>
-            <a:fillRect/>
-          </a:stretch>
-        </p:blipFill>
-        <p:spPr>
-          <a:xfrm>
-            <a:off x="837828" y="3888221"/>
-            <a:ext cx="5553075" cy="609600"/>
-          </a:xfrm>
-          <a:prstGeom prst="rect">
-            <a:avLst/>
-          </a:prstGeom>
-        </p:spPr>
-      </p:pic>
-      <p:pic>
-        <p:nvPicPr>
-          <p:cNvPr id="7" name="Imagen 6">
-            <a:extLst>
-              <a:ext uri="{FF2B5EF4-FFF2-40B4-BE49-F238E27FC236}">
-                <a16:creationId xmlns:a16="http://schemas.microsoft.com/office/drawing/2014/main" id="{2FAAA034-5296-4289-A5A6-C53A75FA7840}"/>
-              </a:ext>
-            </a:extLst>
-          </p:cNvPr>
-          <p:cNvPicPr>
-            <a:picLocks noChangeAspect="1"/>
-          </p:cNvPicPr>
-          <p:nvPr/>
-        </p:nvPicPr>
-        <p:blipFill>
-          <a:blip r:embed="rId3"/>
-          <a:stretch>
-            <a:fillRect/>
-          </a:stretch>
-        </p:blipFill>
-        <p:spPr>
-          <a:xfrm>
-            <a:off x="6958508" y="1962979"/>
-            <a:ext cx="2520280" cy="4395488"/>
-          </a:xfrm>
-          <a:prstGeom prst="rect">
-            <a:avLst/>
-          </a:prstGeom>
-        </p:spPr>
-      </p:pic>
-      <p:pic>
-        <p:nvPicPr>
-          <p:cNvPr id="8" name="Imagen 7">
-            <a:extLst>
-              <a:ext uri="{FF2B5EF4-FFF2-40B4-BE49-F238E27FC236}">
-                <a16:creationId xmlns:a16="http://schemas.microsoft.com/office/drawing/2014/main" id="{3FE95B7F-DAD1-48E8-BD53-AB580A825255}"/>
-              </a:ext>
-            </a:extLst>
-          </p:cNvPr>
-          <p:cNvPicPr>
-            <a:picLocks noChangeAspect="1"/>
-          </p:cNvPicPr>
-          <p:nvPr/>
-        </p:nvPicPr>
-        <p:blipFill>
-          <a:blip r:embed="rId4"/>
-          <a:stretch>
-            <a:fillRect/>
-          </a:stretch>
-        </p:blipFill>
-        <p:spPr>
-          <a:xfrm>
-            <a:off x="9556713" y="1950876"/>
-            <a:ext cx="2473393" cy="4395488"/>
-          </a:xfrm>
-          <a:prstGeom prst="rect">
-            <a:avLst/>
-          </a:prstGeom>
-        </p:spPr>
-      </p:pic>
-      <p:pic>
-        <p:nvPicPr>
-          <p:cNvPr id="9" name="Imagen 8">
-            <a:extLst>
-              <a:ext uri="{FF2B5EF4-FFF2-40B4-BE49-F238E27FC236}">
-                <a16:creationId xmlns:a16="http://schemas.microsoft.com/office/drawing/2014/main" id="{E845ABD5-997D-4997-99D4-2789DC234E18}"/>
-              </a:ext>
-            </a:extLst>
-          </p:cNvPr>
-          <p:cNvPicPr>
-            <a:picLocks noChangeAspect="1"/>
-          </p:cNvPicPr>
-          <p:nvPr/>
-        </p:nvPicPr>
-        <p:blipFill>
-          <a:blip r:embed="rId5"/>
-          <a:stretch>
-            <a:fillRect/>
-          </a:stretch>
-        </p:blipFill>
-        <p:spPr>
-          <a:xfrm>
-            <a:off x="288032" y="4700270"/>
-            <a:ext cx="6350670" cy="156106"/>
-          </a:xfrm>
-          <a:prstGeom prst="rect">
-            <a:avLst/>
-          </a:prstGeom>
-        </p:spPr>
-      </p:pic>
-    </p:spTree>
-    <p:extLst>
-      <p:ext uri="{BB962C8B-B14F-4D97-AF65-F5344CB8AC3E}">
-        <p14:creationId xmlns:p14="http://schemas.microsoft.com/office/powerpoint/2010/main" val="3708236335"/>
-      </p:ext>
-    </p:extLst>
-  </p:cSld>
-  <p:clrMapOvr>
-    <a:masterClrMapping/>
-  </p:clrMapOvr>
-</p:sld>
-</file>
-
-<file path=ppt/slides/slide11.xml><?xml version="1.0" encoding="utf-8"?>
-<p:sld xmlns:a="http://schemas.openxmlformats.org/drawingml/2006/main" xmlns:r="http://schemas.openxmlformats.org/officeDocument/2006/relationships" xmlns:p="http://schemas.openxmlformats.org/presentationml/2006/main">
-  <p:cSld>
-    <p:spTree>
-      <p:nvGrpSpPr>
-        <p:cNvPr id="1" name=""/>
-        <p:cNvGrpSpPr/>
-        <p:nvPr/>
-      </p:nvGrpSpPr>
-      <p:grpSpPr>
-        <a:xfrm>
-          <a:off x="0" y="0"/>
-          <a:ext cx="0" cy="0"/>
-          <a:chOff x="0" y="0"/>
-          <a:chExt cx="0" cy="0"/>
-        </a:xfrm>
-      </p:grpSpPr>
-      <p:sp>
-        <p:nvSpPr>
-          <p:cNvPr id="2" name="Título 1">
-            <a:extLst>
-              <a:ext uri="{FF2B5EF4-FFF2-40B4-BE49-F238E27FC236}">
-                <a16:creationId xmlns:a16="http://schemas.microsoft.com/office/drawing/2014/main" id="{92F680D3-5065-4CDF-8D99-79C9342A943B}"/>
-              </a:ext>
-            </a:extLst>
-          </p:cNvPr>
-          <p:cNvSpPr>
-            <a:spLocks noGrp="1"/>
-          </p:cNvSpPr>
-          <p:nvPr>
-            <p:ph type="title"/>
-          </p:nvPr>
-        </p:nvSpPr>
-        <p:spPr>
-          <a:xfrm>
-            <a:off x="709427" y="2852936"/>
-            <a:ext cx="10769970" cy="1658198"/>
-          </a:xfrm>
-        </p:spPr>
-        <p:txBody>
-          <a:bodyPr/>
-          <a:lstStyle/>
-          <a:p>
-            <a:r>
-              <a:rPr lang="es-CO" dirty="0"/>
-              <a:t>Ahora es tu turno…</a:t>
-            </a:r>
-          </a:p>
-        </p:txBody>
-      </p:sp>
-    </p:spTree>
-    <p:extLst>
-      <p:ext uri="{BB962C8B-B14F-4D97-AF65-F5344CB8AC3E}">
-        <p14:creationId xmlns:p14="http://schemas.microsoft.com/office/powerpoint/2010/main" val="713854363"/>
-      </p:ext>
-    </p:extLst>
-  </p:cSld>
-  <p:clrMapOvr>
-    <a:masterClrMapping/>
-  </p:clrMapOvr>
-</p:sld>
-</file>
-
-<file path=ppt/slides/slide12.xml><?xml version="1.0" encoding="utf-8"?>
-<p:sld xmlns:a="http://schemas.openxmlformats.org/drawingml/2006/main" xmlns:r="http://schemas.openxmlformats.org/officeDocument/2006/relationships" xmlns:p="http://schemas.openxmlformats.org/presentationml/2006/main">
-  <p:cSld>
-    <p:spTree>
-      <p:nvGrpSpPr>
-        <p:cNvPr id="1" name=""/>
-        <p:cNvGrpSpPr/>
-        <p:nvPr/>
-      </p:nvGrpSpPr>
-      <p:grpSpPr>
-        <a:xfrm>
-          <a:off x="0" y="0"/>
-          <a:ext cx="0" cy="0"/>
-          <a:chOff x="0" y="0"/>
-          <a:chExt cx="0" cy="0"/>
-        </a:xfrm>
-      </p:grpSpPr>
-      <p:sp>
-        <p:nvSpPr>
-          <p:cNvPr id="2" name="Título 1"/>
-          <p:cNvSpPr>
-            <a:spLocks noGrp="1"/>
-          </p:cNvSpPr>
-          <p:nvPr>
-            <p:ph type="title"/>
-          </p:nvPr>
-        </p:nvSpPr>
-        <p:spPr/>
-        <p:txBody>
-          <a:bodyPr rtlCol="0"/>
-          <a:lstStyle/>
-          <a:p>
-            <a:pPr rtl="0"/>
-            <a:r>
-              <a:rPr lang="es-ES" dirty="0"/>
-              <a:t>Bibliografía</a:t>
-            </a:r>
-          </a:p>
-        </p:txBody>
-      </p:sp>
-      <p:sp>
-        <p:nvSpPr>
-          <p:cNvPr id="3" name="Marcador de posición de contenido 2"/>
-          <p:cNvSpPr>
-            <a:spLocks noGrp="1"/>
-          </p:cNvSpPr>
-          <p:nvPr>
-            <p:ph idx="1"/>
-          </p:nvPr>
-        </p:nvSpPr>
-        <p:spPr/>
-        <p:txBody>
-          <a:bodyPr rtlCol="0">
-            <a:normAutofit fontScale="92500" lnSpcReduction="10000"/>
-          </a:bodyPr>
-          <a:lstStyle/>
-          <a:p>
-            <a:r>
-              <a:rPr lang="es-ES" dirty="0">
-                <a:hlinkClick r:id="rId2"/>
-              </a:rPr>
-              <a:t>https://www.hostinger.co/tutoriales/instalar-node-js-ubuntu/</a:t>
-            </a:r>
-            <a:endParaRPr lang="es-ES" dirty="0"/>
-          </a:p>
-          <a:p>
-            <a:r>
-              <a:rPr lang="es-ES" dirty="0">
-                <a:hlinkClick r:id="rId3"/>
-              </a:rPr>
-              <a:t>https://ionicframework.com/getting-started</a:t>
-            </a:r>
-            <a:endParaRPr lang="es-ES" dirty="0"/>
-          </a:p>
-          <a:p>
-            <a:r>
-              <a:rPr lang="es-ES" dirty="0">
-                <a:hlinkClick r:id="rId4"/>
-              </a:rPr>
-              <a:t>https://creator.ionic.io/app/login</a:t>
-            </a:r>
-            <a:endParaRPr lang="es-ES" dirty="0"/>
-          </a:p>
-          <a:p>
-            <a:r>
-              <a:rPr lang="es-ES" dirty="0">
-                <a:hlinkClick r:id="rId5"/>
-              </a:rPr>
-              <a:t>https://ionicframework.com/docs/components/</a:t>
-            </a:r>
-            <a:endParaRPr lang="es-ES" dirty="0"/>
-          </a:p>
-          <a:p>
-            <a:r>
-              <a:rPr lang="es-ES" dirty="0">
-                <a:hlinkClick r:id="rId6"/>
-              </a:rPr>
-              <a:t>https://ionicframework.com/docs/</a:t>
-            </a:r>
-            <a:endParaRPr lang="es-ES" dirty="0"/>
-          </a:p>
-          <a:p>
-            <a:r>
-              <a:rPr lang="es-ES" dirty="0">
-                <a:hlinkClick r:id="rId7"/>
-              </a:rPr>
-              <a:t>https://ionicframework.com/docs/pro/devapp/</a:t>
-            </a:r>
-            <a:endParaRPr lang="es-ES" dirty="0"/>
-          </a:p>
-          <a:p>
-            <a:endParaRPr lang="es-ES" dirty="0"/>
-          </a:p>
-          <a:p>
-            <a:endParaRPr lang="es-ES" dirty="0"/>
-          </a:p>
-        </p:txBody>
-      </p:sp>
-    </p:spTree>
-    <p:extLst>
-      <p:ext uri="{BB962C8B-B14F-4D97-AF65-F5344CB8AC3E}">
-        <p14:creationId xmlns:p14="http://schemas.microsoft.com/office/powerpoint/2010/main" val="2765137111"/>
-      </p:ext>
-    </p:extLst>
-  </p:cSld>
-  <p:clrMapOvr>
-    <a:masterClrMapping/>
-  </p:clrMapOvr>
-  <mc:AlternateContent xmlns:mc="http://schemas.openxmlformats.org/markup-compatibility/2006" xmlns:p14="http://schemas.microsoft.com/office/powerpoint/2010/main">
-    <mc:Choice Requires="p14">
-      <p:transition spd="med" p14:dur="700">
-        <p:fade/>
-      </p:transition>
-    </mc:Choice>
-    <mc:Fallback xmlns="">
-      <p:transition spd="med">
-        <p:fade/>
-      </p:transition>
-    </mc:Fallback>
-  </mc:AlternateContent>
-</p:sld>
-</file>
-
-<file path=ppt/slides/slide2.xml><?xml version="1.0" encoding="utf-8"?>
-<p:sld xmlns:a="http://schemas.openxmlformats.org/drawingml/2006/main" xmlns:r="http://schemas.openxmlformats.org/officeDocument/2006/relationships" xmlns:p="http://schemas.openxmlformats.org/presentationml/2006/main">
-  <p:cSld>
-    <p:spTree>
-      <p:nvGrpSpPr>
-        <p:cNvPr id="1" name=""/>
-        <p:cNvGrpSpPr/>
-        <p:nvPr/>
-      </p:nvGrpSpPr>
-      <p:grpSpPr>
-        <a:xfrm>
-          <a:off x="0" y="0"/>
-          <a:ext cx="0" cy="0"/>
-          <a:chOff x="0" y="0"/>
-          <a:chExt cx="0" cy="0"/>
-        </a:xfrm>
-      </p:grpSpPr>
-      <p:sp>
-        <p:nvSpPr>
-          <p:cNvPr id="13" name="Título 12"/>
-          <p:cNvSpPr>
-            <a:spLocks noGrp="1"/>
-          </p:cNvSpPr>
-          <p:nvPr>
-            <p:ph type="title"/>
-          </p:nvPr>
-        </p:nvSpPr>
-        <p:spPr/>
-        <p:txBody>
-          <a:bodyPr rtlCol="0"/>
-          <a:lstStyle/>
-          <a:p>
-            <a:pPr rtl="0"/>
-            <a:r>
-              <a:rPr lang="es-ES" dirty="0"/>
-              <a:t>Creación de interfaz gráfica con plantillas(ionic creator) </a:t>
-            </a:r>
-          </a:p>
-        </p:txBody>
-      </p:sp>
-      <p:pic>
-        <p:nvPicPr>
-          <p:cNvPr id="8" name="Imagen 7">
-            <a:extLst>
-              <a:ext uri="{FF2B5EF4-FFF2-40B4-BE49-F238E27FC236}">
-                <a16:creationId xmlns:a16="http://schemas.microsoft.com/office/drawing/2014/main" id="{4BCB02F6-6668-4DFA-AA19-CC8DB3C36712}"/>
-              </a:ext>
-            </a:extLst>
-          </p:cNvPr>
-          <p:cNvPicPr>
-            <a:picLocks noChangeAspect="1"/>
-          </p:cNvPicPr>
-          <p:nvPr/>
-        </p:nvPicPr>
-        <p:blipFill>
-          <a:blip r:embed="rId2"/>
-          <a:stretch>
-            <a:fillRect/>
-          </a:stretch>
-        </p:blipFill>
-        <p:spPr>
-          <a:xfrm>
-            <a:off x="3070076" y="2157731"/>
-            <a:ext cx="5256584" cy="3995955"/>
-          </a:xfrm>
-          <a:prstGeom prst="rect">
-            <a:avLst/>
-          </a:prstGeom>
-        </p:spPr>
-      </p:pic>
-    </p:spTree>
-    <p:extLst>
-      <p:ext uri="{BB962C8B-B14F-4D97-AF65-F5344CB8AC3E}">
-        <p14:creationId xmlns:p14="http://schemas.microsoft.com/office/powerpoint/2010/main" val="2139132589"/>
-      </p:ext>
-    </p:extLst>
-  </p:cSld>
-  <p:clrMapOvr>
-    <a:masterClrMapping/>
-  </p:clrMapOvr>
-  <mc:AlternateContent xmlns:mc="http://schemas.openxmlformats.org/markup-compatibility/2006" xmlns:p14="http://schemas.microsoft.com/office/powerpoint/2010/main">
-    <mc:Choice Requires="p14">
-      <p:transition spd="med" p14:dur="700">
-        <p:fade/>
-      </p:transition>
-    </mc:Choice>
-    <mc:Fallback xmlns="">
-      <p:transition spd="med">
-        <p:fade/>
-      </p:transition>
-    </mc:Fallback>
-  </mc:AlternateContent>
-</p:sld>
-</file>
-
-<file path=ppt/slides/slide3.xml><?xml version="1.0" encoding="utf-8"?>
-<p:sld xmlns:a="http://schemas.openxmlformats.org/drawingml/2006/main" xmlns:r="http://schemas.openxmlformats.org/officeDocument/2006/relationships" xmlns:p="http://schemas.openxmlformats.org/presentationml/2006/main">
-  <p:cSld>
-    <p:spTree>
-      <p:nvGrpSpPr>
-        <p:cNvPr id="1" name=""/>
-        <p:cNvGrpSpPr/>
-        <p:nvPr/>
-      </p:nvGrpSpPr>
-      <p:grpSpPr>
-        <a:xfrm>
-          <a:off x="0" y="0"/>
-          <a:ext cx="0" cy="0"/>
-          <a:chOff x="0" y="0"/>
-          <a:chExt cx="0" cy="0"/>
-        </a:xfrm>
-      </p:grpSpPr>
-      <p:sp>
-        <p:nvSpPr>
-          <p:cNvPr id="2" name="Título 1">
-            <a:extLst>
-              <a:ext uri="{FF2B5EF4-FFF2-40B4-BE49-F238E27FC236}">
-                <a16:creationId xmlns:a16="http://schemas.microsoft.com/office/drawing/2014/main" id="{166227E6-2388-4E44-8C87-82E247E326EC}"/>
-              </a:ext>
-            </a:extLst>
-          </p:cNvPr>
-          <p:cNvSpPr>
-            <a:spLocks noGrp="1"/>
-          </p:cNvSpPr>
-          <p:nvPr>
-            <p:ph type="title"/>
-          </p:nvPr>
-        </p:nvSpPr>
-        <p:spPr/>
-        <p:txBody>
-          <a:bodyPr/>
-          <a:lstStyle/>
-          <a:p>
-            <a:r>
-              <a:rPr lang="es-CO" dirty="0"/>
-              <a:t>Manejo Home Page y Creación de Páginas</a:t>
-            </a:r>
-          </a:p>
-        </p:txBody>
-      </p:sp>
-      <p:pic>
-        <p:nvPicPr>
-          <p:cNvPr id="4" name="Imagen 3">
-            <a:extLst>
-              <a:ext uri="{FF2B5EF4-FFF2-40B4-BE49-F238E27FC236}">
-                <a16:creationId xmlns:a16="http://schemas.microsoft.com/office/drawing/2014/main" id="{AE08A470-CD27-4E1E-8F02-BAA339D62B17}"/>
-              </a:ext>
-            </a:extLst>
-          </p:cNvPr>
-          <p:cNvPicPr>
-            <a:picLocks noChangeAspect="1"/>
-          </p:cNvPicPr>
-          <p:nvPr/>
-        </p:nvPicPr>
-        <p:blipFill>
-          <a:blip r:embed="rId2"/>
-          <a:stretch>
-            <a:fillRect/>
-          </a:stretch>
-        </p:blipFill>
-        <p:spPr>
-          <a:xfrm>
-            <a:off x="1607045" y="2122640"/>
-            <a:ext cx="8974733" cy="4269277"/>
-          </a:xfrm>
-          <a:prstGeom prst="rect">
-            <a:avLst/>
-          </a:prstGeom>
-        </p:spPr>
-      </p:pic>
-    </p:spTree>
-    <p:extLst>
-      <p:ext uri="{BB962C8B-B14F-4D97-AF65-F5344CB8AC3E}">
-        <p14:creationId xmlns:p14="http://schemas.microsoft.com/office/powerpoint/2010/main" val="2860866914"/>
-      </p:ext>
-    </p:extLst>
-  </p:cSld>
-  <p:clrMapOvr>
-    <a:masterClrMapping/>
-  </p:clrMapOvr>
-</p:sld>
-</file>
-
-<file path=ppt/slides/slide4.xml><?xml version="1.0" encoding="utf-8"?>
-<p:sld xmlns:a="http://schemas.openxmlformats.org/drawingml/2006/main" xmlns:r="http://schemas.openxmlformats.org/officeDocument/2006/relationships" xmlns:p="http://schemas.openxmlformats.org/presentationml/2006/main">
-  <p:cSld>
-    <p:spTree>
-      <p:nvGrpSpPr>
-        <p:cNvPr id="1" name=""/>
-        <p:cNvGrpSpPr/>
-        <p:nvPr/>
-      </p:nvGrpSpPr>
-      <p:grpSpPr>
-        <a:xfrm>
-          <a:off x="0" y="0"/>
-          <a:ext cx="0" cy="0"/>
-          <a:chOff x="0" y="0"/>
-          <a:chExt cx="0" cy="0"/>
-        </a:xfrm>
-      </p:grpSpPr>
-      <p:sp>
-        <p:nvSpPr>
-          <p:cNvPr id="2" name="Título 1">
-            <a:extLst>
-              <a:ext uri="{FF2B5EF4-FFF2-40B4-BE49-F238E27FC236}">
-                <a16:creationId xmlns:a16="http://schemas.microsoft.com/office/drawing/2014/main" id="{166227E6-2388-4E44-8C87-82E247E326EC}"/>
-              </a:ext>
-            </a:extLst>
-          </p:cNvPr>
-          <p:cNvSpPr>
-            <a:spLocks noGrp="1"/>
-          </p:cNvSpPr>
-          <p:nvPr>
-            <p:ph type="title"/>
-          </p:nvPr>
-        </p:nvSpPr>
-        <p:spPr/>
-        <p:txBody>
-          <a:bodyPr/>
-          <a:lstStyle/>
-          <a:p>
-            <a:r>
-              <a:rPr lang="es-CO" dirty="0"/>
-              <a:t>Manejo Home Page y Creación de Páginas</a:t>
-            </a:r>
-          </a:p>
-        </p:txBody>
-      </p:sp>
-      <p:pic>
-        <p:nvPicPr>
-          <p:cNvPr id="4" name="Imagen 3">
-            <a:extLst>
-              <a:ext uri="{FF2B5EF4-FFF2-40B4-BE49-F238E27FC236}">
-                <a16:creationId xmlns:a16="http://schemas.microsoft.com/office/drawing/2014/main" id="{AE08A470-CD27-4E1E-8F02-BAA339D62B17}"/>
-              </a:ext>
-            </a:extLst>
-          </p:cNvPr>
-          <p:cNvPicPr>
-            <a:picLocks noChangeAspect="1"/>
-          </p:cNvPicPr>
-          <p:nvPr/>
-        </p:nvPicPr>
-        <p:blipFill>
-          <a:blip r:embed="rId2"/>
-          <a:stretch>
-            <a:fillRect/>
-          </a:stretch>
-        </p:blipFill>
-        <p:spPr>
-          <a:xfrm>
-            <a:off x="909836" y="2221482"/>
-            <a:ext cx="7295679" cy="3885755"/>
-          </a:xfrm>
-          <a:prstGeom prst="rect">
-            <a:avLst/>
-          </a:prstGeom>
-        </p:spPr>
-      </p:pic>
-      <p:pic>
-        <p:nvPicPr>
-          <p:cNvPr id="3" name="Imagen 2">
-            <a:extLst>
-              <a:ext uri="{FF2B5EF4-FFF2-40B4-BE49-F238E27FC236}">
-                <a16:creationId xmlns:a16="http://schemas.microsoft.com/office/drawing/2014/main" id="{D002D2DD-1EFA-43E9-876A-CE2C5B2489D6}"/>
-              </a:ext>
-            </a:extLst>
-          </p:cNvPr>
-          <p:cNvPicPr>
-            <a:picLocks noChangeAspect="1"/>
-          </p:cNvPicPr>
-          <p:nvPr/>
-        </p:nvPicPr>
-        <p:blipFill>
-          <a:blip r:embed="rId3"/>
-          <a:stretch>
-            <a:fillRect/>
-          </a:stretch>
-        </p:blipFill>
-        <p:spPr>
-          <a:xfrm>
-            <a:off x="8974732" y="2492896"/>
-            <a:ext cx="2638425" cy="3095625"/>
-          </a:xfrm>
-          <a:prstGeom prst="rect">
-            <a:avLst/>
-          </a:prstGeom>
-        </p:spPr>
-      </p:pic>
-    </p:spTree>
-    <p:extLst>
-      <p:ext uri="{BB962C8B-B14F-4D97-AF65-F5344CB8AC3E}">
-        <p14:creationId xmlns:p14="http://schemas.microsoft.com/office/powerpoint/2010/main" val="3908802608"/>
-      </p:ext>
-    </p:extLst>
-  </p:cSld>
-  <p:clrMapOvr>
-    <a:masterClrMapping/>
-  </p:clrMapOvr>
-</p:sld>
-</file>
-
-<file path=ppt/slides/slide5.xml><?xml version="1.0" encoding="utf-8"?>
-<p:sld xmlns:a="http://schemas.openxmlformats.org/drawingml/2006/main" xmlns:r="http://schemas.openxmlformats.org/officeDocument/2006/relationships" xmlns:p="http://schemas.openxmlformats.org/presentationml/2006/main">
-  <p:cSld>
-    <p:spTree>
-      <p:nvGrpSpPr>
-        <p:cNvPr id="1" name=""/>
-        <p:cNvGrpSpPr/>
-        <p:nvPr/>
-      </p:nvGrpSpPr>
-      <p:grpSpPr>
-        <a:xfrm>
-          <a:off x="0" y="0"/>
-          <a:ext cx="0" cy="0"/>
-          <a:chOff x="0" y="0"/>
-          <a:chExt cx="0" cy="0"/>
-        </a:xfrm>
-      </p:grpSpPr>
-      <p:sp>
-        <p:nvSpPr>
-          <p:cNvPr id="2" name="Título 1">
-            <a:extLst>
-              <a:ext uri="{FF2B5EF4-FFF2-40B4-BE49-F238E27FC236}">
-                <a16:creationId xmlns:a16="http://schemas.microsoft.com/office/drawing/2014/main" id="{166227E6-2388-4E44-8C87-82E247E326EC}"/>
-              </a:ext>
-            </a:extLst>
-          </p:cNvPr>
-          <p:cNvSpPr>
-            <a:spLocks noGrp="1"/>
-          </p:cNvSpPr>
-          <p:nvPr>
-            <p:ph type="title"/>
-          </p:nvPr>
-        </p:nvSpPr>
-        <p:spPr/>
-        <p:txBody>
-          <a:bodyPr/>
-          <a:lstStyle/>
-          <a:p>
-            <a:r>
-              <a:rPr lang="es-CO" dirty="0"/>
-              <a:t>Manejo Home Page y Creación de Páginas</a:t>
-            </a:r>
-          </a:p>
-        </p:txBody>
-      </p:sp>
-      <p:pic>
-        <p:nvPicPr>
-          <p:cNvPr id="5" name="Imagen 4">
-            <a:extLst>
-              <a:ext uri="{FF2B5EF4-FFF2-40B4-BE49-F238E27FC236}">
-                <a16:creationId xmlns:a16="http://schemas.microsoft.com/office/drawing/2014/main" id="{E2D706C8-3566-473E-8CC1-D9DF7C3F380A}"/>
-              </a:ext>
-            </a:extLst>
-          </p:cNvPr>
-          <p:cNvPicPr>
-            <a:picLocks noChangeAspect="1"/>
-          </p:cNvPicPr>
-          <p:nvPr/>
-        </p:nvPicPr>
-        <p:blipFill>
-          <a:blip r:embed="rId2"/>
-          <a:stretch>
-            <a:fillRect/>
-          </a:stretch>
-        </p:blipFill>
-        <p:spPr>
-          <a:xfrm>
-            <a:off x="2349996" y="2157731"/>
-            <a:ext cx="4408808" cy="4168328"/>
-          </a:xfrm>
-          <a:prstGeom prst="rect">
-            <a:avLst/>
-          </a:prstGeom>
-        </p:spPr>
-      </p:pic>
-      <p:pic>
-        <p:nvPicPr>
-          <p:cNvPr id="6" name="Imagen 5">
-            <a:extLst>
-              <a:ext uri="{FF2B5EF4-FFF2-40B4-BE49-F238E27FC236}">
-                <a16:creationId xmlns:a16="http://schemas.microsoft.com/office/drawing/2014/main" id="{CE5F7631-E442-43E3-B372-8D56AF8DB98A}"/>
-              </a:ext>
-            </a:extLst>
-          </p:cNvPr>
-          <p:cNvPicPr>
-            <a:picLocks noChangeAspect="1"/>
-          </p:cNvPicPr>
-          <p:nvPr/>
-        </p:nvPicPr>
-        <p:blipFill>
-          <a:blip r:embed="rId3"/>
-          <a:stretch>
-            <a:fillRect/>
-          </a:stretch>
-        </p:blipFill>
-        <p:spPr>
-          <a:xfrm>
-            <a:off x="8182644" y="1556792"/>
-            <a:ext cx="2505018" cy="4966994"/>
-          </a:xfrm>
-          <a:prstGeom prst="rect">
-            <a:avLst/>
-          </a:prstGeom>
-        </p:spPr>
-      </p:pic>
-    </p:spTree>
-    <p:extLst>
-      <p:ext uri="{BB962C8B-B14F-4D97-AF65-F5344CB8AC3E}">
-        <p14:creationId xmlns:p14="http://schemas.microsoft.com/office/powerpoint/2010/main" val="3121867113"/>
-      </p:ext>
-    </p:extLst>
-  </p:cSld>
-  <p:clrMapOvr>
-    <a:masterClrMapping/>
-  </p:clrMapOvr>
-</p:sld>
-</file>
-
-<file path=ppt/slides/slide6.xml><?xml version="1.0" encoding="utf-8"?>
-<p:sld xmlns:a="http://schemas.openxmlformats.org/drawingml/2006/main" xmlns:r="http://schemas.openxmlformats.org/officeDocument/2006/relationships" xmlns:p="http://schemas.openxmlformats.org/presentationml/2006/main">
-  <p:cSld>
-    <p:spTree>
-      <p:nvGrpSpPr>
-        <p:cNvPr id="1" name=""/>
-        <p:cNvGrpSpPr/>
-        <p:nvPr/>
-      </p:nvGrpSpPr>
-      <p:grpSpPr>
-        <a:xfrm>
-          <a:off x="0" y="0"/>
-          <a:ext cx="0" cy="0"/>
-          <a:chOff x="0" y="0"/>
-          <a:chExt cx="0" cy="0"/>
-        </a:xfrm>
-      </p:grpSpPr>
-      <p:sp>
-        <p:nvSpPr>
-          <p:cNvPr id="2" name="Título 1">
-            <a:extLst>
-              <a:ext uri="{FF2B5EF4-FFF2-40B4-BE49-F238E27FC236}">
-                <a16:creationId xmlns:a16="http://schemas.microsoft.com/office/drawing/2014/main" id="{166227E6-2388-4E44-8C87-82E247E326EC}"/>
-              </a:ext>
-            </a:extLst>
-          </p:cNvPr>
-          <p:cNvSpPr>
-            <a:spLocks noGrp="1"/>
-          </p:cNvSpPr>
-          <p:nvPr>
-            <p:ph type="title"/>
-          </p:nvPr>
-        </p:nvSpPr>
-        <p:spPr/>
-        <p:txBody>
-          <a:bodyPr/>
-          <a:lstStyle/>
-          <a:p>
-            <a:r>
-              <a:rPr lang="es-CO" dirty="0"/>
-              <a:t>Previsualizar info y Descargar</a:t>
-            </a:r>
-          </a:p>
-        </p:txBody>
-      </p:sp>
-      <p:pic>
-        <p:nvPicPr>
-          <p:cNvPr id="3" name="Imagen 2">
-            <a:extLst>
-              <a:ext uri="{FF2B5EF4-FFF2-40B4-BE49-F238E27FC236}">
-                <a16:creationId xmlns:a16="http://schemas.microsoft.com/office/drawing/2014/main" id="{40A54A60-BC46-4FE9-A84B-11F9943E0D16}"/>
-              </a:ext>
-            </a:extLst>
-          </p:cNvPr>
-          <p:cNvPicPr>
-            <a:picLocks noChangeAspect="1"/>
-          </p:cNvPicPr>
-          <p:nvPr/>
-        </p:nvPicPr>
-        <p:blipFill>
-          <a:blip r:embed="rId2"/>
-          <a:stretch>
-            <a:fillRect/>
-          </a:stretch>
-        </p:blipFill>
-        <p:spPr>
-          <a:xfrm>
-            <a:off x="1773932" y="1844824"/>
-            <a:ext cx="3380332" cy="4414049"/>
-          </a:xfrm>
-          <a:prstGeom prst="rect">
-            <a:avLst/>
-          </a:prstGeom>
-        </p:spPr>
-      </p:pic>
-      <p:pic>
-        <p:nvPicPr>
-          <p:cNvPr id="4" name="Imagen 3">
-            <a:extLst>
-              <a:ext uri="{FF2B5EF4-FFF2-40B4-BE49-F238E27FC236}">
-                <a16:creationId xmlns:a16="http://schemas.microsoft.com/office/drawing/2014/main" id="{084D25E4-B5E1-461C-9885-79B8B6D65334}"/>
-              </a:ext>
-            </a:extLst>
-          </p:cNvPr>
-          <p:cNvPicPr>
-            <a:picLocks noChangeAspect="1"/>
-          </p:cNvPicPr>
-          <p:nvPr/>
-        </p:nvPicPr>
-        <p:blipFill>
-          <a:blip r:embed="rId3"/>
-          <a:stretch>
-            <a:fillRect/>
-          </a:stretch>
-        </p:blipFill>
-        <p:spPr>
-          <a:xfrm>
-            <a:off x="5878388" y="2330253"/>
-            <a:ext cx="5691804" cy="3443190"/>
-          </a:xfrm>
-          <a:prstGeom prst="rect">
-            <a:avLst/>
-          </a:prstGeom>
-        </p:spPr>
-      </p:pic>
-    </p:spTree>
-    <p:extLst>
-      <p:ext uri="{BB962C8B-B14F-4D97-AF65-F5344CB8AC3E}">
-        <p14:creationId xmlns:p14="http://schemas.microsoft.com/office/powerpoint/2010/main" val="3866350207"/>
-      </p:ext>
-    </p:extLst>
-  </p:cSld>
-  <p:clrMapOvr>
-    <a:masterClrMapping/>
-  </p:clrMapOvr>
-</p:sld>
-</file>
-
-<file path=ppt/slides/slide7.xml><?xml version="1.0" encoding="utf-8"?>
-<p:sld xmlns:a="http://schemas.openxmlformats.org/drawingml/2006/main" xmlns:r="http://schemas.openxmlformats.org/officeDocument/2006/relationships" xmlns:p="http://schemas.openxmlformats.org/presentationml/2006/main">
-  <p:cSld>
-    <p:spTree>
-      <p:nvGrpSpPr>
-        <p:cNvPr id="1" name=""/>
-        <p:cNvGrpSpPr/>
-        <p:nvPr/>
-      </p:nvGrpSpPr>
-      <p:grpSpPr>
-        <a:xfrm>
-          <a:off x="0" y="0"/>
-          <a:ext cx="0" cy="0"/>
-          <a:chOff x="0" y="0"/>
-          <a:chExt cx="0" cy="0"/>
-        </a:xfrm>
-      </p:grpSpPr>
-      <p:sp>
-        <p:nvSpPr>
-          <p:cNvPr id="2" name="Título 1">
-            <a:extLst>
-              <a:ext uri="{FF2B5EF4-FFF2-40B4-BE49-F238E27FC236}">
-                <a16:creationId xmlns:a16="http://schemas.microsoft.com/office/drawing/2014/main" id="{871C0CDA-5765-469D-8E23-ABF036866691}"/>
-              </a:ext>
-            </a:extLst>
-          </p:cNvPr>
-          <p:cNvSpPr>
-            <a:spLocks noGrp="1"/>
-          </p:cNvSpPr>
-          <p:nvPr>
-            <p:ph type="title"/>
-          </p:nvPr>
-        </p:nvSpPr>
-        <p:spPr/>
-        <p:txBody>
-          <a:bodyPr/>
-          <a:lstStyle/>
-          <a:p>
-            <a:r>
-              <a:rPr lang="es-CO" dirty="0"/>
-              <a:t>Edición del Side Menu(</a:t>
-            </a:r>
-            <a:r>
-              <a:rPr lang="es-CO" dirty="0" err="1"/>
-              <a:t>item</a:t>
-            </a:r>
-            <a:r>
-              <a:rPr lang="es-CO" dirty="0"/>
-              <a:t>)</a:t>
-            </a:r>
-          </a:p>
-        </p:txBody>
-      </p:sp>
-      <p:pic>
-        <p:nvPicPr>
-          <p:cNvPr id="4" name="Imagen 3">
-            <a:extLst>
-              <a:ext uri="{FF2B5EF4-FFF2-40B4-BE49-F238E27FC236}">
-                <a16:creationId xmlns:a16="http://schemas.microsoft.com/office/drawing/2014/main" id="{FBB5CAA1-095B-4D2B-9F9E-D3DF9266773D}"/>
-              </a:ext>
-            </a:extLst>
-          </p:cNvPr>
-          <p:cNvPicPr>
-            <a:picLocks noChangeAspect="1"/>
-          </p:cNvPicPr>
-          <p:nvPr/>
-        </p:nvPicPr>
-        <p:blipFill>
-          <a:blip r:embed="rId2"/>
-          <a:stretch>
-            <a:fillRect/>
-          </a:stretch>
-        </p:blipFill>
-        <p:spPr>
-          <a:xfrm>
-            <a:off x="3322740" y="1988840"/>
-            <a:ext cx="2053523" cy="2080722"/>
-          </a:xfrm>
-          <a:prstGeom prst="rect">
-            <a:avLst/>
-          </a:prstGeom>
-        </p:spPr>
-      </p:pic>
-      <p:pic>
-        <p:nvPicPr>
-          <p:cNvPr id="5" name="Imagen 4">
-            <a:extLst>
-              <a:ext uri="{FF2B5EF4-FFF2-40B4-BE49-F238E27FC236}">
-                <a16:creationId xmlns:a16="http://schemas.microsoft.com/office/drawing/2014/main" id="{3291EF3C-4210-4331-B5E4-DB4B6F4FEB24}"/>
-              </a:ext>
-            </a:extLst>
-          </p:cNvPr>
-          <p:cNvPicPr>
-            <a:picLocks noChangeAspect="1"/>
-          </p:cNvPicPr>
-          <p:nvPr/>
-        </p:nvPicPr>
-        <p:blipFill>
-          <a:blip r:embed="rId3"/>
-          <a:stretch>
-            <a:fillRect/>
-          </a:stretch>
-        </p:blipFill>
-        <p:spPr>
-          <a:xfrm>
-            <a:off x="8312322" y="761621"/>
-            <a:ext cx="3219450" cy="5600700"/>
-          </a:xfrm>
-          <a:prstGeom prst="rect">
-            <a:avLst/>
-          </a:prstGeom>
-        </p:spPr>
-      </p:pic>
-      <p:pic>
-        <p:nvPicPr>
-          <p:cNvPr id="6" name="Imagen 5">
-            <a:extLst>
-              <a:ext uri="{FF2B5EF4-FFF2-40B4-BE49-F238E27FC236}">
-                <a16:creationId xmlns:a16="http://schemas.microsoft.com/office/drawing/2014/main" id="{FBDCC72E-A29B-46C3-B2C7-FB0A7BC2FE79}"/>
-              </a:ext>
-            </a:extLst>
-          </p:cNvPr>
-          <p:cNvPicPr>
-            <a:picLocks noChangeAspect="1"/>
-          </p:cNvPicPr>
-          <p:nvPr/>
-        </p:nvPicPr>
-        <p:blipFill>
-          <a:blip r:embed="rId4"/>
-          <a:stretch>
-            <a:fillRect/>
-          </a:stretch>
-        </p:blipFill>
-        <p:spPr>
-          <a:xfrm>
-            <a:off x="1053851" y="4437112"/>
-            <a:ext cx="6591300" cy="1647825"/>
-          </a:xfrm>
-          <a:prstGeom prst="rect">
-            <a:avLst/>
-          </a:prstGeom>
-        </p:spPr>
-      </p:pic>
-    </p:spTree>
-    <p:extLst>
-      <p:ext uri="{BB962C8B-B14F-4D97-AF65-F5344CB8AC3E}">
-        <p14:creationId xmlns:p14="http://schemas.microsoft.com/office/powerpoint/2010/main" val="1675405567"/>
-      </p:ext>
-    </p:extLst>
-  </p:cSld>
-  <p:clrMapOvr>
-    <a:masterClrMapping/>
-  </p:clrMapOvr>
-</p:sld>
-</file>
-
-<file path=ppt/slides/slide8.xml><?xml version="1.0" encoding="utf-8"?>
-<p:sld xmlns:a="http://schemas.openxmlformats.org/drawingml/2006/main" xmlns:r="http://schemas.openxmlformats.org/officeDocument/2006/relationships" xmlns:p="http://schemas.openxmlformats.org/presentationml/2006/main">
-  <p:cSld>
-    <p:spTree>
-      <p:nvGrpSpPr>
-        <p:cNvPr id="1" name=""/>
-        <p:cNvGrpSpPr/>
-        <p:nvPr/>
-      </p:nvGrpSpPr>
-      <p:grpSpPr>
-        <a:xfrm>
-          <a:off x="0" y="0"/>
-          <a:ext cx="0" cy="0"/>
-          <a:chOff x="0" y="0"/>
-          <a:chExt cx="0" cy="0"/>
-        </a:xfrm>
-      </p:grpSpPr>
-      <p:sp>
-        <p:nvSpPr>
-          <p:cNvPr id="2" name="Título 1">
-            <a:extLst>
-              <a:ext uri="{FF2B5EF4-FFF2-40B4-BE49-F238E27FC236}">
-                <a16:creationId xmlns:a16="http://schemas.microsoft.com/office/drawing/2014/main" id="{871C0CDA-5765-469D-8E23-ABF036866691}"/>
-              </a:ext>
-            </a:extLst>
-          </p:cNvPr>
-          <p:cNvSpPr>
-            <a:spLocks noGrp="1"/>
-          </p:cNvSpPr>
-          <p:nvPr>
-            <p:ph type="title"/>
-          </p:nvPr>
-        </p:nvSpPr>
-        <p:spPr/>
-        <p:txBody>
-          <a:bodyPr/>
-          <a:lstStyle/>
-          <a:p>
-            <a:r>
-              <a:rPr lang="es-CO" dirty="0"/>
-              <a:t>Edición del Side Menu(</a:t>
-            </a:r>
-            <a:r>
-              <a:rPr lang="es-CO" dirty="0" err="1"/>
-              <a:t>css</a:t>
-            </a:r>
-            <a:r>
-              <a:rPr lang="es-CO" dirty="0"/>
-              <a:t> y </a:t>
-            </a:r>
-            <a:r>
-              <a:rPr lang="es-CO" dirty="0" err="1"/>
-              <a:t>html</a:t>
-            </a:r>
-            <a:r>
-              <a:rPr lang="es-CO" dirty="0"/>
-              <a:t>)</a:t>
-            </a:r>
-          </a:p>
-        </p:txBody>
-      </p:sp>
-      <p:pic>
-        <p:nvPicPr>
-          <p:cNvPr id="3" name="Imagen 2">
-            <a:extLst>
-              <a:ext uri="{FF2B5EF4-FFF2-40B4-BE49-F238E27FC236}">
                 <a16:creationId xmlns:a16="http://schemas.microsoft.com/office/drawing/2014/main" id="{ED78EDF0-5BFD-47F4-B839-232DDA4165E1}"/>
               </a:ext>
             </a:extLst>
@@ -5526,7 +4435,7 @@
 </p:sld>
 </file>
 
-<file path=ppt/slides/slide9.xml><?xml version="1.0" encoding="utf-8"?>
+<file path=ppt/slides/slide11.xml><?xml version="1.0" encoding="utf-8"?>
 <p:sld xmlns:a="http://schemas.openxmlformats.org/drawingml/2006/main" xmlns:r="http://schemas.openxmlformats.org/officeDocument/2006/relationships" xmlns:p="http://schemas.openxmlformats.org/presentationml/2006/main">
   <p:cSld>
     <p:spTree>
@@ -5711,6 +4620,1265 @@
     <p:extLst>
       <p:ext uri="{BB962C8B-B14F-4D97-AF65-F5344CB8AC3E}">
         <p14:creationId xmlns:p14="http://schemas.microsoft.com/office/powerpoint/2010/main" val="3290397011"/>
+      </p:ext>
+    </p:extLst>
+  </p:cSld>
+  <p:clrMapOvr>
+    <a:masterClrMapping/>
+  </p:clrMapOvr>
+</p:sld>
+</file>
+
+<file path=ppt/slides/slide12.xml><?xml version="1.0" encoding="utf-8"?>
+<p:sld xmlns:a="http://schemas.openxmlformats.org/drawingml/2006/main" xmlns:r="http://schemas.openxmlformats.org/officeDocument/2006/relationships" xmlns:p="http://schemas.openxmlformats.org/presentationml/2006/main">
+  <p:cSld>
+    <p:spTree>
+      <p:nvGrpSpPr>
+        <p:cNvPr id="1" name=""/>
+        <p:cNvGrpSpPr/>
+        <p:nvPr/>
+      </p:nvGrpSpPr>
+      <p:grpSpPr>
+        <a:xfrm>
+          <a:off x="0" y="0"/>
+          <a:ext cx="0" cy="0"/>
+          <a:chOff x="0" y="0"/>
+          <a:chExt cx="0" cy="0"/>
+        </a:xfrm>
+      </p:grpSpPr>
+      <p:sp>
+        <p:nvSpPr>
+          <p:cNvPr id="2" name="Título 1">
+            <a:extLst>
+              <a:ext uri="{FF2B5EF4-FFF2-40B4-BE49-F238E27FC236}">
+                <a16:creationId xmlns:a16="http://schemas.microsoft.com/office/drawing/2014/main" id="{871C0CDA-5765-469D-8E23-ABF036866691}"/>
+              </a:ext>
+            </a:extLst>
+          </p:cNvPr>
+          <p:cNvSpPr>
+            <a:spLocks noGrp="1"/>
+          </p:cNvSpPr>
+          <p:nvPr>
+            <p:ph type="title"/>
+          </p:nvPr>
+        </p:nvSpPr>
+        <p:spPr/>
+        <p:txBody>
+          <a:bodyPr/>
+          <a:lstStyle/>
+          <a:p>
+            <a:r>
+              <a:rPr lang="es-CO" dirty="0"/>
+              <a:t>Edición del Side Menu(</a:t>
+            </a:r>
+            <a:r>
+              <a:rPr lang="es-CO" dirty="0" err="1"/>
+              <a:t>css</a:t>
+            </a:r>
+            <a:r>
+              <a:rPr lang="es-CO" dirty="0"/>
+              <a:t> y </a:t>
+            </a:r>
+            <a:r>
+              <a:rPr lang="es-CO" dirty="0" err="1"/>
+              <a:t>html</a:t>
+            </a:r>
+            <a:r>
+              <a:rPr lang="es-CO" dirty="0"/>
+              <a:t>)</a:t>
+            </a:r>
+          </a:p>
+        </p:txBody>
+      </p:sp>
+      <p:pic>
+        <p:nvPicPr>
+          <p:cNvPr id="3" name="Imagen 2">
+            <a:extLst>
+              <a:ext uri="{FF2B5EF4-FFF2-40B4-BE49-F238E27FC236}">
+                <a16:creationId xmlns:a16="http://schemas.microsoft.com/office/drawing/2014/main" id="{81647E9E-6836-4EC5-947F-468EAC516A16}"/>
+              </a:ext>
+            </a:extLst>
+          </p:cNvPr>
+          <p:cNvPicPr>
+            <a:picLocks noChangeAspect="1"/>
+          </p:cNvPicPr>
+          <p:nvPr/>
+        </p:nvPicPr>
+        <p:blipFill>
+          <a:blip r:embed="rId2"/>
+          <a:stretch>
+            <a:fillRect/>
+          </a:stretch>
+        </p:blipFill>
+        <p:spPr>
+          <a:xfrm>
+            <a:off x="837828" y="3888221"/>
+            <a:ext cx="5553075" cy="609600"/>
+          </a:xfrm>
+          <a:prstGeom prst="rect">
+            <a:avLst/>
+          </a:prstGeom>
+        </p:spPr>
+      </p:pic>
+      <p:pic>
+        <p:nvPicPr>
+          <p:cNvPr id="7" name="Imagen 6">
+            <a:extLst>
+              <a:ext uri="{FF2B5EF4-FFF2-40B4-BE49-F238E27FC236}">
+                <a16:creationId xmlns:a16="http://schemas.microsoft.com/office/drawing/2014/main" id="{2FAAA034-5296-4289-A5A6-C53A75FA7840}"/>
+              </a:ext>
+            </a:extLst>
+          </p:cNvPr>
+          <p:cNvPicPr>
+            <a:picLocks noChangeAspect="1"/>
+          </p:cNvPicPr>
+          <p:nvPr/>
+        </p:nvPicPr>
+        <p:blipFill>
+          <a:blip r:embed="rId3"/>
+          <a:stretch>
+            <a:fillRect/>
+          </a:stretch>
+        </p:blipFill>
+        <p:spPr>
+          <a:xfrm>
+            <a:off x="6958508" y="1962979"/>
+            <a:ext cx="2520280" cy="4395488"/>
+          </a:xfrm>
+          <a:prstGeom prst="rect">
+            <a:avLst/>
+          </a:prstGeom>
+        </p:spPr>
+      </p:pic>
+      <p:pic>
+        <p:nvPicPr>
+          <p:cNvPr id="8" name="Imagen 7">
+            <a:extLst>
+              <a:ext uri="{FF2B5EF4-FFF2-40B4-BE49-F238E27FC236}">
+                <a16:creationId xmlns:a16="http://schemas.microsoft.com/office/drawing/2014/main" id="{3FE95B7F-DAD1-48E8-BD53-AB580A825255}"/>
+              </a:ext>
+            </a:extLst>
+          </p:cNvPr>
+          <p:cNvPicPr>
+            <a:picLocks noChangeAspect="1"/>
+          </p:cNvPicPr>
+          <p:nvPr/>
+        </p:nvPicPr>
+        <p:blipFill>
+          <a:blip r:embed="rId4"/>
+          <a:stretch>
+            <a:fillRect/>
+          </a:stretch>
+        </p:blipFill>
+        <p:spPr>
+          <a:xfrm>
+            <a:off x="9556713" y="1950876"/>
+            <a:ext cx="2473393" cy="4395488"/>
+          </a:xfrm>
+          <a:prstGeom prst="rect">
+            <a:avLst/>
+          </a:prstGeom>
+        </p:spPr>
+      </p:pic>
+      <p:pic>
+        <p:nvPicPr>
+          <p:cNvPr id="9" name="Imagen 8">
+            <a:extLst>
+              <a:ext uri="{FF2B5EF4-FFF2-40B4-BE49-F238E27FC236}">
+                <a16:creationId xmlns:a16="http://schemas.microsoft.com/office/drawing/2014/main" id="{E845ABD5-997D-4997-99D4-2789DC234E18}"/>
+              </a:ext>
+            </a:extLst>
+          </p:cNvPr>
+          <p:cNvPicPr>
+            <a:picLocks noChangeAspect="1"/>
+          </p:cNvPicPr>
+          <p:nvPr/>
+        </p:nvPicPr>
+        <p:blipFill>
+          <a:blip r:embed="rId5"/>
+          <a:stretch>
+            <a:fillRect/>
+          </a:stretch>
+        </p:blipFill>
+        <p:spPr>
+          <a:xfrm>
+            <a:off x="288032" y="4700270"/>
+            <a:ext cx="6350670" cy="156106"/>
+          </a:xfrm>
+          <a:prstGeom prst="rect">
+            <a:avLst/>
+          </a:prstGeom>
+        </p:spPr>
+      </p:pic>
+    </p:spTree>
+    <p:extLst>
+      <p:ext uri="{BB962C8B-B14F-4D97-AF65-F5344CB8AC3E}">
+        <p14:creationId xmlns:p14="http://schemas.microsoft.com/office/powerpoint/2010/main" val="3708236335"/>
+      </p:ext>
+    </p:extLst>
+  </p:cSld>
+  <p:clrMapOvr>
+    <a:masterClrMapping/>
+  </p:clrMapOvr>
+</p:sld>
+</file>
+
+<file path=ppt/slides/slide13.xml><?xml version="1.0" encoding="utf-8"?>
+<p:sld xmlns:a="http://schemas.openxmlformats.org/drawingml/2006/main" xmlns:r="http://schemas.openxmlformats.org/officeDocument/2006/relationships" xmlns:p="http://schemas.openxmlformats.org/presentationml/2006/main">
+  <p:cSld>
+    <p:spTree>
+      <p:nvGrpSpPr>
+        <p:cNvPr id="1" name=""/>
+        <p:cNvGrpSpPr/>
+        <p:nvPr/>
+      </p:nvGrpSpPr>
+      <p:grpSpPr>
+        <a:xfrm>
+          <a:off x="0" y="0"/>
+          <a:ext cx="0" cy="0"/>
+          <a:chOff x="0" y="0"/>
+          <a:chExt cx="0" cy="0"/>
+        </a:xfrm>
+      </p:grpSpPr>
+      <p:sp>
+        <p:nvSpPr>
+          <p:cNvPr id="2" name="Título 1">
+            <a:extLst>
+              <a:ext uri="{FF2B5EF4-FFF2-40B4-BE49-F238E27FC236}">
+                <a16:creationId xmlns:a16="http://schemas.microsoft.com/office/drawing/2014/main" id="{92F680D3-5065-4CDF-8D99-79C9342A943B}"/>
+              </a:ext>
+            </a:extLst>
+          </p:cNvPr>
+          <p:cNvSpPr>
+            <a:spLocks noGrp="1"/>
+          </p:cNvSpPr>
+          <p:nvPr>
+            <p:ph type="title"/>
+          </p:nvPr>
+        </p:nvSpPr>
+        <p:spPr>
+          <a:xfrm>
+            <a:off x="709427" y="2852936"/>
+            <a:ext cx="10769970" cy="1658198"/>
+          </a:xfrm>
+        </p:spPr>
+        <p:txBody>
+          <a:bodyPr/>
+          <a:lstStyle/>
+          <a:p>
+            <a:r>
+              <a:rPr lang="es-CO" dirty="0"/>
+              <a:t>Ahora es tu turno…</a:t>
+            </a:r>
+          </a:p>
+        </p:txBody>
+      </p:sp>
+    </p:spTree>
+    <p:extLst>
+      <p:ext uri="{BB962C8B-B14F-4D97-AF65-F5344CB8AC3E}">
+        <p14:creationId xmlns:p14="http://schemas.microsoft.com/office/powerpoint/2010/main" val="713854363"/>
+      </p:ext>
+    </p:extLst>
+  </p:cSld>
+  <p:clrMapOvr>
+    <a:masterClrMapping/>
+  </p:clrMapOvr>
+</p:sld>
+</file>
+
+<file path=ppt/slides/slide14.xml><?xml version="1.0" encoding="utf-8"?>
+<p:sld xmlns:a="http://schemas.openxmlformats.org/drawingml/2006/main" xmlns:r="http://schemas.openxmlformats.org/officeDocument/2006/relationships" xmlns:p="http://schemas.openxmlformats.org/presentationml/2006/main">
+  <p:cSld>
+    <p:spTree>
+      <p:nvGrpSpPr>
+        <p:cNvPr id="1" name=""/>
+        <p:cNvGrpSpPr/>
+        <p:nvPr/>
+      </p:nvGrpSpPr>
+      <p:grpSpPr>
+        <a:xfrm>
+          <a:off x="0" y="0"/>
+          <a:ext cx="0" cy="0"/>
+          <a:chOff x="0" y="0"/>
+          <a:chExt cx="0" cy="0"/>
+        </a:xfrm>
+      </p:grpSpPr>
+      <p:sp>
+        <p:nvSpPr>
+          <p:cNvPr id="2" name="Título 1"/>
+          <p:cNvSpPr>
+            <a:spLocks noGrp="1"/>
+          </p:cNvSpPr>
+          <p:nvPr>
+            <p:ph type="title"/>
+          </p:nvPr>
+        </p:nvSpPr>
+        <p:spPr/>
+        <p:txBody>
+          <a:bodyPr rtlCol="0"/>
+          <a:lstStyle/>
+          <a:p>
+            <a:pPr rtl="0"/>
+            <a:r>
+              <a:rPr lang="es-ES" dirty="0"/>
+              <a:t>Bibliografía</a:t>
+            </a:r>
+          </a:p>
+        </p:txBody>
+      </p:sp>
+      <p:sp>
+        <p:nvSpPr>
+          <p:cNvPr id="3" name="Marcador de posición de contenido 2"/>
+          <p:cNvSpPr>
+            <a:spLocks noGrp="1"/>
+          </p:cNvSpPr>
+          <p:nvPr>
+            <p:ph idx="1"/>
+          </p:nvPr>
+        </p:nvSpPr>
+        <p:spPr/>
+        <p:txBody>
+          <a:bodyPr rtlCol="0">
+            <a:normAutofit fontScale="92500" lnSpcReduction="10000"/>
+          </a:bodyPr>
+          <a:lstStyle/>
+          <a:p>
+            <a:r>
+              <a:rPr lang="es-ES" dirty="0">
+                <a:hlinkClick r:id="rId2"/>
+              </a:rPr>
+              <a:t>https://www.hostinger.co/tutoriales/instalar-node-js-ubuntu/</a:t>
+            </a:r>
+            <a:endParaRPr lang="es-ES" dirty="0"/>
+          </a:p>
+          <a:p>
+            <a:r>
+              <a:rPr lang="es-ES" dirty="0">
+                <a:hlinkClick r:id="rId3"/>
+              </a:rPr>
+              <a:t>https://ionicframework.com/getting-started</a:t>
+            </a:r>
+            <a:endParaRPr lang="es-ES" dirty="0"/>
+          </a:p>
+          <a:p>
+            <a:r>
+              <a:rPr lang="es-ES" dirty="0">
+                <a:hlinkClick r:id="rId4"/>
+              </a:rPr>
+              <a:t>https://creator.ionic.io/app/login</a:t>
+            </a:r>
+            <a:endParaRPr lang="es-ES" dirty="0"/>
+          </a:p>
+          <a:p>
+            <a:r>
+              <a:rPr lang="es-ES" dirty="0">
+                <a:hlinkClick r:id="rId5"/>
+              </a:rPr>
+              <a:t>https://ionicframework.com/docs/components/</a:t>
+            </a:r>
+            <a:endParaRPr lang="es-ES" dirty="0"/>
+          </a:p>
+          <a:p>
+            <a:r>
+              <a:rPr lang="es-ES" dirty="0">
+                <a:hlinkClick r:id="rId6"/>
+              </a:rPr>
+              <a:t>https://ionicframework.com/docs/</a:t>
+            </a:r>
+            <a:endParaRPr lang="es-ES" dirty="0"/>
+          </a:p>
+          <a:p>
+            <a:r>
+              <a:rPr lang="es-ES" dirty="0">
+                <a:hlinkClick r:id="rId7"/>
+              </a:rPr>
+              <a:t>https://ionicframework.com/docs/pro/devapp/</a:t>
+            </a:r>
+            <a:endParaRPr lang="es-ES" dirty="0"/>
+          </a:p>
+          <a:p>
+            <a:endParaRPr lang="es-ES" dirty="0"/>
+          </a:p>
+          <a:p>
+            <a:endParaRPr lang="es-ES" dirty="0"/>
+          </a:p>
+        </p:txBody>
+      </p:sp>
+    </p:spTree>
+    <p:extLst>
+      <p:ext uri="{BB962C8B-B14F-4D97-AF65-F5344CB8AC3E}">
+        <p14:creationId xmlns:p14="http://schemas.microsoft.com/office/powerpoint/2010/main" val="2765137111"/>
+      </p:ext>
+    </p:extLst>
+  </p:cSld>
+  <p:clrMapOvr>
+    <a:masterClrMapping/>
+  </p:clrMapOvr>
+  <mc:AlternateContent xmlns:mc="http://schemas.openxmlformats.org/markup-compatibility/2006" xmlns:p14="http://schemas.microsoft.com/office/powerpoint/2010/main">
+    <mc:Choice Requires="p14">
+      <p:transition spd="med" p14:dur="700">
+        <p:fade/>
+      </p:transition>
+    </mc:Choice>
+    <mc:Fallback xmlns="">
+      <p:transition spd="med">
+        <p:fade/>
+      </p:transition>
+    </mc:Fallback>
+  </mc:AlternateContent>
+</p:sld>
+</file>
+
+<file path=ppt/slides/slide2.xml><?xml version="1.0" encoding="utf-8"?>
+<p:sld xmlns:a="http://schemas.openxmlformats.org/drawingml/2006/main" xmlns:r="http://schemas.openxmlformats.org/officeDocument/2006/relationships" xmlns:p="http://schemas.openxmlformats.org/presentationml/2006/main">
+  <p:cSld>
+    <p:spTree>
+      <p:nvGrpSpPr>
+        <p:cNvPr id="1" name=""/>
+        <p:cNvGrpSpPr/>
+        <p:nvPr/>
+      </p:nvGrpSpPr>
+      <p:grpSpPr>
+        <a:xfrm>
+          <a:off x="0" y="0"/>
+          <a:ext cx="0" cy="0"/>
+          <a:chOff x="0" y="0"/>
+          <a:chExt cx="0" cy="0"/>
+        </a:xfrm>
+      </p:grpSpPr>
+      <p:sp>
+        <p:nvSpPr>
+          <p:cNvPr id="2" name="Título 1">
+            <a:extLst>
+              <a:ext uri="{FF2B5EF4-FFF2-40B4-BE49-F238E27FC236}">
+                <a16:creationId xmlns:a16="http://schemas.microsoft.com/office/drawing/2014/main" id="{F6471F2F-904B-4C20-8E62-A5FC08EA40CA}"/>
+              </a:ext>
+            </a:extLst>
+          </p:cNvPr>
+          <p:cNvSpPr>
+            <a:spLocks noGrp="1"/>
+          </p:cNvSpPr>
+          <p:nvPr>
+            <p:ph type="title"/>
+          </p:nvPr>
+        </p:nvSpPr>
+        <p:spPr/>
+        <p:txBody>
+          <a:bodyPr/>
+          <a:lstStyle/>
+          <a:p>
+            <a:r>
+              <a:rPr lang="es-CO" dirty="0"/>
+              <a:t>Simplicidad</a:t>
+            </a:r>
+          </a:p>
+        </p:txBody>
+      </p:sp>
+      <p:sp>
+        <p:nvSpPr>
+          <p:cNvPr id="3" name="Marcador de contenido 2">
+            <a:extLst>
+              <a:ext uri="{FF2B5EF4-FFF2-40B4-BE49-F238E27FC236}">
+                <a16:creationId xmlns:a16="http://schemas.microsoft.com/office/drawing/2014/main" id="{5CD85855-620E-473D-9CED-526BE2F22DC3}"/>
+              </a:ext>
+            </a:extLst>
+          </p:cNvPr>
+          <p:cNvSpPr>
+            <a:spLocks noGrp="1"/>
+          </p:cNvSpPr>
+          <p:nvPr>
+            <p:ph idx="1"/>
+          </p:nvPr>
+        </p:nvSpPr>
+        <p:spPr/>
+        <p:txBody>
+          <a:bodyPr/>
+          <a:lstStyle/>
+          <a:p>
+            <a:endParaRPr lang="es-CO"/>
+          </a:p>
+        </p:txBody>
+      </p:sp>
+    </p:spTree>
+    <p:extLst>
+      <p:ext uri="{BB962C8B-B14F-4D97-AF65-F5344CB8AC3E}">
+        <p14:creationId xmlns:p14="http://schemas.microsoft.com/office/powerpoint/2010/main" val="353971449"/>
+      </p:ext>
+    </p:extLst>
+  </p:cSld>
+  <p:clrMapOvr>
+    <a:masterClrMapping/>
+  </p:clrMapOvr>
+</p:sld>
+</file>
+
+<file path=ppt/slides/slide3.xml><?xml version="1.0" encoding="utf-8"?>
+<p:sld xmlns:a="http://schemas.openxmlformats.org/drawingml/2006/main" xmlns:r="http://schemas.openxmlformats.org/officeDocument/2006/relationships" xmlns:p="http://schemas.openxmlformats.org/presentationml/2006/main">
+  <p:cSld>
+    <p:spTree>
+      <p:nvGrpSpPr>
+        <p:cNvPr id="1" name=""/>
+        <p:cNvGrpSpPr/>
+        <p:nvPr/>
+      </p:nvGrpSpPr>
+      <p:grpSpPr>
+        <a:xfrm>
+          <a:off x="0" y="0"/>
+          <a:ext cx="0" cy="0"/>
+          <a:chOff x="0" y="0"/>
+          <a:chExt cx="0" cy="0"/>
+        </a:xfrm>
+      </p:grpSpPr>
+      <p:sp>
+        <p:nvSpPr>
+          <p:cNvPr id="2" name="Título 1">
+            <a:extLst>
+              <a:ext uri="{FF2B5EF4-FFF2-40B4-BE49-F238E27FC236}">
+                <a16:creationId xmlns:a16="http://schemas.microsoft.com/office/drawing/2014/main" id="{0B5CFC57-3748-4FAF-9C04-E276F50C789C}"/>
+              </a:ext>
+            </a:extLst>
+          </p:cNvPr>
+          <p:cNvSpPr>
+            <a:spLocks noGrp="1"/>
+          </p:cNvSpPr>
+          <p:nvPr>
+            <p:ph type="title"/>
+          </p:nvPr>
+        </p:nvSpPr>
+        <p:spPr/>
+        <p:txBody>
+          <a:bodyPr/>
+          <a:lstStyle/>
+          <a:p>
+            <a:r>
+              <a:rPr lang="es-CO" dirty="0"/>
+              <a:t>Imaginación</a:t>
+            </a:r>
+          </a:p>
+        </p:txBody>
+      </p:sp>
+      <p:sp>
+        <p:nvSpPr>
+          <p:cNvPr id="3" name="Marcador de contenido 2">
+            <a:extLst>
+              <a:ext uri="{FF2B5EF4-FFF2-40B4-BE49-F238E27FC236}">
+                <a16:creationId xmlns:a16="http://schemas.microsoft.com/office/drawing/2014/main" id="{E8B887AD-9DC7-4832-88D1-DB1D145A1A0D}"/>
+              </a:ext>
+            </a:extLst>
+          </p:cNvPr>
+          <p:cNvSpPr>
+            <a:spLocks noGrp="1"/>
+          </p:cNvSpPr>
+          <p:nvPr>
+            <p:ph idx="1"/>
+          </p:nvPr>
+        </p:nvSpPr>
+        <p:spPr/>
+        <p:txBody>
+          <a:bodyPr/>
+          <a:lstStyle/>
+          <a:p>
+            <a:endParaRPr lang="es-CO"/>
+          </a:p>
+        </p:txBody>
+      </p:sp>
+    </p:spTree>
+    <p:extLst>
+      <p:ext uri="{BB962C8B-B14F-4D97-AF65-F5344CB8AC3E}">
+        <p14:creationId xmlns:p14="http://schemas.microsoft.com/office/powerpoint/2010/main" val="1876058136"/>
+      </p:ext>
+    </p:extLst>
+  </p:cSld>
+  <p:clrMapOvr>
+    <a:masterClrMapping/>
+  </p:clrMapOvr>
+</p:sld>
+</file>
+
+<file path=ppt/slides/slide4.xml><?xml version="1.0" encoding="utf-8"?>
+<p:sld xmlns:a="http://schemas.openxmlformats.org/drawingml/2006/main" xmlns:r="http://schemas.openxmlformats.org/officeDocument/2006/relationships" xmlns:p="http://schemas.openxmlformats.org/presentationml/2006/main">
+  <p:cSld>
+    <p:spTree>
+      <p:nvGrpSpPr>
+        <p:cNvPr id="1" name=""/>
+        <p:cNvGrpSpPr/>
+        <p:nvPr/>
+      </p:nvGrpSpPr>
+      <p:grpSpPr>
+        <a:xfrm>
+          <a:off x="0" y="0"/>
+          <a:ext cx="0" cy="0"/>
+          <a:chOff x="0" y="0"/>
+          <a:chExt cx="0" cy="0"/>
+        </a:xfrm>
+      </p:grpSpPr>
+      <p:sp>
+        <p:nvSpPr>
+          <p:cNvPr id="13" name="Título 12"/>
+          <p:cNvSpPr>
+            <a:spLocks noGrp="1"/>
+          </p:cNvSpPr>
+          <p:nvPr>
+            <p:ph type="title"/>
+          </p:nvPr>
+        </p:nvSpPr>
+        <p:spPr/>
+        <p:txBody>
+          <a:bodyPr rtlCol="0"/>
+          <a:lstStyle/>
+          <a:p>
+            <a:pPr rtl="0"/>
+            <a:r>
+              <a:rPr lang="es-ES" dirty="0"/>
+              <a:t>Creación de interfaz gráfica con plantillas(ionic creator) </a:t>
+            </a:r>
+          </a:p>
+        </p:txBody>
+      </p:sp>
+      <p:pic>
+        <p:nvPicPr>
+          <p:cNvPr id="8" name="Imagen 7">
+            <a:extLst>
+              <a:ext uri="{FF2B5EF4-FFF2-40B4-BE49-F238E27FC236}">
+                <a16:creationId xmlns:a16="http://schemas.microsoft.com/office/drawing/2014/main" id="{4BCB02F6-6668-4DFA-AA19-CC8DB3C36712}"/>
+              </a:ext>
+            </a:extLst>
+          </p:cNvPr>
+          <p:cNvPicPr>
+            <a:picLocks noChangeAspect="1"/>
+          </p:cNvPicPr>
+          <p:nvPr/>
+        </p:nvPicPr>
+        <p:blipFill>
+          <a:blip r:embed="rId2"/>
+          <a:stretch>
+            <a:fillRect/>
+          </a:stretch>
+        </p:blipFill>
+        <p:spPr>
+          <a:xfrm>
+            <a:off x="3070076" y="2157731"/>
+            <a:ext cx="5256584" cy="3995955"/>
+          </a:xfrm>
+          <a:prstGeom prst="rect">
+            <a:avLst/>
+          </a:prstGeom>
+        </p:spPr>
+      </p:pic>
+    </p:spTree>
+    <p:extLst>
+      <p:ext uri="{BB962C8B-B14F-4D97-AF65-F5344CB8AC3E}">
+        <p14:creationId xmlns:p14="http://schemas.microsoft.com/office/powerpoint/2010/main" val="2139132589"/>
+      </p:ext>
+    </p:extLst>
+  </p:cSld>
+  <p:clrMapOvr>
+    <a:masterClrMapping/>
+  </p:clrMapOvr>
+  <mc:AlternateContent xmlns:mc="http://schemas.openxmlformats.org/markup-compatibility/2006" xmlns:p14="http://schemas.microsoft.com/office/powerpoint/2010/main">
+    <mc:Choice Requires="p14">
+      <p:transition spd="med" p14:dur="700">
+        <p:fade/>
+      </p:transition>
+    </mc:Choice>
+    <mc:Fallback xmlns="">
+      <p:transition spd="med">
+        <p:fade/>
+      </p:transition>
+    </mc:Fallback>
+  </mc:AlternateContent>
+</p:sld>
+</file>
+
+<file path=ppt/slides/slide5.xml><?xml version="1.0" encoding="utf-8"?>
+<p:sld xmlns:a="http://schemas.openxmlformats.org/drawingml/2006/main" xmlns:r="http://schemas.openxmlformats.org/officeDocument/2006/relationships" xmlns:p="http://schemas.openxmlformats.org/presentationml/2006/main">
+  <p:cSld>
+    <p:spTree>
+      <p:nvGrpSpPr>
+        <p:cNvPr id="1" name=""/>
+        <p:cNvGrpSpPr/>
+        <p:nvPr/>
+      </p:nvGrpSpPr>
+      <p:grpSpPr>
+        <a:xfrm>
+          <a:off x="0" y="0"/>
+          <a:ext cx="0" cy="0"/>
+          <a:chOff x="0" y="0"/>
+          <a:chExt cx="0" cy="0"/>
+        </a:xfrm>
+      </p:grpSpPr>
+      <p:sp>
+        <p:nvSpPr>
+          <p:cNvPr id="2" name="Título 1">
+            <a:extLst>
+              <a:ext uri="{FF2B5EF4-FFF2-40B4-BE49-F238E27FC236}">
+                <a16:creationId xmlns:a16="http://schemas.microsoft.com/office/drawing/2014/main" id="{166227E6-2388-4E44-8C87-82E247E326EC}"/>
+              </a:ext>
+            </a:extLst>
+          </p:cNvPr>
+          <p:cNvSpPr>
+            <a:spLocks noGrp="1"/>
+          </p:cNvSpPr>
+          <p:nvPr>
+            <p:ph type="title"/>
+          </p:nvPr>
+        </p:nvSpPr>
+        <p:spPr/>
+        <p:txBody>
+          <a:bodyPr/>
+          <a:lstStyle/>
+          <a:p>
+            <a:r>
+              <a:rPr lang="es-CO" dirty="0"/>
+              <a:t>Manejo Home Page y Creación de Páginas</a:t>
+            </a:r>
+          </a:p>
+        </p:txBody>
+      </p:sp>
+      <p:pic>
+        <p:nvPicPr>
+          <p:cNvPr id="4" name="Imagen 3">
+            <a:extLst>
+              <a:ext uri="{FF2B5EF4-FFF2-40B4-BE49-F238E27FC236}">
+                <a16:creationId xmlns:a16="http://schemas.microsoft.com/office/drawing/2014/main" id="{AE08A470-CD27-4E1E-8F02-BAA339D62B17}"/>
+              </a:ext>
+            </a:extLst>
+          </p:cNvPr>
+          <p:cNvPicPr>
+            <a:picLocks noChangeAspect="1"/>
+          </p:cNvPicPr>
+          <p:nvPr/>
+        </p:nvPicPr>
+        <p:blipFill>
+          <a:blip r:embed="rId2"/>
+          <a:stretch>
+            <a:fillRect/>
+          </a:stretch>
+        </p:blipFill>
+        <p:spPr>
+          <a:xfrm>
+            <a:off x="1607045" y="2122640"/>
+            <a:ext cx="8974733" cy="4269277"/>
+          </a:xfrm>
+          <a:prstGeom prst="rect">
+            <a:avLst/>
+          </a:prstGeom>
+        </p:spPr>
+      </p:pic>
+    </p:spTree>
+    <p:extLst>
+      <p:ext uri="{BB962C8B-B14F-4D97-AF65-F5344CB8AC3E}">
+        <p14:creationId xmlns:p14="http://schemas.microsoft.com/office/powerpoint/2010/main" val="2860866914"/>
+      </p:ext>
+    </p:extLst>
+  </p:cSld>
+  <p:clrMapOvr>
+    <a:masterClrMapping/>
+  </p:clrMapOvr>
+</p:sld>
+</file>
+
+<file path=ppt/slides/slide6.xml><?xml version="1.0" encoding="utf-8"?>
+<p:sld xmlns:a="http://schemas.openxmlformats.org/drawingml/2006/main" xmlns:r="http://schemas.openxmlformats.org/officeDocument/2006/relationships" xmlns:p="http://schemas.openxmlformats.org/presentationml/2006/main">
+  <p:cSld>
+    <p:spTree>
+      <p:nvGrpSpPr>
+        <p:cNvPr id="1" name=""/>
+        <p:cNvGrpSpPr/>
+        <p:nvPr/>
+      </p:nvGrpSpPr>
+      <p:grpSpPr>
+        <a:xfrm>
+          <a:off x="0" y="0"/>
+          <a:ext cx="0" cy="0"/>
+          <a:chOff x="0" y="0"/>
+          <a:chExt cx="0" cy="0"/>
+        </a:xfrm>
+      </p:grpSpPr>
+      <p:sp>
+        <p:nvSpPr>
+          <p:cNvPr id="2" name="Título 1">
+            <a:extLst>
+              <a:ext uri="{FF2B5EF4-FFF2-40B4-BE49-F238E27FC236}">
+                <a16:creationId xmlns:a16="http://schemas.microsoft.com/office/drawing/2014/main" id="{166227E6-2388-4E44-8C87-82E247E326EC}"/>
+              </a:ext>
+            </a:extLst>
+          </p:cNvPr>
+          <p:cNvSpPr>
+            <a:spLocks noGrp="1"/>
+          </p:cNvSpPr>
+          <p:nvPr>
+            <p:ph type="title"/>
+          </p:nvPr>
+        </p:nvSpPr>
+        <p:spPr/>
+        <p:txBody>
+          <a:bodyPr/>
+          <a:lstStyle/>
+          <a:p>
+            <a:r>
+              <a:rPr lang="es-CO" dirty="0"/>
+              <a:t>Manejo Home Page y Creación de Páginas</a:t>
+            </a:r>
+          </a:p>
+        </p:txBody>
+      </p:sp>
+      <p:pic>
+        <p:nvPicPr>
+          <p:cNvPr id="4" name="Imagen 3">
+            <a:extLst>
+              <a:ext uri="{FF2B5EF4-FFF2-40B4-BE49-F238E27FC236}">
+                <a16:creationId xmlns:a16="http://schemas.microsoft.com/office/drawing/2014/main" id="{AE08A470-CD27-4E1E-8F02-BAA339D62B17}"/>
+              </a:ext>
+            </a:extLst>
+          </p:cNvPr>
+          <p:cNvPicPr>
+            <a:picLocks noChangeAspect="1"/>
+          </p:cNvPicPr>
+          <p:nvPr/>
+        </p:nvPicPr>
+        <p:blipFill>
+          <a:blip r:embed="rId2"/>
+          <a:stretch>
+            <a:fillRect/>
+          </a:stretch>
+        </p:blipFill>
+        <p:spPr>
+          <a:xfrm>
+            <a:off x="909836" y="2221482"/>
+            <a:ext cx="7295679" cy="3885755"/>
+          </a:xfrm>
+          <a:prstGeom prst="rect">
+            <a:avLst/>
+          </a:prstGeom>
+        </p:spPr>
+      </p:pic>
+      <p:pic>
+        <p:nvPicPr>
+          <p:cNvPr id="3" name="Imagen 2">
+            <a:extLst>
+              <a:ext uri="{FF2B5EF4-FFF2-40B4-BE49-F238E27FC236}">
+                <a16:creationId xmlns:a16="http://schemas.microsoft.com/office/drawing/2014/main" id="{D002D2DD-1EFA-43E9-876A-CE2C5B2489D6}"/>
+              </a:ext>
+            </a:extLst>
+          </p:cNvPr>
+          <p:cNvPicPr>
+            <a:picLocks noChangeAspect="1"/>
+          </p:cNvPicPr>
+          <p:nvPr/>
+        </p:nvPicPr>
+        <p:blipFill>
+          <a:blip r:embed="rId3"/>
+          <a:stretch>
+            <a:fillRect/>
+          </a:stretch>
+        </p:blipFill>
+        <p:spPr>
+          <a:xfrm>
+            <a:off x="8974732" y="2492896"/>
+            <a:ext cx="2638425" cy="3095625"/>
+          </a:xfrm>
+          <a:prstGeom prst="rect">
+            <a:avLst/>
+          </a:prstGeom>
+        </p:spPr>
+      </p:pic>
+    </p:spTree>
+    <p:extLst>
+      <p:ext uri="{BB962C8B-B14F-4D97-AF65-F5344CB8AC3E}">
+        <p14:creationId xmlns:p14="http://schemas.microsoft.com/office/powerpoint/2010/main" val="3908802608"/>
+      </p:ext>
+    </p:extLst>
+  </p:cSld>
+  <p:clrMapOvr>
+    <a:masterClrMapping/>
+  </p:clrMapOvr>
+</p:sld>
+</file>
+
+<file path=ppt/slides/slide7.xml><?xml version="1.0" encoding="utf-8"?>
+<p:sld xmlns:a="http://schemas.openxmlformats.org/drawingml/2006/main" xmlns:r="http://schemas.openxmlformats.org/officeDocument/2006/relationships" xmlns:p="http://schemas.openxmlformats.org/presentationml/2006/main">
+  <p:cSld>
+    <p:spTree>
+      <p:nvGrpSpPr>
+        <p:cNvPr id="1" name=""/>
+        <p:cNvGrpSpPr/>
+        <p:nvPr/>
+      </p:nvGrpSpPr>
+      <p:grpSpPr>
+        <a:xfrm>
+          <a:off x="0" y="0"/>
+          <a:ext cx="0" cy="0"/>
+          <a:chOff x="0" y="0"/>
+          <a:chExt cx="0" cy="0"/>
+        </a:xfrm>
+      </p:grpSpPr>
+      <p:sp>
+        <p:nvSpPr>
+          <p:cNvPr id="2" name="Título 1">
+            <a:extLst>
+              <a:ext uri="{FF2B5EF4-FFF2-40B4-BE49-F238E27FC236}">
+                <a16:creationId xmlns:a16="http://schemas.microsoft.com/office/drawing/2014/main" id="{166227E6-2388-4E44-8C87-82E247E326EC}"/>
+              </a:ext>
+            </a:extLst>
+          </p:cNvPr>
+          <p:cNvSpPr>
+            <a:spLocks noGrp="1"/>
+          </p:cNvSpPr>
+          <p:nvPr>
+            <p:ph type="title"/>
+          </p:nvPr>
+        </p:nvSpPr>
+        <p:spPr/>
+        <p:txBody>
+          <a:bodyPr/>
+          <a:lstStyle/>
+          <a:p>
+            <a:r>
+              <a:rPr lang="es-CO" dirty="0"/>
+              <a:t>Manejo Home Page y Creación de Páginas</a:t>
+            </a:r>
+          </a:p>
+        </p:txBody>
+      </p:sp>
+      <p:pic>
+        <p:nvPicPr>
+          <p:cNvPr id="5" name="Imagen 4">
+            <a:extLst>
+              <a:ext uri="{FF2B5EF4-FFF2-40B4-BE49-F238E27FC236}">
+                <a16:creationId xmlns:a16="http://schemas.microsoft.com/office/drawing/2014/main" id="{E2D706C8-3566-473E-8CC1-D9DF7C3F380A}"/>
+              </a:ext>
+            </a:extLst>
+          </p:cNvPr>
+          <p:cNvPicPr>
+            <a:picLocks noChangeAspect="1"/>
+          </p:cNvPicPr>
+          <p:nvPr/>
+        </p:nvPicPr>
+        <p:blipFill>
+          <a:blip r:embed="rId2"/>
+          <a:stretch>
+            <a:fillRect/>
+          </a:stretch>
+        </p:blipFill>
+        <p:spPr>
+          <a:xfrm>
+            <a:off x="2349996" y="2157731"/>
+            <a:ext cx="4408808" cy="4168328"/>
+          </a:xfrm>
+          <a:prstGeom prst="rect">
+            <a:avLst/>
+          </a:prstGeom>
+        </p:spPr>
+      </p:pic>
+      <p:pic>
+        <p:nvPicPr>
+          <p:cNvPr id="6" name="Imagen 5">
+            <a:extLst>
+              <a:ext uri="{FF2B5EF4-FFF2-40B4-BE49-F238E27FC236}">
+                <a16:creationId xmlns:a16="http://schemas.microsoft.com/office/drawing/2014/main" id="{CE5F7631-E442-43E3-B372-8D56AF8DB98A}"/>
+              </a:ext>
+            </a:extLst>
+          </p:cNvPr>
+          <p:cNvPicPr>
+            <a:picLocks noChangeAspect="1"/>
+          </p:cNvPicPr>
+          <p:nvPr/>
+        </p:nvPicPr>
+        <p:blipFill>
+          <a:blip r:embed="rId3"/>
+          <a:stretch>
+            <a:fillRect/>
+          </a:stretch>
+        </p:blipFill>
+        <p:spPr>
+          <a:xfrm>
+            <a:off x="8182644" y="1556792"/>
+            <a:ext cx="2505018" cy="4966994"/>
+          </a:xfrm>
+          <a:prstGeom prst="rect">
+            <a:avLst/>
+          </a:prstGeom>
+        </p:spPr>
+      </p:pic>
+    </p:spTree>
+    <p:extLst>
+      <p:ext uri="{BB962C8B-B14F-4D97-AF65-F5344CB8AC3E}">
+        <p14:creationId xmlns:p14="http://schemas.microsoft.com/office/powerpoint/2010/main" val="3121867113"/>
+      </p:ext>
+    </p:extLst>
+  </p:cSld>
+  <p:clrMapOvr>
+    <a:masterClrMapping/>
+  </p:clrMapOvr>
+</p:sld>
+</file>
+
+<file path=ppt/slides/slide8.xml><?xml version="1.0" encoding="utf-8"?>
+<p:sld xmlns:a="http://schemas.openxmlformats.org/drawingml/2006/main" xmlns:r="http://schemas.openxmlformats.org/officeDocument/2006/relationships" xmlns:p="http://schemas.openxmlformats.org/presentationml/2006/main">
+  <p:cSld>
+    <p:spTree>
+      <p:nvGrpSpPr>
+        <p:cNvPr id="1" name=""/>
+        <p:cNvGrpSpPr/>
+        <p:nvPr/>
+      </p:nvGrpSpPr>
+      <p:grpSpPr>
+        <a:xfrm>
+          <a:off x="0" y="0"/>
+          <a:ext cx="0" cy="0"/>
+          <a:chOff x="0" y="0"/>
+          <a:chExt cx="0" cy="0"/>
+        </a:xfrm>
+      </p:grpSpPr>
+      <p:sp>
+        <p:nvSpPr>
+          <p:cNvPr id="2" name="Título 1">
+            <a:extLst>
+              <a:ext uri="{FF2B5EF4-FFF2-40B4-BE49-F238E27FC236}">
+                <a16:creationId xmlns:a16="http://schemas.microsoft.com/office/drawing/2014/main" id="{166227E6-2388-4E44-8C87-82E247E326EC}"/>
+              </a:ext>
+            </a:extLst>
+          </p:cNvPr>
+          <p:cNvSpPr>
+            <a:spLocks noGrp="1"/>
+          </p:cNvSpPr>
+          <p:nvPr>
+            <p:ph type="title"/>
+          </p:nvPr>
+        </p:nvSpPr>
+        <p:spPr/>
+        <p:txBody>
+          <a:bodyPr/>
+          <a:lstStyle/>
+          <a:p>
+            <a:r>
+              <a:rPr lang="es-CO" dirty="0"/>
+              <a:t>Previsualizar info y Descargar</a:t>
+            </a:r>
+          </a:p>
+        </p:txBody>
+      </p:sp>
+      <p:pic>
+        <p:nvPicPr>
+          <p:cNvPr id="3" name="Imagen 2">
+            <a:extLst>
+              <a:ext uri="{FF2B5EF4-FFF2-40B4-BE49-F238E27FC236}">
+                <a16:creationId xmlns:a16="http://schemas.microsoft.com/office/drawing/2014/main" id="{40A54A60-BC46-4FE9-A84B-11F9943E0D16}"/>
+              </a:ext>
+            </a:extLst>
+          </p:cNvPr>
+          <p:cNvPicPr>
+            <a:picLocks noChangeAspect="1"/>
+          </p:cNvPicPr>
+          <p:nvPr/>
+        </p:nvPicPr>
+        <p:blipFill>
+          <a:blip r:embed="rId2"/>
+          <a:stretch>
+            <a:fillRect/>
+          </a:stretch>
+        </p:blipFill>
+        <p:spPr>
+          <a:xfrm>
+            <a:off x="1773932" y="1844824"/>
+            <a:ext cx="3380332" cy="4414049"/>
+          </a:xfrm>
+          <a:prstGeom prst="rect">
+            <a:avLst/>
+          </a:prstGeom>
+        </p:spPr>
+      </p:pic>
+      <p:pic>
+        <p:nvPicPr>
+          <p:cNvPr id="4" name="Imagen 3">
+            <a:extLst>
+              <a:ext uri="{FF2B5EF4-FFF2-40B4-BE49-F238E27FC236}">
+                <a16:creationId xmlns:a16="http://schemas.microsoft.com/office/drawing/2014/main" id="{084D25E4-B5E1-461C-9885-79B8B6D65334}"/>
+              </a:ext>
+            </a:extLst>
+          </p:cNvPr>
+          <p:cNvPicPr>
+            <a:picLocks noChangeAspect="1"/>
+          </p:cNvPicPr>
+          <p:nvPr/>
+        </p:nvPicPr>
+        <p:blipFill>
+          <a:blip r:embed="rId3"/>
+          <a:stretch>
+            <a:fillRect/>
+          </a:stretch>
+        </p:blipFill>
+        <p:spPr>
+          <a:xfrm>
+            <a:off x="5878388" y="2330253"/>
+            <a:ext cx="5691804" cy="3443190"/>
+          </a:xfrm>
+          <a:prstGeom prst="rect">
+            <a:avLst/>
+          </a:prstGeom>
+        </p:spPr>
+      </p:pic>
+    </p:spTree>
+    <p:extLst>
+      <p:ext uri="{BB962C8B-B14F-4D97-AF65-F5344CB8AC3E}">
+        <p14:creationId xmlns:p14="http://schemas.microsoft.com/office/powerpoint/2010/main" val="3866350207"/>
+      </p:ext>
+    </p:extLst>
+  </p:cSld>
+  <p:clrMapOvr>
+    <a:masterClrMapping/>
+  </p:clrMapOvr>
+</p:sld>
+</file>
+
+<file path=ppt/slides/slide9.xml><?xml version="1.0" encoding="utf-8"?>
+<p:sld xmlns:a="http://schemas.openxmlformats.org/drawingml/2006/main" xmlns:r="http://schemas.openxmlformats.org/officeDocument/2006/relationships" xmlns:p="http://schemas.openxmlformats.org/presentationml/2006/main">
+  <p:cSld>
+    <p:spTree>
+      <p:nvGrpSpPr>
+        <p:cNvPr id="1" name=""/>
+        <p:cNvGrpSpPr/>
+        <p:nvPr/>
+      </p:nvGrpSpPr>
+      <p:grpSpPr>
+        <a:xfrm>
+          <a:off x="0" y="0"/>
+          <a:ext cx="0" cy="0"/>
+          <a:chOff x="0" y="0"/>
+          <a:chExt cx="0" cy="0"/>
+        </a:xfrm>
+      </p:grpSpPr>
+      <p:sp>
+        <p:nvSpPr>
+          <p:cNvPr id="2" name="Título 1">
+            <a:extLst>
+              <a:ext uri="{FF2B5EF4-FFF2-40B4-BE49-F238E27FC236}">
+                <a16:creationId xmlns:a16="http://schemas.microsoft.com/office/drawing/2014/main" id="{871C0CDA-5765-469D-8E23-ABF036866691}"/>
+              </a:ext>
+            </a:extLst>
+          </p:cNvPr>
+          <p:cNvSpPr>
+            <a:spLocks noGrp="1"/>
+          </p:cNvSpPr>
+          <p:nvPr>
+            <p:ph type="title"/>
+          </p:nvPr>
+        </p:nvSpPr>
+        <p:spPr/>
+        <p:txBody>
+          <a:bodyPr/>
+          <a:lstStyle/>
+          <a:p>
+            <a:r>
+              <a:rPr lang="es-CO" dirty="0"/>
+              <a:t>Edición del Side Menu(</a:t>
+            </a:r>
+            <a:r>
+              <a:rPr lang="es-CO" dirty="0" err="1"/>
+              <a:t>item</a:t>
+            </a:r>
+            <a:r>
+              <a:rPr lang="es-CO" dirty="0"/>
+              <a:t>)</a:t>
+            </a:r>
+          </a:p>
+        </p:txBody>
+      </p:sp>
+      <p:pic>
+        <p:nvPicPr>
+          <p:cNvPr id="4" name="Imagen 3">
+            <a:extLst>
+              <a:ext uri="{FF2B5EF4-FFF2-40B4-BE49-F238E27FC236}">
+                <a16:creationId xmlns:a16="http://schemas.microsoft.com/office/drawing/2014/main" id="{FBB5CAA1-095B-4D2B-9F9E-D3DF9266773D}"/>
+              </a:ext>
+            </a:extLst>
+          </p:cNvPr>
+          <p:cNvPicPr>
+            <a:picLocks noChangeAspect="1"/>
+          </p:cNvPicPr>
+          <p:nvPr/>
+        </p:nvPicPr>
+        <p:blipFill>
+          <a:blip r:embed="rId2"/>
+          <a:stretch>
+            <a:fillRect/>
+          </a:stretch>
+        </p:blipFill>
+        <p:spPr>
+          <a:xfrm>
+            <a:off x="3322740" y="1988840"/>
+            <a:ext cx="2053523" cy="2080722"/>
+          </a:xfrm>
+          <a:prstGeom prst="rect">
+            <a:avLst/>
+          </a:prstGeom>
+        </p:spPr>
+      </p:pic>
+      <p:pic>
+        <p:nvPicPr>
+          <p:cNvPr id="5" name="Imagen 4">
+            <a:extLst>
+              <a:ext uri="{FF2B5EF4-FFF2-40B4-BE49-F238E27FC236}">
+                <a16:creationId xmlns:a16="http://schemas.microsoft.com/office/drawing/2014/main" id="{3291EF3C-4210-4331-B5E4-DB4B6F4FEB24}"/>
+              </a:ext>
+            </a:extLst>
+          </p:cNvPr>
+          <p:cNvPicPr>
+            <a:picLocks noChangeAspect="1"/>
+          </p:cNvPicPr>
+          <p:nvPr/>
+        </p:nvPicPr>
+        <p:blipFill>
+          <a:blip r:embed="rId3"/>
+          <a:stretch>
+            <a:fillRect/>
+          </a:stretch>
+        </p:blipFill>
+        <p:spPr>
+          <a:xfrm>
+            <a:off x="8312322" y="761621"/>
+            <a:ext cx="3219450" cy="5600700"/>
+          </a:xfrm>
+          <a:prstGeom prst="rect">
+            <a:avLst/>
+          </a:prstGeom>
+        </p:spPr>
+      </p:pic>
+      <p:pic>
+        <p:nvPicPr>
+          <p:cNvPr id="6" name="Imagen 5">
+            <a:extLst>
+              <a:ext uri="{FF2B5EF4-FFF2-40B4-BE49-F238E27FC236}">
+                <a16:creationId xmlns:a16="http://schemas.microsoft.com/office/drawing/2014/main" id="{FBDCC72E-A29B-46C3-B2C7-FB0A7BC2FE79}"/>
+              </a:ext>
+            </a:extLst>
+          </p:cNvPr>
+          <p:cNvPicPr>
+            <a:picLocks noChangeAspect="1"/>
+          </p:cNvPicPr>
+          <p:nvPr/>
+        </p:nvPicPr>
+        <p:blipFill>
+          <a:blip r:embed="rId4"/>
+          <a:stretch>
+            <a:fillRect/>
+          </a:stretch>
+        </p:blipFill>
+        <p:spPr>
+          <a:xfrm>
+            <a:off x="1053851" y="4437112"/>
+            <a:ext cx="6591300" cy="1647825"/>
+          </a:xfrm>
+          <a:prstGeom prst="rect">
+            <a:avLst/>
+          </a:prstGeom>
+        </p:spPr>
+      </p:pic>
+    </p:spTree>
+    <p:extLst>
+      <p:ext uri="{BB962C8B-B14F-4D97-AF65-F5344CB8AC3E}">
+        <p14:creationId xmlns:p14="http://schemas.microsoft.com/office/powerpoint/2010/main" val="1675405567"/>
       </p:ext>
     </p:extLst>
   </p:cSld>
@@ -7516,6 +7684,15 @@
 </file>
 
 <file path=customXml/item2.xml><?xml version="1.0" encoding="utf-8"?>
+<?mso-contentType ?>
+<FormTemplates xmlns="http://schemas.microsoft.com/sharepoint/v3/contenttype/forms">
+  <Display>DocumentLibraryForm</Display>
+  <Edit>AssetEditForm</Edit>
+  <New>DocumentLibraryForm</New>
+</FormTemplates>
+</file>
+
+<file path=customXml/item3.xml><?xml version="1.0" encoding="utf-8"?>
 <p:properties xmlns:p="http://schemas.microsoft.com/office/2006/metadata/properties" xmlns:xsi="http://www.w3.org/2001/XMLSchema-instance" xmlns:pc="http://schemas.microsoft.com/office/infopath/2007/PartnerControls">
   <documentManagement>
     <DirectSourceMarket xmlns="4873beb7-5857-4685-be1f-d57550cc96cc" xsi:nil="true"/>
@@ -7642,15 +7819,6 @@
 </p:properties>
 </file>
 
-<file path=customXml/item3.xml><?xml version="1.0" encoding="utf-8"?>
-<?mso-contentType ?>
-<FormTemplates xmlns="http://schemas.microsoft.com/sharepoint/v3/contenttype/forms">
-  <Display>DocumentLibraryForm</Display>
-  <Edit>AssetEditForm</Edit>
-  <New>DocumentLibraryForm</New>
-</FormTemplates>
-</file>
-
 <file path=customXml/itemProps1.xml><?xml version="1.0" encoding="utf-8"?>
 <ds:datastoreItem xmlns:ds="http://schemas.openxmlformats.org/officeDocument/2006/customXml" ds:itemID="{22CCB507-0646-4A50-A4F7-7F385079D589}">
   <ds:schemaRefs>
@@ -7670,6 +7838,14 @@
 </file>
 
 <file path=customXml/itemProps2.xml><?xml version="1.0" encoding="utf-8"?>
+<ds:datastoreItem xmlns:ds="http://schemas.openxmlformats.org/officeDocument/2006/customXml" ds:itemID="{74228E6B-D70C-44BB-A81F-A245495F612B}">
+  <ds:schemaRefs>
+    <ds:schemaRef ds:uri="http://schemas.microsoft.com/sharepoint/v3/contenttype/forms"/>
+  </ds:schemaRefs>
+</ds:datastoreItem>
+</file>
+
+<file path=customXml/itemProps3.xml><?xml version="1.0" encoding="utf-8"?>
 <ds:datastoreItem xmlns:ds="http://schemas.openxmlformats.org/officeDocument/2006/customXml" ds:itemID="{00E41224-0370-4595-877C-23316CD80004}">
   <ds:schemaRefs>
     <ds:schemaRef ds:uri="http://schemas.microsoft.com/office/2006/metadata/properties"/>
@@ -7677,12 +7853,4 @@
     <ds:schemaRef ds:uri="4873beb7-5857-4685-be1f-d57550cc96cc"/>
   </ds:schemaRefs>
 </ds:datastoreItem>
-</file>
-
-<file path=customXml/itemProps3.xml><?xml version="1.0" encoding="utf-8"?>
-<ds:datastoreItem xmlns:ds="http://schemas.openxmlformats.org/officeDocument/2006/customXml" ds:itemID="{74228E6B-D70C-44BB-A81F-A245495F612B}">
-  <ds:schemaRefs>
-    <ds:schemaRef ds:uri="http://schemas.microsoft.com/sharepoint/v3/contenttype/forms"/>
-  </ds:schemaRefs>
-</ds:datastoreItem>
 </file>
--- a/Presentaciones/5. Manejo de Interfaz Gráfica (css,html5, ionic creator).pptx
+++ b/Presentaciones/5. Manejo de Interfaz Gráfica (css,html5, ionic creator).pptx
@@ -5,31 +5,29 @@
     <p:sldMasterId id="2147483690" r:id="rId4"/>
   </p:sldMasterIdLst>
   <p:notesMasterIdLst>
-    <p:notesMasterId r:id="rId19"/>
+    <p:notesMasterId r:id="rId17"/>
   </p:notesMasterIdLst>
   <p:handoutMasterIdLst>
-    <p:handoutMasterId r:id="rId20"/>
+    <p:handoutMasterId r:id="rId18"/>
   </p:handoutMasterIdLst>
   <p:sldIdLst>
     <p:sldId id="265" r:id="rId5"/>
-    <p:sldId id="328" r:id="rId6"/>
-    <p:sldId id="329" r:id="rId7"/>
-    <p:sldId id="310" r:id="rId8"/>
-    <p:sldId id="319" r:id="rId9"/>
-    <p:sldId id="320" r:id="rId10"/>
-    <p:sldId id="321" r:id="rId11"/>
-    <p:sldId id="322" r:id="rId12"/>
-    <p:sldId id="323" r:id="rId13"/>
-    <p:sldId id="324" r:id="rId14"/>
-    <p:sldId id="325" r:id="rId15"/>
-    <p:sldId id="326" r:id="rId16"/>
-    <p:sldId id="327" r:id="rId17"/>
-    <p:sldId id="318" r:id="rId18"/>
+    <p:sldId id="310" r:id="rId6"/>
+    <p:sldId id="319" r:id="rId7"/>
+    <p:sldId id="320" r:id="rId8"/>
+    <p:sldId id="321" r:id="rId9"/>
+    <p:sldId id="322" r:id="rId10"/>
+    <p:sldId id="323" r:id="rId11"/>
+    <p:sldId id="324" r:id="rId12"/>
+    <p:sldId id="325" r:id="rId13"/>
+    <p:sldId id="326" r:id="rId14"/>
+    <p:sldId id="327" r:id="rId15"/>
+    <p:sldId id="318" r:id="rId16"/>
   </p:sldIdLst>
   <p:sldSz cx="12188825" cy="6858000"/>
   <p:notesSz cx="6858000" cy="9144000"/>
   <p:custDataLst>
-    <p:tags r:id="rId21"/>
+    <p:tags r:id="rId19"/>
   </p:custDataLst>
   <p:defaultTextStyle>
     <a:defPPr>
@@ -232,7 +230,7 @@
             <a:pPr algn="r" rtl="0"/>
             <a:fld id="{DA61EFE9-9F30-4528-BDDA-C859CD15CA56}" type="datetime1">
               <a:rPr lang="es-ES" smtClean="0"/>
-              <a:t>02/09/2018</a:t>
+              <a:t>11/09/2018</a:t>
             </a:fld>
             <a:endParaRPr lang="es-ES" dirty="0"/>
           </a:p>
@@ -402,7 +400,7 @@
             <a:fld id="{27373BEA-F5F3-4B6E-BA6B-D76E24101839}" type="datetime1">
               <a:rPr lang="es-ES" smtClean="0"/>
               <a:pPr/>
-              <a:t>02/09/2018</a:t>
+              <a:t>11/09/2018</a:t>
             </a:fld>
             <a:endParaRPr lang="es-ES" dirty="0"/>
           </a:p>
@@ -872,7 +870,7 @@
           <a:p>
             <a:fld id="{D1F3A871-E095-425B-8138-DD883F1F9138}" type="datetimeFigureOut">
               <a:rPr lang="es-CO" smtClean="0"/>
-              <a:t>2/09/2018</a:t>
+              <a:t>11/09/2018</a:t>
             </a:fld>
             <a:endParaRPr lang="es-CO"/>
           </a:p>
@@ -1075,7 +1073,7 @@
             <a:fld id="{F1AC609F-0362-4067-A47A-9F1CA2E45A65}" type="datetime1">
               <a:rPr lang="es-ES" smtClean="0"/>
               <a:pPr/>
-              <a:t>02/09/2018</a:t>
+              <a:t>11/09/2018</a:t>
             </a:fld>
             <a:endParaRPr lang="es-ES" dirty="0"/>
           </a:p>
@@ -1270,7 +1268,7 @@
             <a:fld id="{932AED9F-A6BB-400D-8F4D-616EB46A9405}" type="datetime1">
               <a:rPr lang="es-ES" smtClean="0"/>
               <a:pPr/>
-              <a:t>02/09/2018</a:t>
+              <a:t>11/09/2018</a:t>
             </a:fld>
             <a:endParaRPr lang="es-ES" dirty="0"/>
           </a:p>
@@ -1456,7 +1454,7 @@
             <a:fld id="{7170E197-1079-4777-8273-53286CD6A787}" type="datetime1">
               <a:rPr lang="es-ES" smtClean="0"/>
               <a:pPr algn="r"/>
-              <a:t>02/09/2018</a:t>
+              <a:t>11/09/2018</a:t>
             </a:fld>
             <a:endParaRPr lang="es-ES" dirty="0"/>
           </a:p>
@@ -1715,7 +1713,7 @@
             <a:fld id="{A12EF1AF-E5B2-41DB-BFF8-672C5BBF646A}" type="datetime1">
               <a:rPr lang="es-ES" smtClean="0"/>
               <a:pPr/>
-              <a:t>02/09/2018</a:t>
+              <a:t>11/09/2018</a:t>
             </a:fld>
             <a:endParaRPr lang="es-ES" dirty="0"/>
           </a:p>
@@ -2019,7 +2017,7 @@
             <a:fld id="{8E17C630-F8FA-4DCB-87FA-91D30885A2FD}" type="datetime1">
               <a:rPr lang="es-ES" smtClean="0"/>
               <a:pPr algn="r"/>
-              <a:t>02/09/2018</a:t>
+              <a:t>11/09/2018</a:t>
             </a:fld>
             <a:endParaRPr lang="es-ES" dirty="0"/>
           </a:p>
@@ -2472,7 +2470,7 @@
             <a:fld id="{724076C6-356A-48AB-A8EF-572AE4A11929}" type="datetime1">
               <a:rPr lang="es-ES" smtClean="0"/>
               <a:pPr/>
-              <a:t>02/09/2018</a:t>
+              <a:t>11/09/2018</a:t>
             </a:fld>
             <a:endParaRPr lang="es-ES" dirty="0"/>
           </a:p>
@@ -2605,7 +2603,7 @@
             <a:fld id="{E4A686D9-BDBD-4090-B19D-04E04F3CB648}" type="datetime1">
               <a:rPr lang="es-ES" smtClean="0"/>
               <a:pPr/>
-              <a:t>02/09/2018</a:t>
+              <a:t>11/09/2018</a:t>
             </a:fld>
             <a:endParaRPr lang="es-ES" dirty="0"/>
           </a:p>
@@ -2715,7 +2713,7 @@
             <a:fld id="{D1B4D0FB-1285-4974-8D4E-BCFCC0FA7978}" type="datetime1">
               <a:rPr lang="es-ES" smtClean="0"/>
               <a:pPr/>
-              <a:t>02/09/2018</a:t>
+              <a:t>11/09/2018</a:t>
             </a:fld>
             <a:endParaRPr lang="es-ES" dirty="0"/>
           </a:p>
@@ -3086,7 +3084,7 @@
             <a:fld id="{9C3D96D5-80C9-4ED7-89C2-CE590C3C6CB2}" type="datetime1">
               <a:rPr lang="es-ES" smtClean="0"/>
               <a:pPr/>
-              <a:t>02/09/2018</a:t>
+              <a:t>11/09/2018</a:t>
             </a:fld>
             <a:endParaRPr lang="es-ES" dirty="0"/>
           </a:p>
@@ -3417,7 +3415,7 @@
             <a:fld id="{DA911BAB-2490-48FD-81BA-E5EB85DA87AE}" type="datetime1">
               <a:rPr lang="es-ES" smtClean="0"/>
               <a:pPr/>
-              <a:t>02/09/2018</a:t>
+              <a:t>11/09/2018</a:t>
             </a:fld>
             <a:endParaRPr lang="es-ES" dirty="0"/>
           </a:p>
@@ -3667,7 +3665,7 @@
             <a:fld id="{7170E197-1079-4777-8273-53286CD6A787}" type="datetime1">
               <a:rPr lang="es-ES" smtClean="0"/>
               <a:pPr algn="r"/>
-              <a:t>02/09/2018</a:t>
+              <a:t>11/09/2018</a:t>
             </a:fld>
             <a:endParaRPr lang="es-ES" dirty="0"/>
           </a:p>
@@ -4247,6 +4245,1099 @@
           <p:cNvPr id="3" name="Imagen 2">
             <a:extLst>
               <a:ext uri="{FF2B5EF4-FFF2-40B4-BE49-F238E27FC236}">
+                <a16:creationId xmlns:a16="http://schemas.microsoft.com/office/drawing/2014/main" id="{81647E9E-6836-4EC5-947F-468EAC516A16}"/>
+              </a:ext>
+            </a:extLst>
+          </p:cNvPr>
+          <p:cNvPicPr>
+            <a:picLocks noChangeAspect="1"/>
+          </p:cNvPicPr>
+          <p:nvPr/>
+        </p:nvPicPr>
+        <p:blipFill>
+          <a:blip r:embed="rId2"/>
+          <a:stretch>
+            <a:fillRect/>
+          </a:stretch>
+        </p:blipFill>
+        <p:spPr>
+          <a:xfrm>
+            <a:off x="837828" y="3888221"/>
+            <a:ext cx="5553075" cy="609600"/>
+          </a:xfrm>
+          <a:prstGeom prst="rect">
+            <a:avLst/>
+          </a:prstGeom>
+        </p:spPr>
+      </p:pic>
+      <p:pic>
+        <p:nvPicPr>
+          <p:cNvPr id="7" name="Imagen 6">
+            <a:extLst>
+              <a:ext uri="{FF2B5EF4-FFF2-40B4-BE49-F238E27FC236}">
+                <a16:creationId xmlns:a16="http://schemas.microsoft.com/office/drawing/2014/main" id="{2FAAA034-5296-4289-A5A6-C53A75FA7840}"/>
+              </a:ext>
+            </a:extLst>
+          </p:cNvPr>
+          <p:cNvPicPr>
+            <a:picLocks noChangeAspect="1"/>
+          </p:cNvPicPr>
+          <p:nvPr/>
+        </p:nvPicPr>
+        <p:blipFill>
+          <a:blip r:embed="rId3"/>
+          <a:stretch>
+            <a:fillRect/>
+          </a:stretch>
+        </p:blipFill>
+        <p:spPr>
+          <a:xfrm>
+            <a:off x="6958508" y="1962979"/>
+            <a:ext cx="2520280" cy="4395488"/>
+          </a:xfrm>
+          <a:prstGeom prst="rect">
+            <a:avLst/>
+          </a:prstGeom>
+        </p:spPr>
+      </p:pic>
+      <p:pic>
+        <p:nvPicPr>
+          <p:cNvPr id="8" name="Imagen 7">
+            <a:extLst>
+              <a:ext uri="{FF2B5EF4-FFF2-40B4-BE49-F238E27FC236}">
+                <a16:creationId xmlns:a16="http://schemas.microsoft.com/office/drawing/2014/main" id="{3FE95B7F-DAD1-48E8-BD53-AB580A825255}"/>
+              </a:ext>
+            </a:extLst>
+          </p:cNvPr>
+          <p:cNvPicPr>
+            <a:picLocks noChangeAspect="1"/>
+          </p:cNvPicPr>
+          <p:nvPr/>
+        </p:nvPicPr>
+        <p:blipFill>
+          <a:blip r:embed="rId4"/>
+          <a:stretch>
+            <a:fillRect/>
+          </a:stretch>
+        </p:blipFill>
+        <p:spPr>
+          <a:xfrm>
+            <a:off x="9556713" y="1950876"/>
+            <a:ext cx="2473393" cy="4395488"/>
+          </a:xfrm>
+          <a:prstGeom prst="rect">
+            <a:avLst/>
+          </a:prstGeom>
+        </p:spPr>
+      </p:pic>
+      <p:pic>
+        <p:nvPicPr>
+          <p:cNvPr id="9" name="Imagen 8">
+            <a:extLst>
+              <a:ext uri="{FF2B5EF4-FFF2-40B4-BE49-F238E27FC236}">
+                <a16:creationId xmlns:a16="http://schemas.microsoft.com/office/drawing/2014/main" id="{E845ABD5-997D-4997-99D4-2789DC234E18}"/>
+              </a:ext>
+            </a:extLst>
+          </p:cNvPr>
+          <p:cNvPicPr>
+            <a:picLocks noChangeAspect="1"/>
+          </p:cNvPicPr>
+          <p:nvPr/>
+        </p:nvPicPr>
+        <p:blipFill>
+          <a:blip r:embed="rId5"/>
+          <a:stretch>
+            <a:fillRect/>
+          </a:stretch>
+        </p:blipFill>
+        <p:spPr>
+          <a:xfrm>
+            <a:off x="288032" y="4700270"/>
+            <a:ext cx="6350670" cy="156106"/>
+          </a:xfrm>
+          <a:prstGeom prst="rect">
+            <a:avLst/>
+          </a:prstGeom>
+        </p:spPr>
+      </p:pic>
+    </p:spTree>
+    <p:extLst>
+      <p:ext uri="{BB962C8B-B14F-4D97-AF65-F5344CB8AC3E}">
+        <p14:creationId xmlns:p14="http://schemas.microsoft.com/office/powerpoint/2010/main" val="3708236335"/>
+      </p:ext>
+    </p:extLst>
+  </p:cSld>
+  <p:clrMapOvr>
+    <a:masterClrMapping/>
+  </p:clrMapOvr>
+</p:sld>
+</file>
+
+<file path=ppt/slides/slide11.xml><?xml version="1.0" encoding="utf-8"?>
+<p:sld xmlns:a="http://schemas.openxmlformats.org/drawingml/2006/main" xmlns:r="http://schemas.openxmlformats.org/officeDocument/2006/relationships" xmlns:p="http://schemas.openxmlformats.org/presentationml/2006/main">
+  <p:cSld>
+    <p:spTree>
+      <p:nvGrpSpPr>
+        <p:cNvPr id="1" name=""/>
+        <p:cNvGrpSpPr/>
+        <p:nvPr/>
+      </p:nvGrpSpPr>
+      <p:grpSpPr>
+        <a:xfrm>
+          <a:off x="0" y="0"/>
+          <a:ext cx="0" cy="0"/>
+          <a:chOff x="0" y="0"/>
+          <a:chExt cx="0" cy="0"/>
+        </a:xfrm>
+      </p:grpSpPr>
+      <p:sp>
+        <p:nvSpPr>
+          <p:cNvPr id="2" name="Título 1">
+            <a:extLst>
+              <a:ext uri="{FF2B5EF4-FFF2-40B4-BE49-F238E27FC236}">
+                <a16:creationId xmlns:a16="http://schemas.microsoft.com/office/drawing/2014/main" id="{92F680D3-5065-4CDF-8D99-79C9342A943B}"/>
+              </a:ext>
+            </a:extLst>
+          </p:cNvPr>
+          <p:cNvSpPr>
+            <a:spLocks noGrp="1"/>
+          </p:cNvSpPr>
+          <p:nvPr>
+            <p:ph type="title"/>
+          </p:nvPr>
+        </p:nvSpPr>
+        <p:spPr>
+          <a:xfrm>
+            <a:off x="709427" y="2852936"/>
+            <a:ext cx="10769970" cy="1658198"/>
+          </a:xfrm>
+        </p:spPr>
+        <p:txBody>
+          <a:bodyPr/>
+          <a:lstStyle/>
+          <a:p>
+            <a:r>
+              <a:rPr lang="es-CO" dirty="0"/>
+              <a:t>Ahora es tu turno…</a:t>
+            </a:r>
+          </a:p>
+        </p:txBody>
+      </p:sp>
+    </p:spTree>
+    <p:extLst>
+      <p:ext uri="{BB962C8B-B14F-4D97-AF65-F5344CB8AC3E}">
+        <p14:creationId xmlns:p14="http://schemas.microsoft.com/office/powerpoint/2010/main" val="713854363"/>
+      </p:ext>
+    </p:extLst>
+  </p:cSld>
+  <p:clrMapOvr>
+    <a:masterClrMapping/>
+  </p:clrMapOvr>
+</p:sld>
+</file>
+
+<file path=ppt/slides/slide12.xml><?xml version="1.0" encoding="utf-8"?>
+<p:sld xmlns:a="http://schemas.openxmlformats.org/drawingml/2006/main" xmlns:r="http://schemas.openxmlformats.org/officeDocument/2006/relationships" xmlns:p="http://schemas.openxmlformats.org/presentationml/2006/main">
+  <p:cSld>
+    <p:spTree>
+      <p:nvGrpSpPr>
+        <p:cNvPr id="1" name=""/>
+        <p:cNvGrpSpPr/>
+        <p:nvPr/>
+      </p:nvGrpSpPr>
+      <p:grpSpPr>
+        <a:xfrm>
+          <a:off x="0" y="0"/>
+          <a:ext cx="0" cy="0"/>
+          <a:chOff x="0" y="0"/>
+          <a:chExt cx="0" cy="0"/>
+        </a:xfrm>
+      </p:grpSpPr>
+      <p:sp>
+        <p:nvSpPr>
+          <p:cNvPr id="2" name="Título 1"/>
+          <p:cNvSpPr>
+            <a:spLocks noGrp="1"/>
+          </p:cNvSpPr>
+          <p:nvPr>
+            <p:ph type="title"/>
+          </p:nvPr>
+        </p:nvSpPr>
+        <p:spPr/>
+        <p:txBody>
+          <a:bodyPr rtlCol="0"/>
+          <a:lstStyle/>
+          <a:p>
+            <a:pPr rtl="0"/>
+            <a:r>
+              <a:rPr lang="es-ES" dirty="0"/>
+              <a:t>Bibliografía</a:t>
+            </a:r>
+          </a:p>
+        </p:txBody>
+      </p:sp>
+      <p:sp>
+        <p:nvSpPr>
+          <p:cNvPr id="3" name="Marcador de posición de contenido 2"/>
+          <p:cNvSpPr>
+            <a:spLocks noGrp="1"/>
+          </p:cNvSpPr>
+          <p:nvPr>
+            <p:ph idx="1"/>
+          </p:nvPr>
+        </p:nvSpPr>
+        <p:spPr/>
+        <p:txBody>
+          <a:bodyPr rtlCol="0">
+            <a:normAutofit fontScale="92500" lnSpcReduction="10000"/>
+          </a:bodyPr>
+          <a:lstStyle/>
+          <a:p>
+            <a:r>
+              <a:rPr lang="es-ES" dirty="0">
+                <a:hlinkClick r:id="rId2"/>
+              </a:rPr>
+              <a:t>https://www.hostinger.co/tutoriales/instalar-node-js-ubuntu/</a:t>
+            </a:r>
+            <a:endParaRPr lang="es-ES" dirty="0"/>
+          </a:p>
+          <a:p>
+            <a:r>
+              <a:rPr lang="es-ES" dirty="0">
+                <a:hlinkClick r:id="rId3"/>
+              </a:rPr>
+              <a:t>https://ionicframework.com/getting-started</a:t>
+            </a:r>
+            <a:endParaRPr lang="es-ES" dirty="0"/>
+          </a:p>
+          <a:p>
+            <a:r>
+              <a:rPr lang="es-ES" dirty="0">
+                <a:hlinkClick r:id="rId4"/>
+              </a:rPr>
+              <a:t>https://creator.ionic.io/app/login</a:t>
+            </a:r>
+            <a:endParaRPr lang="es-ES" dirty="0"/>
+          </a:p>
+          <a:p>
+            <a:r>
+              <a:rPr lang="es-ES" dirty="0">
+                <a:hlinkClick r:id="rId5"/>
+              </a:rPr>
+              <a:t>https://ionicframework.com/docs/components/</a:t>
+            </a:r>
+            <a:endParaRPr lang="es-ES" dirty="0"/>
+          </a:p>
+          <a:p>
+            <a:r>
+              <a:rPr lang="es-ES" dirty="0">
+                <a:hlinkClick r:id="rId6"/>
+              </a:rPr>
+              <a:t>https://ionicframework.com/docs/</a:t>
+            </a:r>
+            <a:endParaRPr lang="es-ES" dirty="0"/>
+          </a:p>
+          <a:p>
+            <a:r>
+              <a:rPr lang="es-ES" dirty="0">
+                <a:hlinkClick r:id="rId7"/>
+              </a:rPr>
+              <a:t>https://ionicframework.com/docs/pro/devapp/</a:t>
+            </a:r>
+            <a:endParaRPr lang="es-ES" dirty="0"/>
+          </a:p>
+          <a:p>
+            <a:endParaRPr lang="es-ES" dirty="0"/>
+          </a:p>
+          <a:p>
+            <a:endParaRPr lang="es-ES" dirty="0"/>
+          </a:p>
+        </p:txBody>
+      </p:sp>
+    </p:spTree>
+    <p:extLst>
+      <p:ext uri="{BB962C8B-B14F-4D97-AF65-F5344CB8AC3E}">
+        <p14:creationId xmlns:p14="http://schemas.microsoft.com/office/powerpoint/2010/main" val="2765137111"/>
+      </p:ext>
+    </p:extLst>
+  </p:cSld>
+  <p:clrMapOvr>
+    <a:masterClrMapping/>
+  </p:clrMapOvr>
+  <mc:AlternateContent xmlns:mc="http://schemas.openxmlformats.org/markup-compatibility/2006" xmlns:p14="http://schemas.microsoft.com/office/powerpoint/2010/main">
+    <mc:Choice Requires="p14">
+      <p:transition spd="med" p14:dur="700">
+        <p:fade/>
+      </p:transition>
+    </mc:Choice>
+    <mc:Fallback xmlns="">
+      <p:transition spd="med">
+        <p:fade/>
+      </p:transition>
+    </mc:Fallback>
+  </mc:AlternateContent>
+</p:sld>
+</file>
+
+<file path=ppt/slides/slide2.xml><?xml version="1.0" encoding="utf-8"?>
+<p:sld xmlns:a="http://schemas.openxmlformats.org/drawingml/2006/main" xmlns:r="http://schemas.openxmlformats.org/officeDocument/2006/relationships" xmlns:p="http://schemas.openxmlformats.org/presentationml/2006/main">
+  <p:cSld>
+    <p:spTree>
+      <p:nvGrpSpPr>
+        <p:cNvPr id="1" name=""/>
+        <p:cNvGrpSpPr/>
+        <p:nvPr/>
+      </p:nvGrpSpPr>
+      <p:grpSpPr>
+        <a:xfrm>
+          <a:off x="0" y="0"/>
+          <a:ext cx="0" cy="0"/>
+          <a:chOff x="0" y="0"/>
+          <a:chExt cx="0" cy="0"/>
+        </a:xfrm>
+      </p:grpSpPr>
+      <p:sp>
+        <p:nvSpPr>
+          <p:cNvPr id="13" name="Título 12"/>
+          <p:cNvSpPr>
+            <a:spLocks noGrp="1"/>
+          </p:cNvSpPr>
+          <p:nvPr>
+            <p:ph type="title"/>
+          </p:nvPr>
+        </p:nvSpPr>
+        <p:spPr/>
+        <p:txBody>
+          <a:bodyPr rtlCol="0"/>
+          <a:lstStyle/>
+          <a:p>
+            <a:pPr rtl="0"/>
+            <a:r>
+              <a:rPr lang="es-ES" dirty="0"/>
+              <a:t>Creación de interfaz gráfica con plantillas(ionic creator) </a:t>
+            </a:r>
+          </a:p>
+        </p:txBody>
+      </p:sp>
+      <p:pic>
+        <p:nvPicPr>
+          <p:cNvPr id="8" name="Imagen 7">
+            <a:extLst>
+              <a:ext uri="{FF2B5EF4-FFF2-40B4-BE49-F238E27FC236}">
+                <a16:creationId xmlns:a16="http://schemas.microsoft.com/office/drawing/2014/main" id="{4BCB02F6-6668-4DFA-AA19-CC8DB3C36712}"/>
+              </a:ext>
+            </a:extLst>
+          </p:cNvPr>
+          <p:cNvPicPr>
+            <a:picLocks noChangeAspect="1"/>
+          </p:cNvPicPr>
+          <p:nvPr/>
+        </p:nvPicPr>
+        <p:blipFill>
+          <a:blip r:embed="rId2"/>
+          <a:stretch>
+            <a:fillRect/>
+          </a:stretch>
+        </p:blipFill>
+        <p:spPr>
+          <a:xfrm>
+            <a:off x="3070076" y="2157731"/>
+            <a:ext cx="5256584" cy="3995955"/>
+          </a:xfrm>
+          <a:prstGeom prst="rect">
+            <a:avLst/>
+          </a:prstGeom>
+        </p:spPr>
+      </p:pic>
+    </p:spTree>
+    <p:extLst>
+      <p:ext uri="{BB962C8B-B14F-4D97-AF65-F5344CB8AC3E}">
+        <p14:creationId xmlns:p14="http://schemas.microsoft.com/office/powerpoint/2010/main" val="2139132589"/>
+      </p:ext>
+    </p:extLst>
+  </p:cSld>
+  <p:clrMapOvr>
+    <a:masterClrMapping/>
+  </p:clrMapOvr>
+  <mc:AlternateContent xmlns:mc="http://schemas.openxmlformats.org/markup-compatibility/2006" xmlns:p14="http://schemas.microsoft.com/office/powerpoint/2010/main">
+    <mc:Choice Requires="p14">
+      <p:transition spd="med" p14:dur="700">
+        <p:fade/>
+      </p:transition>
+    </mc:Choice>
+    <mc:Fallback xmlns="">
+      <p:transition spd="med">
+        <p:fade/>
+      </p:transition>
+    </mc:Fallback>
+  </mc:AlternateContent>
+</p:sld>
+</file>
+
+<file path=ppt/slides/slide3.xml><?xml version="1.0" encoding="utf-8"?>
+<p:sld xmlns:a="http://schemas.openxmlformats.org/drawingml/2006/main" xmlns:r="http://schemas.openxmlformats.org/officeDocument/2006/relationships" xmlns:p="http://schemas.openxmlformats.org/presentationml/2006/main">
+  <p:cSld>
+    <p:spTree>
+      <p:nvGrpSpPr>
+        <p:cNvPr id="1" name=""/>
+        <p:cNvGrpSpPr/>
+        <p:nvPr/>
+      </p:nvGrpSpPr>
+      <p:grpSpPr>
+        <a:xfrm>
+          <a:off x="0" y="0"/>
+          <a:ext cx="0" cy="0"/>
+          <a:chOff x="0" y="0"/>
+          <a:chExt cx="0" cy="0"/>
+        </a:xfrm>
+      </p:grpSpPr>
+      <p:sp>
+        <p:nvSpPr>
+          <p:cNvPr id="2" name="Título 1">
+            <a:extLst>
+              <a:ext uri="{FF2B5EF4-FFF2-40B4-BE49-F238E27FC236}">
+                <a16:creationId xmlns:a16="http://schemas.microsoft.com/office/drawing/2014/main" id="{166227E6-2388-4E44-8C87-82E247E326EC}"/>
+              </a:ext>
+            </a:extLst>
+          </p:cNvPr>
+          <p:cNvSpPr>
+            <a:spLocks noGrp="1"/>
+          </p:cNvSpPr>
+          <p:nvPr>
+            <p:ph type="title"/>
+          </p:nvPr>
+        </p:nvSpPr>
+        <p:spPr/>
+        <p:txBody>
+          <a:bodyPr/>
+          <a:lstStyle/>
+          <a:p>
+            <a:r>
+              <a:rPr lang="es-CO" dirty="0"/>
+              <a:t>Manejo Home Page y Creación de Páginas</a:t>
+            </a:r>
+          </a:p>
+        </p:txBody>
+      </p:sp>
+      <p:pic>
+        <p:nvPicPr>
+          <p:cNvPr id="4" name="Imagen 3">
+            <a:extLst>
+              <a:ext uri="{FF2B5EF4-FFF2-40B4-BE49-F238E27FC236}">
+                <a16:creationId xmlns:a16="http://schemas.microsoft.com/office/drawing/2014/main" id="{AE08A470-CD27-4E1E-8F02-BAA339D62B17}"/>
+              </a:ext>
+            </a:extLst>
+          </p:cNvPr>
+          <p:cNvPicPr>
+            <a:picLocks noChangeAspect="1"/>
+          </p:cNvPicPr>
+          <p:nvPr/>
+        </p:nvPicPr>
+        <p:blipFill>
+          <a:blip r:embed="rId2"/>
+          <a:stretch>
+            <a:fillRect/>
+          </a:stretch>
+        </p:blipFill>
+        <p:spPr>
+          <a:xfrm>
+            <a:off x="1607045" y="2122640"/>
+            <a:ext cx="8974733" cy="4269277"/>
+          </a:xfrm>
+          <a:prstGeom prst="rect">
+            <a:avLst/>
+          </a:prstGeom>
+        </p:spPr>
+      </p:pic>
+    </p:spTree>
+    <p:extLst>
+      <p:ext uri="{BB962C8B-B14F-4D97-AF65-F5344CB8AC3E}">
+        <p14:creationId xmlns:p14="http://schemas.microsoft.com/office/powerpoint/2010/main" val="2860866914"/>
+      </p:ext>
+    </p:extLst>
+  </p:cSld>
+  <p:clrMapOvr>
+    <a:masterClrMapping/>
+  </p:clrMapOvr>
+</p:sld>
+</file>
+
+<file path=ppt/slides/slide4.xml><?xml version="1.0" encoding="utf-8"?>
+<p:sld xmlns:a="http://schemas.openxmlformats.org/drawingml/2006/main" xmlns:r="http://schemas.openxmlformats.org/officeDocument/2006/relationships" xmlns:p="http://schemas.openxmlformats.org/presentationml/2006/main">
+  <p:cSld>
+    <p:spTree>
+      <p:nvGrpSpPr>
+        <p:cNvPr id="1" name=""/>
+        <p:cNvGrpSpPr/>
+        <p:nvPr/>
+      </p:nvGrpSpPr>
+      <p:grpSpPr>
+        <a:xfrm>
+          <a:off x="0" y="0"/>
+          <a:ext cx="0" cy="0"/>
+          <a:chOff x="0" y="0"/>
+          <a:chExt cx="0" cy="0"/>
+        </a:xfrm>
+      </p:grpSpPr>
+      <p:sp>
+        <p:nvSpPr>
+          <p:cNvPr id="2" name="Título 1">
+            <a:extLst>
+              <a:ext uri="{FF2B5EF4-FFF2-40B4-BE49-F238E27FC236}">
+                <a16:creationId xmlns:a16="http://schemas.microsoft.com/office/drawing/2014/main" id="{166227E6-2388-4E44-8C87-82E247E326EC}"/>
+              </a:ext>
+            </a:extLst>
+          </p:cNvPr>
+          <p:cNvSpPr>
+            <a:spLocks noGrp="1"/>
+          </p:cNvSpPr>
+          <p:nvPr>
+            <p:ph type="title"/>
+          </p:nvPr>
+        </p:nvSpPr>
+        <p:spPr/>
+        <p:txBody>
+          <a:bodyPr/>
+          <a:lstStyle/>
+          <a:p>
+            <a:r>
+              <a:rPr lang="es-CO" dirty="0"/>
+              <a:t>Manejo Home Page y Creación de Páginas</a:t>
+            </a:r>
+          </a:p>
+        </p:txBody>
+      </p:sp>
+      <p:pic>
+        <p:nvPicPr>
+          <p:cNvPr id="4" name="Imagen 3">
+            <a:extLst>
+              <a:ext uri="{FF2B5EF4-FFF2-40B4-BE49-F238E27FC236}">
+                <a16:creationId xmlns:a16="http://schemas.microsoft.com/office/drawing/2014/main" id="{AE08A470-CD27-4E1E-8F02-BAA339D62B17}"/>
+              </a:ext>
+            </a:extLst>
+          </p:cNvPr>
+          <p:cNvPicPr>
+            <a:picLocks noChangeAspect="1"/>
+          </p:cNvPicPr>
+          <p:nvPr/>
+        </p:nvPicPr>
+        <p:blipFill>
+          <a:blip r:embed="rId2"/>
+          <a:stretch>
+            <a:fillRect/>
+          </a:stretch>
+        </p:blipFill>
+        <p:spPr>
+          <a:xfrm>
+            <a:off x="909836" y="2221482"/>
+            <a:ext cx="7295679" cy="3885755"/>
+          </a:xfrm>
+          <a:prstGeom prst="rect">
+            <a:avLst/>
+          </a:prstGeom>
+        </p:spPr>
+      </p:pic>
+      <p:pic>
+        <p:nvPicPr>
+          <p:cNvPr id="3" name="Imagen 2">
+            <a:extLst>
+              <a:ext uri="{FF2B5EF4-FFF2-40B4-BE49-F238E27FC236}">
+                <a16:creationId xmlns:a16="http://schemas.microsoft.com/office/drawing/2014/main" id="{D002D2DD-1EFA-43E9-876A-CE2C5B2489D6}"/>
+              </a:ext>
+            </a:extLst>
+          </p:cNvPr>
+          <p:cNvPicPr>
+            <a:picLocks noChangeAspect="1"/>
+          </p:cNvPicPr>
+          <p:nvPr/>
+        </p:nvPicPr>
+        <p:blipFill>
+          <a:blip r:embed="rId3"/>
+          <a:stretch>
+            <a:fillRect/>
+          </a:stretch>
+        </p:blipFill>
+        <p:spPr>
+          <a:xfrm>
+            <a:off x="8974732" y="2492896"/>
+            <a:ext cx="2638425" cy="3095625"/>
+          </a:xfrm>
+          <a:prstGeom prst="rect">
+            <a:avLst/>
+          </a:prstGeom>
+        </p:spPr>
+      </p:pic>
+    </p:spTree>
+    <p:extLst>
+      <p:ext uri="{BB962C8B-B14F-4D97-AF65-F5344CB8AC3E}">
+        <p14:creationId xmlns:p14="http://schemas.microsoft.com/office/powerpoint/2010/main" val="3908802608"/>
+      </p:ext>
+    </p:extLst>
+  </p:cSld>
+  <p:clrMapOvr>
+    <a:masterClrMapping/>
+  </p:clrMapOvr>
+</p:sld>
+</file>
+
+<file path=ppt/slides/slide5.xml><?xml version="1.0" encoding="utf-8"?>
+<p:sld xmlns:a="http://schemas.openxmlformats.org/drawingml/2006/main" xmlns:r="http://schemas.openxmlformats.org/officeDocument/2006/relationships" xmlns:p="http://schemas.openxmlformats.org/presentationml/2006/main">
+  <p:cSld>
+    <p:spTree>
+      <p:nvGrpSpPr>
+        <p:cNvPr id="1" name=""/>
+        <p:cNvGrpSpPr/>
+        <p:nvPr/>
+      </p:nvGrpSpPr>
+      <p:grpSpPr>
+        <a:xfrm>
+          <a:off x="0" y="0"/>
+          <a:ext cx="0" cy="0"/>
+          <a:chOff x="0" y="0"/>
+          <a:chExt cx="0" cy="0"/>
+        </a:xfrm>
+      </p:grpSpPr>
+      <p:sp>
+        <p:nvSpPr>
+          <p:cNvPr id="2" name="Título 1">
+            <a:extLst>
+              <a:ext uri="{FF2B5EF4-FFF2-40B4-BE49-F238E27FC236}">
+                <a16:creationId xmlns:a16="http://schemas.microsoft.com/office/drawing/2014/main" id="{166227E6-2388-4E44-8C87-82E247E326EC}"/>
+              </a:ext>
+            </a:extLst>
+          </p:cNvPr>
+          <p:cNvSpPr>
+            <a:spLocks noGrp="1"/>
+          </p:cNvSpPr>
+          <p:nvPr>
+            <p:ph type="title"/>
+          </p:nvPr>
+        </p:nvSpPr>
+        <p:spPr/>
+        <p:txBody>
+          <a:bodyPr/>
+          <a:lstStyle/>
+          <a:p>
+            <a:r>
+              <a:rPr lang="es-CO" dirty="0"/>
+              <a:t>Manejo Home Page y Creación de Páginas</a:t>
+            </a:r>
+          </a:p>
+        </p:txBody>
+      </p:sp>
+      <p:pic>
+        <p:nvPicPr>
+          <p:cNvPr id="5" name="Imagen 4">
+            <a:extLst>
+              <a:ext uri="{FF2B5EF4-FFF2-40B4-BE49-F238E27FC236}">
+                <a16:creationId xmlns:a16="http://schemas.microsoft.com/office/drawing/2014/main" id="{E2D706C8-3566-473E-8CC1-D9DF7C3F380A}"/>
+              </a:ext>
+            </a:extLst>
+          </p:cNvPr>
+          <p:cNvPicPr>
+            <a:picLocks noChangeAspect="1"/>
+          </p:cNvPicPr>
+          <p:nvPr/>
+        </p:nvPicPr>
+        <p:blipFill>
+          <a:blip r:embed="rId2"/>
+          <a:stretch>
+            <a:fillRect/>
+          </a:stretch>
+        </p:blipFill>
+        <p:spPr>
+          <a:xfrm>
+            <a:off x="2349996" y="2157731"/>
+            <a:ext cx="4408808" cy="4168328"/>
+          </a:xfrm>
+          <a:prstGeom prst="rect">
+            <a:avLst/>
+          </a:prstGeom>
+        </p:spPr>
+      </p:pic>
+      <p:pic>
+        <p:nvPicPr>
+          <p:cNvPr id="6" name="Imagen 5">
+            <a:extLst>
+              <a:ext uri="{FF2B5EF4-FFF2-40B4-BE49-F238E27FC236}">
+                <a16:creationId xmlns:a16="http://schemas.microsoft.com/office/drawing/2014/main" id="{CE5F7631-E442-43E3-B372-8D56AF8DB98A}"/>
+              </a:ext>
+            </a:extLst>
+          </p:cNvPr>
+          <p:cNvPicPr>
+            <a:picLocks noChangeAspect="1"/>
+          </p:cNvPicPr>
+          <p:nvPr/>
+        </p:nvPicPr>
+        <p:blipFill>
+          <a:blip r:embed="rId3"/>
+          <a:stretch>
+            <a:fillRect/>
+          </a:stretch>
+        </p:blipFill>
+        <p:spPr>
+          <a:xfrm>
+            <a:off x="8182644" y="1556792"/>
+            <a:ext cx="2505018" cy="4966994"/>
+          </a:xfrm>
+          <a:prstGeom prst="rect">
+            <a:avLst/>
+          </a:prstGeom>
+        </p:spPr>
+      </p:pic>
+    </p:spTree>
+    <p:extLst>
+      <p:ext uri="{BB962C8B-B14F-4D97-AF65-F5344CB8AC3E}">
+        <p14:creationId xmlns:p14="http://schemas.microsoft.com/office/powerpoint/2010/main" val="3121867113"/>
+      </p:ext>
+    </p:extLst>
+  </p:cSld>
+  <p:clrMapOvr>
+    <a:masterClrMapping/>
+  </p:clrMapOvr>
+</p:sld>
+</file>
+
+<file path=ppt/slides/slide6.xml><?xml version="1.0" encoding="utf-8"?>
+<p:sld xmlns:a="http://schemas.openxmlformats.org/drawingml/2006/main" xmlns:r="http://schemas.openxmlformats.org/officeDocument/2006/relationships" xmlns:p="http://schemas.openxmlformats.org/presentationml/2006/main">
+  <p:cSld>
+    <p:spTree>
+      <p:nvGrpSpPr>
+        <p:cNvPr id="1" name=""/>
+        <p:cNvGrpSpPr/>
+        <p:nvPr/>
+      </p:nvGrpSpPr>
+      <p:grpSpPr>
+        <a:xfrm>
+          <a:off x="0" y="0"/>
+          <a:ext cx="0" cy="0"/>
+          <a:chOff x="0" y="0"/>
+          <a:chExt cx="0" cy="0"/>
+        </a:xfrm>
+      </p:grpSpPr>
+      <p:sp>
+        <p:nvSpPr>
+          <p:cNvPr id="2" name="Título 1">
+            <a:extLst>
+              <a:ext uri="{FF2B5EF4-FFF2-40B4-BE49-F238E27FC236}">
+                <a16:creationId xmlns:a16="http://schemas.microsoft.com/office/drawing/2014/main" id="{166227E6-2388-4E44-8C87-82E247E326EC}"/>
+              </a:ext>
+            </a:extLst>
+          </p:cNvPr>
+          <p:cNvSpPr>
+            <a:spLocks noGrp="1"/>
+          </p:cNvSpPr>
+          <p:nvPr>
+            <p:ph type="title"/>
+          </p:nvPr>
+        </p:nvSpPr>
+        <p:spPr/>
+        <p:txBody>
+          <a:bodyPr/>
+          <a:lstStyle/>
+          <a:p>
+            <a:r>
+              <a:rPr lang="es-CO" dirty="0"/>
+              <a:t>Previsualizar info y Descargar</a:t>
+            </a:r>
+          </a:p>
+        </p:txBody>
+      </p:sp>
+      <p:pic>
+        <p:nvPicPr>
+          <p:cNvPr id="3" name="Imagen 2">
+            <a:extLst>
+              <a:ext uri="{FF2B5EF4-FFF2-40B4-BE49-F238E27FC236}">
+                <a16:creationId xmlns:a16="http://schemas.microsoft.com/office/drawing/2014/main" id="{40A54A60-BC46-4FE9-A84B-11F9943E0D16}"/>
+              </a:ext>
+            </a:extLst>
+          </p:cNvPr>
+          <p:cNvPicPr>
+            <a:picLocks noChangeAspect="1"/>
+          </p:cNvPicPr>
+          <p:nvPr/>
+        </p:nvPicPr>
+        <p:blipFill>
+          <a:blip r:embed="rId2"/>
+          <a:stretch>
+            <a:fillRect/>
+          </a:stretch>
+        </p:blipFill>
+        <p:spPr>
+          <a:xfrm>
+            <a:off x="1773932" y="1844824"/>
+            <a:ext cx="3380332" cy="4414049"/>
+          </a:xfrm>
+          <a:prstGeom prst="rect">
+            <a:avLst/>
+          </a:prstGeom>
+        </p:spPr>
+      </p:pic>
+      <p:pic>
+        <p:nvPicPr>
+          <p:cNvPr id="4" name="Imagen 3">
+            <a:extLst>
+              <a:ext uri="{FF2B5EF4-FFF2-40B4-BE49-F238E27FC236}">
+                <a16:creationId xmlns:a16="http://schemas.microsoft.com/office/drawing/2014/main" id="{084D25E4-B5E1-461C-9885-79B8B6D65334}"/>
+              </a:ext>
+            </a:extLst>
+          </p:cNvPr>
+          <p:cNvPicPr>
+            <a:picLocks noChangeAspect="1"/>
+          </p:cNvPicPr>
+          <p:nvPr/>
+        </p:nvPicPr>
+        <p:blipFill>
+          <a:blip r:embed="rId3"/>
+          <a:stretch>
+            <a:fillRect/>
+          </a:stretch>
+        </p:blipFill>
+        <p:spPr>
+          <a:xfrm>
+            <a:off x="5878388" y="2330253"/>
+            <a:ext cx="5691804" cy="3443190"/>
+          </a:xfrm>
+          <a:prstGeom prst="rect">
+            <a:avLst/>
+          </a:prstGeom>
+        </p:spPr>
+      </p:pic>
+    </p:spTree>
+    <p:extLst>
+      <p:ext uri="{BB962C8B-B14F-4D97-AF65-F5344CB8AC3E}">
+        <p14:creationId xmlns:p14="http://schemas.microsoft.com/office/powerpoint/2010/main" val="3866350207"/>
+      </p:ext>
+    </p:extLst>
+  </p:cSld>
+  <p:clrMapOvr>
+    <a:masterClrMapping/>
+  </p:clrMapOvr>
+</p:sld>
+</file>
+
+<file path=ppt/slides/slide7.xml><?xml version="1.0" encoding="utf-8"?>
+<p:sld xmlns:a="http://schemas.openxmlformats.org/drawingml/2006/main" xmlns:r="http://schemas.openxmlformats.org/officeDocument/2006/relationships" xmlns:p="http://schemas.openxmlformats.org/presentationml/2006/main">
+  <p:cSld>
+    <p:spTree>
+      <p:nvGrpSpPr>
+        <p:cNvPr id="1" name=""/>
+        <p:cNvGrpSpPr/>
+        <p:nvPr/>
+      </p:nvGrpSpPr>
+      <p:grpSpPr>
+        <a:xfrm>
+          <a:off x="0" y="0"/>
+          <a:ext cx="0" cy="0"/>
+          <a:chOff x="0" y="0"/>
+          <a:chExt cx="0" cy="0"/>
+        </a:xfrm>
+      </p:grpSpPr>
+      <p:sp>
+        <p:nvSpPr>
+          <p:cNvPr id="2" name="Título 1">
+            <a:extLst>
+              <a:ext uri="{FF2B5EF4-FFF2-40B4-BE49-F238E27FC236}">
+                <a16:creationId xmlns:a16="http://schemas.microsoft.com/office/drawing/2014/main" id="{871C0CDA-5765-469D-8E23-ABF036866691}"/>
+              </a:ext>
+            </a:extLst>
+          </p:cNvPr>
+          <p:cNvSpPr>
+            <a:spLocks noGrp="1"/>
+          </p:cNvSpPr>
+          <p:nvPr>
+            <p:ph type="title"/>
+          </p:nvPr>
+        </p:nvSpPr>
+        <p:spPr/>
+        <p:txBody>
+          <a:bodyPr/>
+          <a:lstStyle/>
+          <a:p>
+            <a:r>
+              <a:rPr lang="es-CO" dirty="0"/>
+              <a:t>Edición del Side Menu(</a:t>
+            </a:r>
+            <a:r>
+              <a:rPr lang="es-CO" dirty="0" err="1"/>
+              <a:t>item</a:t>
+            </a:r>
+            <a:r>
+              <a:rPr lang="es-CO" dirty="0"/>
+              <a:t>)</a:t>
+            </a:r>
+          </a:p>
+        </p:txBody>
+      </p:sp>
+      <p:pic>
+        <p:nvPicPr>
+          <p:cNvPr id="4" name="Imagen 3">
+            <a:extLst>
+              <a:ext uri="{FF2B5EF4-FFF2-40B4-BE49-F238E27FC236}">
+                <a16:creationId xmlns:a16="http://schemas.microsoft.com/office/drawing/2014/main" id="{FBB5CAA1-095B-4D2B-9F9E-D3DF9266773D}"/>
+              </a:ext>
+            </a:extLst>
+          </p:cNvPr>
+          <p:cNvPicPr>
+            <a:picLocks noChangeAspect="1"/>
+          </p:cNvPicPr>
+          <p:nvPr/>
+        </p:nvPicPr>
+        <p:blipFill>
+          <a:blip r:embed="rId2"/>
+          <a:stretch>
+            <a:fillRect/>
+          </a:stretch>
+        </p:blipFill>
+        <p:spPr>
+          <a:xfrm>
+            <a:off x="3322740" y="1988840"/>
+            <a:ext cx="2053523" cy="2080722"/>
+          </a:xfrm>
+          <a:prstGeom prst="rect">
+            <a:avLst/>
+          </a:prstGeom>
+        </p:spPr>
+      </p:pic>
+      <p:pic>
+        <p:nvPicPr>
+          <p:cNvPr id="5" name="Imagen 4">
+            <a:extLst>
+              <a:ext uri="{FF2B5EF4-FFF2-40B4-BE49-F238E27FC236}">
+                <a16:creationId xmlns:a16="http://schemas.microsoft.com/office/drawing/2014/main" id="{3291EF3C-4210-4331-B5E4-DB4B6F4FEB24}"/>
+              </a:ext>
+            </a:extLst>
+          </p:cNvPr>
+          <p:cNvPicPr>
+            <a:picLocks noChangeAspect="1"/>
+          </p:cNvPicPr>
+          <p:nvPr/>
+        </p:nvPicPr>
+        <p:blipFill>
+          <a:blip r:embed="rId3"/>
+          <a:stretch>
+            <a:fillRect/>
+          </a:stretch>
+        </p:blipFill>
+        <p:spPr>
+          <a:xfrm>
+            <a:off x="8312322" y="761621"/>
+            <a:ext cx="3219450" cy="5600700"/>
+          </a:xfrm>
+          <a:prstGeom prst="rect">
+            <a:avLst/>
+          </a:prstGeom>
+        </p:spPr>
+      </p:pic>
+      <p:pic>
+        <p:nvPicPr>
+          <p:cNvPr id="6" name="Imagen 5">
+            <a:extLst>
+              <a:ext uri="{FF2B5EF4-FFF2-40B4-BE49-F238E27FC236}">
+                <a16:creationId xmlns:a16="http://schemas.microsoft.com/office/drawing/2014/main" id="{FBDCC72E-A29B-46C3-B2C7-FB0A7BC2FE79}"/>
+              </a:ext>
+            </a:extLst>
+          </p:cNvPr>
+          <p:cNvPicPr>
+            <a:picLocks noChangeAspect="1"/>
+          </p:cNvPicPr>
+          <p:nvPr/>
+        </p:nvPicPr>
+        <p:blipFill>
+          <a:blip r:embed="rId4"/>
+          <a:stretch>
+            <a:fillRect/>
+          </a:stretch>
+        </p:blipFill>
+        <p:spPr>
+          <a:xfrm>
+            <a:off x="1053851" y="4437112"/>
+            <a:ext cx="6591300" cy="1647825"/>
+          </a:xfrm>
+          <a:prstGeom prst="rect">
+            <a:avLst/>
+          </a:prstGeom>
+        </p:spPr>
+      </p:pic>
+    </p:spTree>
+    <p:extLst>
+      <p:ext uri="{BB962C8B-B14F-4D97-AF65-F5344CB8AC3E}">
+        <p14:creationId xmlns:p14="http://schemas.microsoft.com/office/powerpoint/2010/main" val="1675405567"/>
+      </p:ext>
+    </p:extLst>
+  </p:cSld>
+  <p:clrMapOvr>
+    <a:masterClrMapping/>
+  </p:clrMapOvr>
+</p:sld>
+</file>
+
+<file path=ppt/slides/slide8.xml><?xml version="1.0" encoding="utf-8"?>
+<p:sld xmlns:a="http://schemas.openxmlformats.org/drawingml/2006/main" xmlns:r="http://schemas.openxmlformats.org/officeDocument/2006/relationships" xmlns:p="http://schemas.openxmlformats.org/presentationml/2006/main">
+  <p:cSld>
+    <p:spTree>
+      <p:nvGrpSpPr>
+        <p:cNvPr id="1" name=""/>
+        <p:cNvGrpSpPr/>
+        <p:nvPr/>
+      </p:nvGrpSpPr>
+      <p:grpSpPr>
+        <a:xfrm>
+          <a:off x="0" y="0"/>
+          <a:ext cx="0" cy="0"/>
+          <a:chOff x="0" y="0"/>
+          <a:chExt cx="0" cy="0"/>
+        </a:xfrm>
+      </p:grpSpPr>
+      <p:sp>
+        <p:nvSpPr>
+          <p:cNvPr id="2" name="Título 1">
+            <a:extLst>
+              <a:ext uri="{FF2B5EF4-FFF2-40B4-BE49-F238E27FC236}">
+                <a16:creationId xmlns:a16="http://schemas.microsoft.com/office/drawing/2014/main" id="{871C0CDA-5765-469D-8E23-ABF036866691}"/>
+              </a:ext>
+            </a:extLst>
+          </p:cNvPr>
+          <p:cNvSpPr>
+            <a:spLocks noGrp="1"/>
+          </p:cNvSpPr>
+          <p:nvPr>
+            <p:ph type="title"/>
+          </p:nvPr>
+        </p:nvSpPr>
+        <p:spPr/>
+        <p:txBody>
+          <a:bodyPr/>
+          <a:lstStyle/>
+          <a:p>
+            <a:r>
+              <a:rPr lang="es-CO" dirty="0"/>
+              <a:t>Edición del Side Menu(</a:t>
+            </a:r>
+            <a:r>
+              <a:rPr lang="es-CO" dirty="0" err="1"/>
+              <a:t>css</a:t>
+            </a:r>
+            <a:r>
+              <a:rPr lang="es-CO" dirty="0"/>
+              <a:t> y </a:t>
+            </a:r>
+            <a:r>
+              <a:rPr lang="es-CO" dirty="0" err="1"/>
+              <a:t>html</a:t>
+            </a:r>
+            <a:r>
+              <a:rPr lang="es-CO" dirty="0"/>
+              <a:t>)</a:t>
+            </a:r>
+          </a:p>
+        </p:txBody>
+      </p:sp>
+      <p:pic>
+        <p:nvPicPr>
+          <p:cNvPr id="3" name="Imagen 2">
+            <a:extLst>
+              <a:ext uri="{FF2B5EF4-FFF2-40B4-BE49-F238E27FC236}">
                 <a16:creationId xmlns:a16="http://schemas.microsoft.com/office/drawing/2014/main" id="{ED78EDF0-5BFD-47F4-B839-232DDA4165E1}"/>
               </a:ext>
             </a:extLst>
@@ -4435,7 +5526,7 @@
 </p:sld>
 </file>
 
-<file path=ppt/slides/slide11.xml><?xml version="1.0" encoding="utf-8"?>
+<file path=ppt/slides/slide9.xml><?xml version="1.0" encoding="utf-8"?>
 <p:sld xmlns:a="http://schemas.openxmlformats.org/drawingml/2006/main" xmlns:r="http://schemas.openxmlformats.org/officeDocument/2006/relationships" xmlns:p="http://schemas.openxmlformats.org/presentationml/2006/main">
   <p:cSld>
     <p:spTree>
@@ -4620,1265 +5711,6 @@
     <p:extLst>
       <p:ext uri="{BB962C8B-B14F-4D97-AF65-F5344CB8AC3E}">
         <p14:creationId xmlns:p14="http://schemas.microsoft.com/office/powerpoint/2010/main" val="3290397011"/>
-      </p:ext>
-    </p:extLst>
-  </p:cSld>
-  <p:clrMapOvr>
-    <a:masterClrMapping/>
-  </p:clrMapOvr>
-</p:sld>
-</file>
-
-<file path=ppt/slides/slide12.xml><?xml version="1.0" encoding="utf-8"?>
-<p:sld xmlns:a="http://schemas.openxmlformats.org/drawingml/2006/main" xmlns:r="http://schemas.openxmlformats.org/officeDocument/2006/relationships" xmlns:p="http://schemas.openxmlformats.org/presentationml/2006/main">
-  <p:cSld>
-    <p:spTree>
-      <p:nvGrpSpPr>
-        <p:cNvPr id="1" name=""/>
-        <p:cNvGrpSpPr/>
-        <p:nvPr/>
-      </p:nvGrpSpPr>
-      <p:grpSpPr>
-        <a:xfrm>
-          <a:off x="0" y="0"/>
-          <a:ext cx="0" cy="0"/>
-          <a:chOff x="0" y="0"/>
-          <a:chExt cx="0" cy="0"/>
-        </a:xfrm>
-      </p:grpSpPr>
-      <p:sp>
-        <p:nvSpPr>
-          <p:cNvPr id="2" name="Título 1">
-            <a:extLst>
-              <a:ext uri="{FF2B5EF4-FFF2-40B4-BE49-F238E27FC236}">
-                <a16:creationId xmlns:a16="http://schemas.microsoft.com/office/drawing/2014/main" id="{871C0CDA-5765-469D-8E23-ABF036866691}"/>
-              </a:ext>
-            </a:extLst>
-          </p:cNvPr>
-          <p:cNvSpPr>
-            <a:spLocks noGrp="1"/>
-          </p:cNvSpPr>
-          <p:nvPr>
-            <p:ph type="title"/>
-          </p:nvPr>
-        </p:nvSpPr>
-        <p:spPr/>
-        <p:txBody>
-          <a:bodyPr/>
-          <a:lstStyle/>
-          <a:p>
-            <a:r>
-              <a:rPr lang="es-CO" dirty="0"/>
-              <a:t>Edición del Side Menu(</a:t>
-            </a:r>
-            <a:r>
-              <a:rPr lang="es-CO" dirty="0" err="1"/>
-              <a:t>css</a:t>
-            </a:r>
-            <a:r>
-              <a:rPr lang="es-CO" dirty="0"/>
-              <a:t> y </a:t>
-            </a:r>
-            <a:r>
-              <a:rPr lang="es-CO" dirty="0" err="1"/>
-              <a:t>html</a:t>
-            </a:r>
-            <a:r>
-              <a:rPr lang="es-CO" dirty="0"/>
-              <a:t>)</a:t>
-            </a:r>
-          </a:p>
-        </p:txBody>
-      </p:sp>
-      <p:pic>
-        <p:nvPicPr>
-          <p:cNvPr id="3" name="Imagen 2">
-            <a:extLst>
-              <a:ext uri="{FF2B5EF4-FFF2-40B4-BE49-F238E27FC236}">
-                <a16:creationId xmlns:a16="http://schemas.microsoft.com/office/drawing/2014/main" id="{81647E9E-6836-4EC5-947F-468EAC516A16}"/>
-              </a:ext>
-            </a:extLst>
-          </p:cNvPr>
-          <p:cNvPicPr>
-            <a:picLocks noChangeAspect="1"/>
-          </p:cNvPicPr>
-          <p:nvPr/>
-        </p:nvPicPr>
-        <p:blipFill>
-          <a:blip r:embed="rId2"/>
-          <a:stretch>
-            <a:fillRect/>
-          </a:stretch>
-        </p:blipFill>
-        <p:spPr>
-          <a:xfrm>
-            <a:off x="837828" y="3888221"/>
-            <a:ext cx="5553075" cy="609600"/>
-          </a:xfrm>
-          <a:prstGeom prst="rect">
-            <a:avLst/>
-          </a:prstGeom>
-        </p:spPr>
-      </p:pic>
-      <p:pic>
-        <p:nvPicPr>
-          <p:cNvPr id="7" name="Imagen 6">
-            <a:extLst>
-              <a:ext uri="{FF2B5EF4-FFF2-40B4-BE49-F238E27FC236}">
-                <a16:creationId xmlns:a16="http://schemas.microsoft.com/office/drawing/2014/main" id="{2FAAA034-5296-4289-A5A6-C53A75FA7840}"/>
-              </a:ext>
-            </a:extLst>
-          </p:cNvPr>
-          <p:cNvPicPr>
-            <a:picLocks noChangeAspect="1"/>
-          </p:cNvPicPr>
-          <p:nvPr/>
-        </p:nvPicPr>
-        <p:blipFill>
-          <a:blip r:embed="rId3"/>
-          <a:stretch>
-            <a:fillRect/>
-          </a:stretch>
-        </p:blipFill>
-        <p:spPr>
-          <a:xfrm>
-            <a:off x="6958508" y="1962979"/>
-            <a:ext cx="2520280" cy="4395488"/>
-          </a:xfrm>
-          <a:prstGeom prst="rect">
-            <a:avLst/>
-          </a:prstGeom>
-        </p:spPr>
-      </p:pic>
-      <p:pic>
-        <p:nvPicPr>
-          <p:cNvPr id="8" name="Imagen 7">
-            <a:extLst>
-              <a:ext uri="{FF2B5EF4-FFF2-40B4-BE49-F238E27FC236}">
-                <a16:creationId xmlns:a16="http://schemas.microsoft.com/office/drawing/2014/main" id="{3FE95B7F-DAD1-48E8-BD53-AB580A825255}"/>
-              </a:ext>
-            </a:extLst>
-          </p:cNvPr>
-          <p:cNvPicPr>
-            <a:picLocks noChangeAspect="1"/>
-          </p:cNvPicPr>
-          <p:nvPr/>
-        </p:nvPicPr>
-        <p:blipFill>
-          <a:blip r:embed="rId4"/>
-          <a:stretch>
-            <a:fillRect/>
-          </a:stretch>
-        </p:blipFill>
-        <p:spPr>
-          <a:xfrm>
-            <a:off x="9556713" y="1950876"/>
-            <a:ext cx="2473393" cy="4395488"/>
-          </a:xfrm>
-          <a:prstGeom prst="rect">
-            <a:avLst/>
-          </a:prstGeom>
-        </p:spPr>
-      </p:pic>
-      <p:pic>
-        <p:nvPicPr>
-          <p:cNvPr id="9" name="Imagen 8">
-            <a:extLst>
-              <a:ext uri="{FF2B5EF4-FFF2-40B4-BE49-F238E27FC236}">
-                <a16:creationId xmlns:a16="http://schemas.microsoft.com/office/drawing/2014/main" id="{E845ABD5-997D-4997-99D4-2789DC234E18}"/>
-              </a:ext>
-            </a:extLst>
-          </p:cNvPr>
-          <p:cNvPicPr>
-            <a:picLocks noChangeAspect="1"/>
-          </p:cNvPicPr>
-          <p:nvPr/>
-        </p:nvPicPr>
-        <p:blipFill>
-          <a:blip r:embed="rId5"/>
-          <a:stretch>
-            <a:fillRect/>
-          </a:stretch>
-        </p:blipFill>
-        <p:spPr>
-          <a:xfrm>
-            <a:off x="288032" y="4700270"/>
-            <a:ext cx="6350670" cy="156106"/>
-          </a:xfrm>
-          <a:prstGeom prst="rect">
-            <a:avLst/>
-          </a:prstGeom>
-        </p:spPr>
-      </p:pic>
-    </p:spTree>
-    <p:extLst>
-      <p:ext uri="{BB962C8B-B14F-4D97-AF65-F5344CB8AC3E}">
-        <p14:creationId xmlns:p14="http://schemas.microsoft.com/office/powerpoint/2010/main" val="3708236335"/>
-      </p:ext>
-    </p:extLst>
-  </p:cSld>
-  <p:clrMapOvr>
-    <a:masterClrMapping/>
-  </p:clrMapOvr>
-</p:sld>
-</file>
-
-<file path=ppt/slides/slide13.xml><?xml version="1.0" encoding="utf-8"?>
-<p:sld xmlns:a="http://schemas.openxmlformats.org/drawingml/2006/main" xmlns:r="http://schemas.openxmlformats.org/officeDocument/2006/relationships" xmlns:p="http://schemas.openxmlformats.org/presentationml/2006/main">
-  <p:cSld>
-    <p:spTree>
-      <p:nvGrpSpPr>
-        <p:cNvPr id="1" name=""/>
-        <p:cNvGrpSpPr/>
-        <p:nvPr/>
-      </p:nvGrpSpPr>
-      <p:grpSpPr>
-        <a:xfrm>
-          <a:off x="0" y="0"/>
-          <a:ext cx="0" cy="0"/>
-          <a:chOff x="0" y="0"/>
-          <a:chExt cx="0" cy="0"/>
-        </a:xfrm>
-      </p:grpSpPr>
-      <p:sp>
-        <p:nvSpPr>
-          <p:cNvPr id="2" name="Título 1">
-            <a:extLst>
-              <a:ext uri="{FF2B5EF4-FFF2-40B4-BE49-F238E27FC236}">
-                <a16:creationId xmlns:a16="http://schemas.microsoft.com/office/drawing/2014/main" id="{92F680D3-5065-4CDF-8D99-79C9342A943B}"/>
-              </a:ext>
-            </a:extLst>
-          </p:cNvPr>
-          <p:cNvSpPr>
-            <a:spLocks noGrp="1"/>
-          </p:cNvSpPr>
-          <p:nvPr>
-            <p:ph type="title"/>
-          </p:nvPr>
-        </p:nvSpPr>
-        <p:spPr>
-          <a:xfrm>
-            <a:off x="709427" y="2852936"/>
-            <a:ext cx="10769970" cy="1658198"/>
-          </a:xfrm>
-        </p:spPr>
-        <p:txBody>
-          <a:bodyPr/>
-          <a:lstStyle/>
-          <a:p>
-            <a:r>
-              <a:rPr lang="es-CO" dirty="0"/>
-              <a:t>Ahora es tu turno…</a:t>
-            </a:r>
-          </a:p>
-        </p:txBody>
-      </p:sp>
-    </p:spTree>
-    <p:extLst>
-      <p:ext uri="{BB962C8B-B14F-4D97-AF65-F5344CB8AC3E}">
-        <p14:creationId xmlns:p14="http://schemas.microsoft.com/office/powerpoint/2010/main" val="713854363"/>
-      </p:ext>
-    </p:extLst>
-  </p:cSld>
-  <p:clrMapOvr>
-    <a:masterClrMapping/>
-  </p:clrMapOvr>
-</p:sld>
-</file>
-
-<file path=ppt/slides/slide14.xml><?xml version="1.0" encoding="utf-8"?>
-<p:sld xmlns:a="http://schemas.openxmlformats.org/drawingml/2006/main" xmlns:r="http://schemas.openxmlformats.org/officeDocument/2006/relationships" xmlns:p="http://schemas.openxmlformats.org/presentationml/2006/main">
-  <p:cSld>
-    <p:spTree>
-      <p:nvGrpSpPr>
-        <p:cNvPr id="1" name=""/>
-        <p:cNvGrpSpPr/>
-        <p:nvPr/>
-      </p:nvGrpSpPr>
-      <p:grpSpPr>
-        <a:xfrm>
-          <a:off x="0" y="0"/>
-          <a:ext cx="0" cy="0"/>
-          <a:chOff x="0" y="0"/>
-          <a:chExt cx="0" cy="0"/>
-        </a:xfrm>
-      </p:grpSpPr>
-      <p:sp>
-        <p:nvSpPr>
-          <p:cNvPr id="2" name="Título 1"/>
-          <p:cNvSpPr>
-            <a:spLocks noGrp="1"/>
-          </p:cNvSpPr>
-          <p:nvPr>
-            <p:ph type="title"/>
-          </p:nvPr>
-        </p:nvSpPr>
-        <p:spPr/>
-        <p:txBody>
-          <a:bodyPr rtlCol="0"/>
-          <a:lstStyle/>
-          <a:p>
-            <a:pPr rtl="0"/>
-            <a:r>
-              <a:rPr lang="es-ES" dirty="0"/>
-              <a:t>Bibliografía</a:t>
-            </a:r>
-          </a:p>
-        </p:txBody>
-      </p:sp>
-      <p:sp>
-        <p:nvSpPr>
-          <p:cNvPr id="3" name="Marcador de posición de contenido 2"/>
-          <p:cNvSpPr>
-            <a:spLocks noGrp="1"/>
-          </p:cNvSpPr>
-          <p:nvPr>
-            <p:ph idx="1"/>
-          </p:nvPr>
-        </p:nvSpPr>
-        <p:spPr/>
-        <p:txBody>
-          <a:bodyPr rtlCol="0">
-            <a:normAutofit fontScale="92500" lnSpcReduction="10000"/>
-          </a:bodyPr>
-          <a:lstStyle/>
-          <a:p>
-            <a:r>
-              <a:rPr lang="es-ES" dirty="0">
-                <a:hlinkClick r:id="rId2"/>
-              </a:rPr>
-              <a:t>https://www.hostinger.co/tutoriales/instalar-node-js-ubuntu/</a:t>
-            </a:r>
-            <a:endParaRPr lang="es-ES" dirty="0"/>
-          </a:p>
-          <a:p>
-            <a:r>
-              <a:rPr lang="es-ES" dirty="0">
-                <a:hlinkClick r:id="rId3"/>
-              </a:rPr>
-              <a:t>https://ionicframework.com/getting-started</a:t>
-            </a:r>
-            <a:endParaRPr lang="es-ES" dirty="0"/>
-          </a:p>
-          <a:p>
-            <a:r>
-              <a:rPr lang="es-ES" dirty="0">
-                <a:hlinkClick r:id="rId4"/>
-              </a:rPr>
-              <a:t>https://creator.ionic.io/app/login</a:t>
-            </a:r>
-            <a:endParaRPr lang="es-ES" dirty="0"/>
-          </a:p>
-          <a:p>
-            <a:r>
-              <a:rPr lang="es-ES" dirty="0">
-                <a:hlinkClick r:id="rId5"/>
-              </a:rPr>
-              <a:t>https://ionicframework.com/docs/components/</a:t>
-            </a:r>
-            <a:endParaRPr lang="es-ES" dirty="0"/>
-          </a:p>
-          <a:p>
-            <a:r>
-              <a:rPr lang="es-ES" dirty="0">
-                <a:hlinkClick r:id="rId6"/>
-              </a:rPr>
-              <a:t>https://ionicframework.com/docs/</a:t>
-            </a:r>
-            <a:endParaRPr lang="es-ES" dirty="0"/>
-          </a:p>
-          <a:p>
-            <a:r>
-              <a:rPr lang="es-ES" dirty="0">
-                <a:hlinkClick r:id="rId7"/>
-              </a:rPr>
-              <a:t>https://ionicframework.com/docs/pro/devapp/</a:t>
-            </a:r>
-            <a:endParaRPr lang="es-ES" dirty="0"/>
-          </a:p>
-          <a:p>
-            <a:endParaRPr lang="es-ES" dirty="0"/>
-          </a:p>
-          <a:p>
-            <a:endParaRPr lang="es-ES" dirty="0"/>
-          </a:p>
-        </p:txBody>
-      </p:sp>
-    </p:spTree>
-    <p:extLst>
-      <p:ext uri="{BB962C8B-B14F-4D97-AF65-F5344CB8AC3E}">
-        <p14:creationId xmlns:p14="http://schemas.microsoft.com/office/powerpoint/2010/main" val="2765137111"/>
-      </p:ext>
-    </p:extLst>
-  </p:cSld>
-  <p:clrMapOvr>
-    <a:masterClrMapping/>
-  </p:clrMapOvr>
-  <mc:AlternateContent xmlns:mc="http://schemas.openxmlformats.org/markup-compatibility/2006" xmlns:p14="http://schemas.microsoft.com/office/powerpoint/2010/main">
-    <mc:Choice Requires="p14">
-      <p:transition spd="med" p14:dur="700">
-        <p:fade/>
-      </p:transition>
-    </mc:Choice>
-    <mc:Fallback xmlns="">
-      <p:transition spd="med">
-        <p:fade/>
-      </p:transition>
-    </mc:Fallback>
-  </mc:AlternateContent>
-</p:sld>
-</file>
-
-<file path=ppt/slides/slide2.xml><?xml version="1.0" encoding="utf-8"?>
-<p:sld xmlns:a="http://schemas.openxmlformats.org/drawingml/2006/main" xmlns:r="http://schemas.openxmlformats.org/officeDocument/2006/relationships" xmlns:p="http://schemas.openxmlformats.org/presentationml/2006/main">
-  <p:cSld>
-    <p:spTree>
-      <p:nvGrpSpPr>
-        <p:cNvPr id="1" name=""/>
-        <p:cNvGrpSpPr/>
-        <p:nvPr/>
-      </p:nvGrpSpPr>
-      <p:grpSpPr>
-        <a:xfrm>
-          <a:off x="0" y="0"/>
-          <a:ext cx="0" cy="0"/>
-          <a:chOff x="0" y="0"/>
-          <a:chExt cx="0" cy="0"/>
-        </a:xfrm>
-      </p:grpSpPr>
-      <p:sp>
-        <p:nvSpPr>
-          <p:cNvPr id="2" name="Título 1">
-            <a:extLst>
-              <a:ext uri="{FF2B5EF4-FFF2-40B4-BE49-F238E27FC236}">
-                <a16:creationId xmlns:a16="http://schemas.microsoft.com/office/drawing/2014/main" id="{F6471F2F-904B-4C20-8E62-A5FC08EA40CA}"/>
-              </a:ext>
-            </a:extLst>
-          </p:cNvPr>
-          <p:cNvSpPr>
-            <a:spLocks noGrp="1"/>
-          </p:cNvSpPr>
-          <p:nvPr>
-            <p:ph type="title"/>
-          </p:nvPr>
-        </p:nvSpPr>
-        <p:spPr/>
-        <p:txBody>
-          <a:bodyPr/>
-          <a:lstStyle/>
-          <a:p>
-            <a:r>
-              <a:rPr lang="es-CO" dirty="0"/>
-              <a:t>Simplicidad</a:t>
-            </a:r>
-          </a:p>
-        </p:txBody>
-      </p:sp>
-      <p:sp>
-        <p:nvSpPr>
-          <p:cNvPr id="3" name="Marcador de contenido 2">
-            <a:extLst>
-              <a:ext uri="{FF2B5EF4-FFF2-40B4-BE49-F238E27FC236}">
-                <a16:creationId xmlns:a16="http://schemas.microsoft.com/office/drawing/2014/main" id="{5CD85855-620E-473D-9CED-526BE2F22DC3}"/>
-              </a:ext>
-            </a:extLst>
-          </p:cNvPr>
-          <p:cNvSpPr>
-            <a:spLocks noGrp="1"/>
-          </p:cNvSpPr>
-          <p:nvPr>
-            <p:ph idx="1"/>
-          </p:nvPr>
-        </p:nvSpPr>
-        <p:spPr/>
-        <p:txBody>
-          <a:bodyPr/>
-          <a:lstStyle/>
-          <a:p>
-            <a:endParaRPr lang="es-CO"/>
-          </a:p>
-        </p:txBody>
-      </p:sp>
-    </p:spTree>
-    <p:extLst>
-      <p:ext uri="{BB962C8B-B14F-4D97-AF65-F5344CB8AC3E}">
-        <p14:creationId xmlns:p14="http://schemas.microsoft.com/office/powerpoint/2010/main" val="353971449"/>
-      </p:ext>
-    </p:extLst>
-  </p:cSld>
-  <p:clrMapOvr>
-    <a:masterClrMapping/>
-  </p:clrMapOvr>
-</p:sld>
-</file>
-
-<file path=ppt/slides/slide3.xml><?xml version="1.0" encoding="utf-8"?>
-<p:sld xmlns:a="http://schemas.openxmlformats.org/drawingml/2006/main" xmlns:r="http://schemas.openxmlformats.org/officeDocument/2006/relationships" xmlns:p="http://schemas.openxmlformats.org/presentationml/2006/main">
-  <p:cSld>
-    <p:spTree>
-      <p:nvGrpSpPr>
-        <p:cNvPr id="1" name=""/>
-        <p:cNvGrpSpPr/>
-        <p:nvPr/>
-      </p:nvGrpSpPr>
-      <p:grpSpPr>
-        <a:xfrm>
-          <a:off x="0" y="0"/>
-          <a:ext cx="0" cy="0"/>
-          <a:chOff x="0" y="0"/>
-          <a:chExt cx="0" cy="0"/>
-        </a:xfrm>
-      </p:grpSpPr>
-      <p:sp>
-        <p:nvSpPr>
-          <p:cNvPr id="2" name="Título 1">
-            <a:extLst>
-              <a:ext uri="{FF2B5EF4-FFF2-40B4-BE49-F238E27FC236}">
-                <a16:creationId xmlns:a16="http://schemas.microsoft.com/office/drawing/2014/main" id="{0B5CFC57-3748-4FAF-9C04-E276F50C789C}"/>
-              </a:ext>
-            </a:extLst>
-          </p:cNvPr>
-          <p:cNvSpPr>
-            <a:spLocks noGrp="1"/>
-          </p:cNvSpPr>
-          <p:nvPr>
-            <p:ph type="title"/>
-          </p:nvPr>
-        </p:nvSpPr>
-        <p:spPr/>
-        <p:txBody>
-          <a:bodyPr/>
-          <a:lstStyle/>
-          <a:p>
-            <a:r>
-              <a:rPr lang="es-CO" dirty="0"/>
-              <a:t>Imaginación</a:t>
-            </a:r>
-          </a:p>
-        </p:txBody>
-      </p:sp>
-      <p:sp>
-        <p:nvSpPr>
-          <p:cNvPr id="3" name="Marcador de contenido 2">
-            <a:extLst>
-              <a:ext uri="{FF2B5EF4-FFF2-40B4-BE49-F238E27FC236}">
-                <a16:creationId xmlns:a16="http://schemas.microsoft.com/office/drawing/2014/main" id="{E8B887AD-9DC7-4832-88D1-DB1D145A1A0D}"/>
-              </a:ext>
-            </a:extLst>
-          </p:cNvPr>
-          <p:cNvSpPr>
-            <a:spLocks noGrp="1"/>
-          </p:cNvSpPr>
-          <p:nvPr>
-            <p:ph idx="1"/>
-          </p:nvPr>
-        </p:nvSpPr>
-        <p:spPr/>
-        <p:txBody>
-          <a:bodyPr/>
-          <a:lstStyle/>
-          <a:p>
-            <a:endParaRPr lang="es-CO"/>
-          </a:p>
-        </p:txBody>
-      </p:sp>
-    </p:spTree>
-    <p:extLst>
-      <p:ext uri="{BB962C8B-B14F-4D97-AF65-F5344CB8AC3E}">
-        <p14:creationId xmlns:p14="http://schemas.microsoft.com/office/powerpoint/2010/main" val="1876058136"/>
-      </p:ext>
-    </p:extLst>
-  </p:cSld>
-  <p:clrMapOvr>
-    <a:masterClrMapping/>
-  </p:clrMapOvr>
-</p:sld>
-</file>
-
-<file path=ppt/slides/slide4.xml><?xml version="1.0" encoding="utf-8"?>
-<p:sld xmlns:a="http://schemas.openxmlformats.org/drawingml/2006/main" xmlns:r="http://schemas.openxmlformats.org/officeDocument/2006/relationships" xmlns:p="http://schemas.openxmlformats.org/presentationml/2006/main">
-  <p:cSld>
-    <p:spTree>
-      <p:nvGrpSpPr>
-        <p:cNvPr id="1" name=""/>
-        <p:cNvGrpSpPr/>
-        <p:nvPr/>
-      </p:nvGrpSpPr>
-      <p:grpSpPr>
-        <a:xfrm>
-          <a:off x="0" y="0"/>
-          <a:ext cx="0" cy="0"/>
-          <a:chOff x="0" y="0"/>
-          <a:chExt cx="0" cy="0"/>
-        </a:xfrm>
-      </p:grpSpPr>
-      <p:sp>
-        <p:nvSpPr>
-          <p:cNvPr id="13" name="Título 12"/>
-          <p:cNvSpPr>
-            <a:spLocks noGrp="1"/>
-          </p:cNvSpPr>
-          <p:nvPr>
-            <p:ph type="title"/>
-          </p:nvPr>
-        </p:nvSpPr>
-        <p:spPr/>
-        <p:txBody>
-          <a:bodyPr rtlCol="0"/>
-          <a:lstStyle/>
-          <a:p>
-            <a:pPr rtl="0"/>
-            <a:r>
-              <a:rPr lang="es-ES" dirty="0"/>
-              <a:t>Creación de interfaz gráfica con plantillas(ionic creator) </a:t>
-            </a:r>
-          </a:p>
-        </p:txBody>
-      </p:sp>
-      <p:pic>
-        <p:nvPicPr>
-          <p:cNvPr id="8" name="Imagen 7">
-            <a:extLst>
-              <a:ext uri="{FF2B5EF4-FFF2-40B4-BE49-F238E27FC236}">
-                <a16:creationId xmlns:a16="http://schemas.microsoft.com/office/drawing/2014/main" id="{4BCB02F6-6668-4DFA-AA19-CC8DB3C36712}"/>
-              </a:ext>
-            </a:extLst>
-          </p:cNvPr>
-          <p:cNvPicPr>
-            <a:picLocks noChangeAspect="1"/>
-          </p:cNvPicPr>
-          <p:nvPr/>
-        </p:nvPicPr>
-        <p:blipFill>
-          <a:blip r:embed="rId2"/>
-          <a:stretch>
-            <a:fillRect/>
-          </a:stretch>
-        </p:blipFill>
-        <p:spPr>
-          <a:xfrm>
-            <a:off x="3070076" y="2157731"/>
-            <a:ext cx="5256584" cy="3995955"/>
-          </a:xfrm>
-          <a:prstGeom prst="rect">
-            <a:avLst/>
-          </a:prstGeom>
-        </p:spPr>
-      </p:pic>
-    </p:spTree>
-    <p:extLst>
-      <p:ext uri="{BB962C8B-B14F-4D97-AF65-F5344CB8AC3E}">
-        <p14:creationId xmlns:p14="http://schemas.microsoft.com/office/powerpoint/2010/main" val="2139132589"/>
-      </p:ext>
-    </p:extLst>
-  </p:cSld>
-  <p:clrMapOvr>
-    <a:masterClrMapping/>
-  </p:clrMapOvr>
-  <mc:AlternateContent xmlns:mc="http://schemas.openxmlformats.org/markup-compatibility/2006" xmlns:p14="http://schemas.microsoft.com/office/powerpoint/2010/main">
-    <mc:Choice Requires="p14">
-      <p:transition spd="med" p14:dur="700">
-        <p:fade/>
-      </p:transition>
-    </mc:Choice>
-    <mc:Fallback xmlns="">
-      <p:transition spd="med">
-        <p:fade/>
-      </p:transition>
-    </mc:Fallback>
-  </mc:AlternateContent>
-</p:sld>
-</file>
-
-<file path=ppt/slides/slide5.xml><?xml version="1.0" encoding="utf-8"?>
-<p:sld xmlns:a="http://schemas.openxmlformats.org/drawingml/2006/main" xmlns:r="http://schemas.openxmlformats.org/officeDocument/2006/relationships" xmlns:p="http://schemas.openxmlformats.org/presentationml/2006/main">
-  <p:cSld>
-    <p:spTree>
-      <p:nvGrpSpPr>
-        <p:cNvPr id="1" name=""/>
-        <p:cNvGrpSpPr/>
-        <p:nvPr/>
-      </p:nvGrpSpPr>
-      <p:grpSpPr>
-        <a:xfrm>
-          <a:off x="0" y="0"/>
-          <a:ext cx="0" cy="0"/>
-          <a:chOff x="0" y="0"/>
-          <a:chExt cx="0" cy="0"/>
-        </a:xfrm>
-      </p:grpSpPr>
-      <p:sp>
-        <p:nvSpPr>
-          <p:cNvPr id="2" name="Título 1">
-            <a:extLst>
-              <a:ext uri="{FF2B5EF4-FFF2-40B4-BE49-F238E27FC236}">
-                <a16:creationId xmlns:a16="http://schemas.microsoft.com/office/drawing/2014/main" id="{166227E6-2388-4E44-8C87-82E247E326EC}"/>
-              </a:ext>
-            </a:extLst>
-          </p:cNvPr>
-          <p:cNvSpPr>
-            <a:spLocks noGrp="1"/>
-          </p:cNvSpPr>
-          <p:nvPr>
-            <p:ph type="title"/>
-          </p:nvPr>
-        </p:nvSpPr>
-        <p:spPr/>
-        <p:txBody>
-          <a:bodyPr/>
-          <a:lstStyle/>
-          <a:p>
-            <a:r>
-              <a:rPr lang="es-CO" dirty="0"/>
-              <a:t>Manejo Home Page y Creación de Páginas</a:t>
-            </a:r>
-          </a:p>
-        </p:txBody>
-      </p:sp>
-      <p:pic>
-        <p:nvPicPr>
-          <p:cNvPr id="4" name="Imagen 3">
-            <a:extLst>
-              <a:ext uri="{FF2B5EF4-FFF2-40B4-BE49-F238E27FC236}">
-                <a16:creationId xmlns:a16="http://schemas.microsoft.com/office/drawing/2014/main" id="{AE08A470-CD27-4E1E-8F02-BAA339D62B17}"/>
-              </a:ext>
-            </a:extLst>
-          </p:cNvPr>
-          <p:cNvPicPr>
-            <a:picLocks noChangeAspect="1"/>
-          </p:cNvPicPr>
-          <p:nvPr/>
-        </p:nvPicPr>
-        <p:blipFill>
-          <a:blip r:embed="rId2"/>
-          <a:stretch>
-            <a:fillRect/>
-          </a:stretch>
-        </p:blipFill>
-        <p:spPr>
-          <a:xfrm>
-            <a:off x="1607045" y="2122640"/>
-            <a:ext cx="8974733" cy="4269277"/>
-          </a:xfrm>
-          <a:prstGeom prst="rect">
-            <a:avLst/>
-          </a:prstGeom>
-        </p:spPr>
-      </p:pic>
-    </p:spTree>
-    <p:extLst>
-      <p:ext uri="{BB962C8B-B14F-4D97-AF65-F5344CB8AC3E}">
-        <p14:creationId xmlns:p14="http://schemas.microsoft.com/office/powerpoint/2010/main" val="2860866914"/>
-      </p:ext>
-    </p:extLst>
-  </p:cSld>
-  <p:clrMapOvr>
-    <a:masterClrMapping/>
-  </p:clrMapOvr>
-</p:sld>
-</file>
-
-<file path=ppt/slides/slide6.xml><?xml version="1.0" encoding="utf-8"?>
-<p:sld xmlns:a="http://schemas.openxmlformats.org/drawingml/2006/main" xmlns:r="http://schemas.openxmlformats.org/officeDocument/2006/relationships" xmlns:p="http://schemas.openxmlformats.org/presentationml/2006/main">
-  <p:cSld>
-    <p:spTree>
-      <p:nvGrpSpPr>
-        <p:cNvPr id="1" name=""/>
-        <p:cNvGrpSpPr/>
-        <p:nvPr/>
-      </p:nvGrpSpPr>
-      <p:grpSpPr>
-        <a:xfrm>
-          <a:off x="0" y="0"/>
-          <a:ext cx="0" cy="0"/>
-          <a:chOff x="0" y="0"/>
-          <a:chExt cx="0" cy="0"/>
-        </a:xfrm>
-      </p:grpSpPr>
-      <p:sp>
-        <p:nvSpPr>
-          <p:cNvPr id="2" name="Título 1">
-            <a:extLst>
-              <a:ext uri="{FF2B5EF4-FFF2-40B4-BE49-F238E27FC236}">
-                <a16:creationId xmlns:a16="http://schemas.microsoft.com/office/drawing/2014/main" id="{166227E6-2388-4E44-8C87-82E247E326EC}"/>
-              </a:ext>
-            </a:extLst>
-          </p:cNvPr>
-          <p:cNvSpPr>
-            <a:spLocks noGrp="1"/>
-          </p:cNvSpPr>
-          <p:nvPr>
-            <p:ph type="title"/>
-          </p:nvPr>
-        </p:nvSpPr>
-        <p:spPr/>
-        <p:txBody>
-          <a:bodyPr/>
-          <a:lstStyle/>
-          <a:p>
-            <a:r>
-              <a:rPr lang="es-CO" dirty="0"/>
-              <a:t>Manejo Home Page y Creación de Páginas</a:t>
-            </a:r>
-          </a:p>
-        </p:txBody>
-      </p:sp>
-      <p:pic>
-        <p:nvPicPr>
-          <p:cNvPr id="4" name="Imagen 3">
-            <a:extLst>
-              <a:ext uri="{FF2B5EF4-FFF2-40B4-BE49-F238E27FC236}">
-                <a16:creationId xmlns:a16="http://schemas.microsoft.com/office/drawing/2014/main" id="{AE08A470-CD27-4E1E-8F02-BAA339D62B17}"/>
-              </a:ext>
-            </a:extLst>
-          </p:cNvPr>
-          <p:cNvPicPr>
-            <a:picLocks noChangeAspect="1"/>
-          </p:cNvPicPr>
-          <p:nvPr/>
-        </p:nvPicPr>
-        <p:blipFill>
-          <a:blip r:embed="rId2"/>
-          <a:stretch>
-            <a:fillRect/>
-          </a:stretch>
-        </p:blipFill>
-        <p:spPr>
-          <a:xfrm>
-            <a:off x="909836" y="2221482"/>
-            <a:ext cx="7295679" cy="3885755"/>
-          </a:xfrm>
-          <a:prstGeom prst="rect">
-            <a:avLst/>
-          </a:prstGeom>
-        </p:spPr>
-      </p:pic>
-      <p:pic>
-        <p:nvPicPr>
-          <p:cNvPr id="3" name="Imagen 2">
-            <a:extLst>
-              <a:ext uri="{FF2B5EF4-FFF2-40B4-BE49-F238E27FC236}">
-                <a16:creationId xmlns:a16="http://schemas.microsoft.com/office/drawing/2014/main" id="{D002D2DD-1EFA-43E9-876A-CE2C5B2489D6}"/>
-              </a:ext>
-            </a:extLst>
-          </p:cNvPr>
-          <p:cNvPicPr>
-            <a:picLocks noChangeAspect="1"/>
-          </p:cNvPicPr>
-          <p:nvPr/>
-        </p:nvPicPr>
-        <p:blipFill>
-          <a:blip r:embed="rId3"/>
-          <a:stretch>
-            <a:fillRect/>
-          </a:stretch>
-        </p:blipFill>
-        <p:spPr>
-          <a:xfrm>
-            <a:off x="8974732" y="2492896"/>
-            <a:ext cx="2638425" cy="3095625"/>
-          </a:xfrm>
-          <a:prstGeom prst="rect">
-            <a:avLst/>
-          </a:prstGeom>
-        </p:spPr>
-      </p:pic>
-    </p:spTree>
-    <p:extLst>
-      <p:ext uri="{BB962C8B-B14F-4D97-AF65-F5344CB8AC3E}">
-        <p14:creationId xmlns:p14="http://schemas.microsoft.com/office/powerpoint/2010/main" val="3908802608"/>
-      </p:ext>
-    </p:extLst>
-  </p:cSld>
-  <p:clrMapOvr>
-    <a:masterClrMapping/>
-  </p:clrMapOvr>
-</p:sld>
-</file>
-
-<file path=ppt/slides/slide7.xml><?xml version="1.0" encoding="utf-8"?>
-<p:sld xmlns:a="http://schemas.openxmlformats.org/drawingml/2006/main" xmlns:r="http://schemas.openxmlformats.org/officeDocument/2006/relationships" xmlns:p="http://schemas.openxmlformats.org/presentationml/2006/main">
-  <p:cSld>
-    <p:spTree>
-      <p:nvGrpSpPr>
-        <p:cNvPr id="1" name=""/>
-        <p:cNvGrpSpPr/>
-        <p:nvPr/>
-      </p:nvGrpSpPr>
-      <p:grpSpPr>
-        <a:xfrm>
-          <a:off x="0" y="0"/>
-          <a:ext cx="0" cy="0"/>
-          <a:chOff x="0" y="0"/>
-          <a:chExt cx="0" cy="0"/>
-        </a:xfrm>
-      </p:grpSpPr>
-      <p:sp>
-        <p:nvSpPr>
-          <p:cNvPr id="2" name="Título 1">
-            <a:extLst>
-              <a:ext uri="{FF2B5EF4-FFF2-40B4-BE49-F238E27FC236}">
-                <a16:creationId xmlns:a16="http://schemas.microsoft.com/office/drawing/2014/main" id="{166227E6-2388-4E44-8C87-82E247E326EC}"/>
-              </a:ext>
-            </a:extLst>
-          </p:cNvPr>
-          <p:cNvSpPr>
-            <a:spLocks noGrp="1"/>
-          </p:cNvSpPr>
-          <p:nvPr>
-            <p:ph type="title"/>
-          </p:nvPr>
-        </p:nvSpPr>
-        <p:spPr/>
-        <p:txBody>
-          <a:bodyPr/>
-          <a:lstStyle/>
-          <a:p>
-            <a:r>
-              <a:rPr lang="es-CO" dirty="0"/>
-              <a:t>Manejo Home Page y Creación de Páginas</a:t>
-            </a:r>
-          </a:p>
-        </p:txBody>
-      </p:sp>
-      <p:pic>
-        <p:nvPicPr>
-          <p:cNvPr id="5" name="Imagen 4">
-            <a:extLst>
-              <a:ext uri="{FF2B5EF4-FFF2-40B4-BE49-F238E27FC236}">
-                <a16:creationId xmlns:a16="http://schemas.microsoft.com/office/drawing/2014/main" id="{E2D706C8-3566-473E-8CC1-D9DF7C3F380A}"/>
-              </a:ext>
-            </a:extLst>
-          </p:cNvPr>
-          <p:cNvPicPr>
-            <a:picLocks noChangeAspect="1"/>
-          </p:cNvPicPr>
-          <p:nvPr/>
-        </p:nvPicPr>
-        <p:blipFill>
-          <a:blip r:embed="rId2"/>
-          <a:stretch>
-            <a:fillRect/>
-          </a:stretch>
-        </p:blipFill>
-        <p:spPr>
-          <a:xfrm>
-            <a:off x="2349996" y="2157731"/>
-            <a:ext cx="4408808" cy="4168328"/>
-          </a:xfrm>
-          <a:prstGeom prst="rect">
-            <a:avLst/>
-          </a:prstGeom>
-        </p:spPr>
-      </p:pic>
-      <p:pic>
-        <p:nvPicPr>
-          <p:cNvPr id="6" name="Imagen 5">
-            <a:extLst>
-              <a:ext uri="{FF2B5EF4-FFF2-40B4-BE49-F238E27FC236}">
-                <a16:creationId xmlns:a16="http://schemas.microsoft.com/office/drawing/2014/main" id="{CE5F7631-E442-43E3-B372-8D56AF8DB98A}"/>
-              </a:ext>
-            </a:extLst>
-          </p:cNvPr>
-          <p:cNvPicPr>
-            <a:picLocks noChangeAspect="1"/>
-          </p:cNvPicPr>
-          <p:nvPr/>
-        </p:nvPicPr>
-        <p:blipFill>
-          <a:blip r:embed="rId3"/>
-          <a:stretch>
-            <a:fillRect/>
-          </a:stretch>
-        </p:blipFill>
-        <p:spPr>
-          <a:xfrm>
-            <a:off x="8182644" y="1556792"/>
-            <a:ext cx="2505018" cy="4966994"/>
-          </a:xfrm>
-          <a:prstGeom prst="rect">
-            <a:avLst/>
-          </a:prstGeom>
-        </p:spPr>
-      </p:pic>
-    </p:spTree>
-    <p:extLst>
-      <p:ext uri="{BB962C8B-B14F-4D97-AF65-F5344CB8AC3E}">
-        <p14:creationId xmlns:p14="http://schemas.microsoft.com/office/powerpoint/2010/main" val="3121867113"/>
-      </p:ext>
-    </p:extLst>
-  </p:cSld>
-  <p:clrMapOvr>
-    <a:masterClrMapping/>
-  </p:clrMapOvr>
-</p:sld>
-</file>
-
-<file path=ppt/slides/slide8.xml><?xml version="1.0" encoding="utf-8"?>
-<p:sld xmlns:a="http://schemas.openxmlformats.org/drawingml/2006/main" xmlns:r="http://schemas.openxmlformats.org/officeDocument/2006/relationships" xmlns:p="http://schemas.openxmlformats.org/presentationml/2006/main">
-  <p:cSld>
-    <p:spTree>
-      <p:nvGrpSpPr>
-        <p:cNvPr id="1" name=""/>
-        <p:cNvGrpSpPr/>
-        <p:nvPr/>
-      </p:nvGrpSpPr>
-      <p:grpSpPr>
-        <a:xfrm>
-          <a:off x="0" y="0"/>
-          <a:ext cx="0" cy="0"/>
-          <a:chOff x="0" y="0"/>
-          <a:chExt cx="0" cy="0"/>
-        </a:xfrm>
-      </p:grpSpPr>
-      <p:sp>
-        <p:nvSpPr>
-          <p:cNvPr id="2" name="Título 1">
-            <a:extLst>
-              <a:ext uri="{FF2B5EF4-FFF2-40B4-BE49-F238E27FC236}">
-                <a16:creationId xmlns:a16="http://schemas.microsoft.com/office/drawing/2014/main" id="{166227E6-2388-4E44-8C87-82E247E326EC}"/>
-              </a:ext>
-            </a:extLst>
-          </p:cNvPr>
-          <p:cNvSpPr>
-            <a:spLocks noGrp="1"/>
-          </p:cNvSpPr>
-          <p:nvPr>
-            <p:ph type="title"/>
-          </p:nvPr>
-        </p:nvSpPr>
-        <p:spPr/>
-        <p:txBody>
-          <a:bodyPr/>
-          <a:lstStyle/>
-          <a:p>
-            <a:r>
-              <a:rPr lang="es-CO" dirty="0"/>
-              <a:t>Previsualizar info y Descargar</a:t>
-            </a:r>
-          </a:p>
-        </p:txBody>
-      </p:sp>
-      <p:pic>
-        <p:nvPicPr>
-          <p:cNvPr id="3" name="Imagen 2">
-            <a:extLst>
-              <a:ext uri="{FF2B5EF4-FFF2-40B4-BE49-F238E27FC236}">
-                <a16:creationId xmlns:a16="http://schemas.microsoft.com/office/drawing/2014/main" id="{40A54A60-BC46-4FE9-A84B-11F9943E0D16}"/>
-              </a:ext>
-            </a:extLst>
-          </p:cNvPr>
-          <p:cNvPicPr>
-            <a:picLocks noChangeAspect="1"/>
-          </p:cNvPicPr>
-          <p:nvPr/>
-        </p:nvPicPr>
-        <p:blipFill>
-          <a:blip r:embed="rId2"/>
-          <a:stretch>
-            <a:fillRect/>
-          </a:stretch>
-        </p:blipFill>
-        <p:spPr>
-          <a:xfrm>
-            <a:off x="1773932" y="1844824"/>
-            <a:ext cx="3380332" cy="4414049"/>
-          </a:xfrm>
-          <a:prstGeom prst="rect">
-            <a:avLst/>
-          </a:prstGeom>
-        </p:spPr>
-      </p:pic>
-      <p:pic>
-        <p:nvPicPr>
-          <p:cNvPr id="4" name="Imagen 3">
-            <a:extLst>
-              <a:ext uri="{FF2B5EF4-FFF2-40B4-BE49-F238E27FC236}">
-                <a16:creationId xmlns:a16="http://schemas.microsoft.com/office/drawing/2014/main" id="{084D25E4-B5E1-461C-9885-79B8B6D65334}"/>
-              </a:ext>
-            </a:extLst>
-          </p:cNvPr>
-          <p:cNvPicPr>
-            <a:picLocks noChangeAspect="1"/>
-          </p:cNvPicPr>
-          <p:nvPr/>
-        </p:nvPicPr>
-        <p:blipFill>
-          <a:blip r:embed="rId3"/>
-          <a:stretch>
-            <a:fillRect/>
-          </a:stretch>
-        </p:blipFill>
-        <p:spPr>
-          <a:xfrm>
-            <a:off x="5878388" y="2330253"/>
-            <a:ext cx="5691804" cy="3443190"/>
-          </a:xfrm>
-          <a:prstGeom prst="rect">
-            <a:avLst/>
-          </a:prstGeom>
-        </p:spPr>
-      </p:pic>
-    </p:spTree>
-    <p:extLst>
-      <p:ext uri="{BB962C8B-B14F-4D97-AF65-F5344CB8AC3E}">
-        <p14:creationId xmlns:p14="http://schemas.microsoft.com/office/powerpoint/2010/main" val="3866350207"/>
-      </p:ext>
-    </p:extLst>
-  </p:cSld>
-  <p:clrMapOvr>
-    <a:masterClrMapping/>
-  </p:clrMapOvr>
-</p:sld>
-</file>
-
-<file path=ppt/slides/slide9.xml><?xml version="1.0" encoding="utf-8"?>
-<p:sld xmlns:a="http://schemas.openxmlformats.org/drawingml/2006/main" xmlns:r="http://schemas.openxmlformats.org/officeDocument/2006/relationships" xmlns:p="http://schemas.openxmlformats.org/presentationml/2006/main">
-  <p:cSld>
-    <p:spTree>
-      <p:nvGrpSpPr>
-        <p:cNvPr id="1" name=""/>
-        <p:cNvGrpSpPr/>
-        <p:nvPr/>
-      </p:nvGrpSpPr>
-      <p:grpSpPr>
-        <a:xfrm>
-          <a:off x="0" y="0"/>
-          <a:ext cx="0" cy="0"/>
-          <a:chOff x="0" y="0"/>
-          <a:chExt cx="0" cy="0"/>
-        </a:xfrm>
-      </p:grpSpPr>
-      <p:sp>
-        <p:nvSpPr>
-          <p:cNvPr id="2" name="Título 1">
-            <a:extLst>
-              <a:ext uri="{FF2B5EF4-FFF2-40B4-BE49-F238E27FC236}">
-                <a16:creationId xmlns:a16="http://schemas.microsoft.com/office/drawing/2014/main" id="{871C0CDA-5765-469D-8E23-ABF036866691}"/>
-              </a:ext>
-            </a:extLst>
-          </p:cNvPr>
-          <p:cNvSpPr>
-            <a:spLocks noGrp="1"/>
-          </p:cNvSpPr>
-          <p:nvPr>
-            <p:ph type="title"/>
-          </p:nvPr>
-        </p:nvSpPr>
-        <p:spPr/>
-        <p:txBody>
-          <a:bodyPr/>
-          <a:lstStyle/>
-          <a:p>
-            <a:r>
-              <a:rPr lang="es-CO" dirty="0"/>
-              <a:t>Edición del Side Menu(</a:t>
-            </a:r>
-            <a:r>
-              <a:rPr lang="es-CO" dirty="0" err="1"/>
-              <a:t>item</a:t>
-            </a:r>
-            <a:r>
-              <a:rPr lang="es-CO" dirty="0"/>
-              <a:t>)</a:t>
-            </a:r>
-          </a:p>
-        </p:txBody>
-      </p:sp>
-      <p:pic>
-        <p:nvPicPr>
-          <p:cNvPr id="4" name="Imagen 3">
-            <a:extLst>
-              <a:ext uri="{FF2B5EF4-FFF2-40B4-BE49-F238E27FC236}">
-                <a16:creationId xmlns:a16="http://schemas.microsoft.com/office/drawing/2014/main" id="{FBB5CAA1-095B-4D2B-9F9E-D3DF9266773D}"/>
-              </a:ext>
-            </a:extLst>
-          </p:cNvPr>
-          <p:cNvPicPr>
-            <a:picLocks noChangeAspect="1"/>
-          </p:cNvPicPr>
-          <p:nvPr/>
-        </p:nvPicPr>
-        <p:blipFill>
-          <a:blip r:embed="rId2"/>
-          <a:stretch>
-            <a:fillRect/>
-          </a:stretch>
-        </p:blipFill>
-        <p:spPr>
-          <a:xfrm>
-            <a:off x="3322740" y="1988840"/>
-            <a:ext cx="2053523" cy="2080722"/>
-          </a:xfrm>
-          <a:prstGeom prst="rect">
-            <a:avLst/>
-          </a:prstGeom>
-        </p:spPr>
-      </p:pic>
-      <p:pic>
-        <p:nvPicPr>
-          <p:cNvPr id="5" name="Imagen 4">
-            <a:extLst>
-              <a:ext uri="{FF2B5EF4-FFF2-40B4-BE49-F238E27FC236}">
-                <a16:creationId xmlns:a16="http://schemas.microsoft.com/office/drawing/2014/main" id="{3291EF3C-4210-4331-B5E4-DB4B6F4FEB24}"/>
-              </a:ext>
-            </a:extLst>
-          </p:cNvPr>
-          <p:cNvPicPr>
-            <a:picLocks noChangeAspect="1"/>
-          </p:cNvPicPr>
-          <p:nvPr/>
-        </p:nvPicPr>
-        <p:blipFill>
-          <a:blip r:embed="rId3"/>
-          <a:stretch>
-            <a:fillRect/>
-          </a:stretch>
-        </p:blipFill>
-        <p:spPr>
-          <a:xfrm>
-            <a:off x="8312322" y="761621"/>
-            <a:ext cx="3219450" cy="5600700"/>
-          </a:xfrm>
-          <a:prstGeom prst="rect">
-            <a:avLst/>
-          </a:prstGeom>
-        </p:spPr>
-      </p:pic>
-      <p:pic>
-        <p:nvPicPr>
-          <p:cNvPr id="6" name="Imagen 5">
-            <a:extLst>
-              <a:ext uri="{FF2B5EF4-FFF2-40B4-BE49-F238E27FC236}">
-                <a16:creationId xmlns:a16="http://schemas.microsoft.com/office/drawing/2014/main" id="{FBDCC72E-A29B-46C3-B2C7-FB0A7BC2FE79}"/>
-              </a:ext>
-            </a:extLst>
-          </p:cNvPr>
-          <p:cNvPicPr>
-            <a:picLocks noChangeAspect="1"/>
-          </p:cNvPicPr>
-          <p:nvPr/>
-        </p:nvPicPr>
-        <p:blipFill>
-          <a:blip r:embed="rId4"/>
-          <a:stretch>
-            <a:fillRect/>
-          </a:stretch>
-        </p:blipFill>
-        <p:spPr>
-          <a:xfrm>
-            <a:off x="1053851" y="4437112"/>
-            <a:ext cx="6591300" cy="1647825"/>
-          </a:xfrm>
-          <a:prstGeom prst="rect">
-            <a:avLst/>
-          </a:prstGeom>
-        </p:spPr>
-      </p:pic>
-    </p:spTree>
-    <p:extLst>
-      <p:ext uri="{BB962C8B-B14F-4D97-AF65-F5344CB8AC3E}">
-        <p14:creationId xmlns:p14="http://schemas.microsoft.com/office/powerpoint/2010/main" val="1675405567"/>
       </p:ext>
     </p:extLst>
   </p:cSld>
@@ -6644,6 +6476,142 @@
 </file>
 
 <file path=customXml/item1.xml><?xml version="1.0" encoding="utf-8"?>
+<p:properties xmlns:p="http://schemas.microsoft.com/office/2006/metadata/properties" xmlns:xsi="http://www.w3.org/2001/XMLSchema-instance" xmlns:pc="http://schemas.microsoft.com/office/infopath/2007/PartnerControls">
+  <documentManagement>
+    <DirectSourceMarket xmlns="4873beb7-5857-4685-be1f-d57550cc96cc" xsi:nil="true"/>
+    <ApprovalStatus xmlns="4873beb7-5857-4685-be1f-d57550cc96cc">InProgress</ApprovalStatus>
+    <MarketSpecific xmlns="4873beb7-5857-4685-be1f-d57550cc96cc">false</MarketSpecific>
+    <LocComments xmlns="4873beb7-5857-4685-be1f-d57550cc96cc" xsi:nil="true"/>
+    <ThumbnailAssetId xmlns="4873beb7-5857-4685-be1f-d57550cc96cc" xsi:nil="true"/>
+    <PrimaryImageGen xmlns="4873beb7-5857-4685-be1f-d57550cc96cc">true</PrimaryImageGen>
+    <LegacyData xmlns="4873beb7-5857-4685-be1f-d57550cc96cc" xsi:nil="true"/>
+    <LocRecommendedHandoff xmlns="4873beb7-5857-4685-be1f-d57550cc96cc" xsi:nil="true"/>
+    <BusinessGroup xmlns="4873beb7-5857-4685-be1f-d57550cc96cc" xsi:nil="true"/>
+    <BlockPublish xmlns="4873beb7-5857-4685-be1f-d57550cc96cc">false</BlockPublish>
+    <TPFriendlyName xmlns="4873beb7-5857-4685-be1f-d57550cc96cc" xsi:nil="true"/>
+    <NumericId xmlns="4873beb7-5857-4685-be1f-d57550cc96cc" xsi:nil="true"/>
+    <APEditor xmlns="4873beb7-5857-4685-be1f-d57550cc96cc">
+      <UserInfo>
+        <DisplayName/>
+        <AccountId xsi:nil="true"/>
+        <AccountType/>
+      </UserInfo>
+    </APEditor>
+    <SourceTitle xmlns="4873beb7-5857-4685-be1f-d57550cc96cc" xsi:nil="true"/>
+    <OpenTemplate xmlns="4873beb7-5857-4685-be1f-d57550cc96cc">true</OpenTemplate>
+    <UALocComments xmlns="4873beb7-5857-4685-be1f-d57550cc96cc" xsi:nil="true"/>
+    <ParentAssetId xmlns="4873beb7-5857-4685-be1f-d57550cc96cc" xsi:nil="true"/>
+    <IntlLangReviewDate xmlns="4873beb7-5857-4685-be1f-d57550cc96cc" xsi:nil="true"/>
+    <FeatureTagsTaxHTField0 xmlns="4873beb7-5857-4685-be1f-d57550cc96cc">
+      <Terms xmlns="http://schemas.microsoft.com/office/infopath/2007/PartnerControls"/>
+    </FeatureTagsTaxHTField0>
+    <PublishStatusLookup xmlns="4873beb7-5857-4685-be1f-d57550cc96cc">
+      <Value>1564227</Value>
+    </PublishStatusLookup>
+    <Providers xmlns="4873beb7-5857-4685-be1f-d57550cc96cc" xsi:nil="true"/>
+    <MachineTranslated xmlns="4873beb7-5857-4685-be1f-d57550cc96cc">false</MachineTranslated>
+    <OriginalSourceMarket xmlns="4873beb7-5857-4685-be1f-d57550cc96cc" xsi:nil="true"/>
+    <APDescription xmlns="4873beb7-5857-4685-be1f-d57550cc96cc">Take your audience through a digital tunnel where they'll  burst through to the other side and see the information you want to present. Show them lists, charts, tables, SmartArt,  and pictures using a variety of layouts in widescreen (16X9) format. This design works well for subjects on science and technology, computers, communication, and more.   
+</APDescription>
+    <ClipArtFilename xmlns="4873beb7-5857-4685-be1f-d57550cc96cc" xsi:nil="true"/>
+    <ContentItem xmlns="4873beb7-5857-4685-be1f-d57550cc96cc" xsi:nil="true"/>
+    <TPInstallLocation xmlns="4873beb7-5857-4685-be1f-d57550cc96cc" xsi:nil="true"/>
+    <PublishTargets xmlns="4873beb7-5857-4685-be1f-d57550cc96cc">OfficeOnlineVNext</PublishTargets>
+    <TimesCloned xmlns="4873beb7-5857-4685-be1f-d57550cc96cc" xsi:nil="true"/>
+    <AssetStart xmlns="4873beb7-5857-4685-be1f-d57550cc96cc">2012-05-11T02:04:00+00:00</AssetStart>
+    <Provider xmlns="4873beb7-5857-4685-be1f-d57550cc96cc" xsi:nil="true"/>
+    <AcquiredFrom xmlns="4873beb7-5857-4685-be1f-d57550cc96cc">Internal MS</AcquiredFrom>
+    <FriendlyTitle xmlns="4873beb7-5857-4685-be1f-d57550cc96cc" xsi:nil="true"/>
+    <LastHandOff xmlns="4873beb7-5857-4685-be1f-d57550cc96cc" xsi:nil="true"/>
+    <TPClientViewer xmlns="4873beb7-5857-4685-be1f-d57550cc96cc" xsi:nil="true"/>
+    <UACurrentWords xmlns="4873beb7-5857-4685-be1f-d57550cc96cc" xsi:nil="true"/>
+    <ArtSampleDocs xmlns="4873beb7-5857-4685-be1f-d57550cc96cc" xsi:nil="true"/>
+    <UALocRecommendation xmlns="4873beb7-5857-4685-be1f-d57550cc96cc">Localize</UALocRecommendation>
+    <Manager xmlns="4873beb7-5857-4685-be1f-d57550cc96cc" xsi:nil="true"/>
+    <ShowIn xmlns="4873beb7-5857-4685-be1f-d57550cc96cc">Show everywhere</ShowIn>
+    <UANotes xmlns="4873beb7-5857-4685-be1f-d57550cc96cc" xsi:nil="true"/>
+    <TemplateStatus xmlns="4873beb7-5857-4685-be1f-d57550cc96cc">Complete</TemplateStatus>
+    <InternalTagsTaxHTField0 xmlns="4873beb7-5857-4685-be1f-d57550cc96cc">
+      <Terms xmlns="http://schemas.microsoft.com/office/infopath/2007/PartnerControls"/>
+    </InternalTagsTaxHTField0>
+    <CSXHash xmlns="4873beb7-5857-4685-be1f-d57550cc96cc" xsi:nil="true"/>
+    <Downloads xmlns="4873beb7-5857-4685-be1f-d57550cc96cc">0</Downloads>
+    <VoteCount xmlns="4873beb7-5857-4685-be1f-d57550cc96cc" xsi:nil="true"/>
+    <OOCacheId xmlns="4873beb7-5857-4685-be1f-d57550cc96cc" xsi:nil="true"/>
+    <IsDeleted xmlns="4873beb7-5857-4685-be1f-d57550cc96cc">false</IsDeleted>
+    <AssetExpire xmlns="4873beb7-5857-4685-be1f-d57550cc96cc">2029-01-01T08:00:00+00:00</AssetExpire>
+    <DSATActionTaken xmlns="4873beb7-5857-4685-be1f-d57550cc96cc" xsi:nil="true"/>
+    <CSXSubmissionMarket xmlns="4873beb7-5857-4685-be1f-d57550cc96cc" xsi:nil="true"/>
+    <TPExecutable xmlns="4873beb7-5857-4685-be1f-d57550cc96cc" xsi:nil="true"/>
+    <SubmitterId xmlns="4873beb7-5857-4685-be1f-d57550cc96cc" xsi:nil="true"/>
+    <EditorialTags xmlns="4873beb7-5857-4685-be1f-d57550cc96cc" xsi:nil="true"/>
+    <ApprovalLog xmlns="4873beb7-5857-4685-be1f-d57550cc96cc" xsi:nil="true"/>
+    <AssetType xmlns="4873beb7-5857-4685-be1f-d57550cc96cc">TP</AssetType>
+    <BugNumber xmlns="4873beb7-5857-4685-be1f-d57550cc96cc" xsi:nil="true"/>
+    <CSXSubmissionDate xmlns="4873beb7-5857-4685-be1f-d57550cc96cc" xsi:nil="true"/>
+    <CSXUpdate xmlns="4873beb7-5857-4685-be1f-d57550cc96cc">false</CSXUpdate>
+    <Milestone xmlns="4873beb7-5857-4685-be1f-d57550cc96cc" xsi:nil="true"/>
+    <RecommendationsModifier xmlns="4873beb7-5857-4685-be1f-d57550cc96cc" xsi:nil="true"/>
+    <OriginAsset xmlns="4873beb7-5857-4685-be1f-d57550cc96cc" xsi:nil="true"/>
+    <TPComponent xmlns="4873beb7-5857-4685-be1f-d57550cc96cc" xsi:nil="true"/>
+    <AssetId xmlns="4873beb7-5857-4685-be1f-d57550cc96cc">TP102895246</AssetId>
+    <IntlLocPriority xmlns="4873beb7-5857-4685-be1f-d57550cc96cc" xsi:nil="true"/>
+    <PolicheckWords xmlns="4873beb7-5857-4685-be1f-d57550cc96cc" xsi:nil="true"/>
+    <TPLaunchHelpLink xmlns="4873beb7-5857-4685-be1f-d57550cc96cc" xsi:nil="true"/>
+    <TPApplication xmlns="4873beb7-5857-4685-be1f-d57550cc96cc" xsi:nil="true"/>
+    <CrawlForDependencies xmlns="4873beb7-5857-4685-be1f-d57550cc96cc">false</CrawlForDependencies>
+    <HandoffToMSDN xmlns="4873beb7-5857-4685-be1f-d57550cc96cc" xsi:nil="true"/>
+    <PlannedPubDate xmlns="4873beb7-5857-4685-be1f-d57550cc96cc" xsi:nil="true"/>
+    <IntlLangReviewer xmlns="4873beb7-5857-4685-be1f-d57550cc96cc" xsi:nil="true"/>
+    <TrustLevel xmlns="4873beb7-5857-4685-be1f-d57550cc96cc">1 Microsoft Managed Content</TrustLevel>
+    <LocLastLocAttemptVersionLookup xmlns="4873beb7-5857-4685-be1f-d57550cc96cc">835483</LocLastLocAttemptVersionLookup>
+    <IsSearchable xmlns="4873beb7-5857-4685-be1f-d57550cc96cc">true</IsSearchable>
+    <TemplateTemplateType xmlns="4873beb7-5857-4685-be1f-d57550cc96cc">PowerPoint Presentation Template</TemplateTemplateType>
+    <CampaignTagsTaxHTField0 xmlns="4873beb7-5857-4685-be1f-d57550cc96cc">
+      <Terms xmlns="http://schemas.microsoft.com/office/infopath/2007/PartnerControls"/>
+    </CampaignTagsTaxHTField0>
+    <TPNamespace xmlns="4873beb7-5857-4685-be1f-d57550cc96cc" xsi:nil="true"/>
+    <TaxCatchAll xmlns="4873beb7-5857-4685-be1f-d57550cc96cc"/>
+    <Markets xmlns="4873beb7-5857-4685-be1f-d57550cc96cc"/>
+    <UAProjectedTotalWords xmlns="4873beb7-5857-4685-be1f-d57550cc96cc" xsi:nil="true"/>
+    <IntlLangReview xmlns="4873beb7-5857-4685-be1f-d57550cc96cc">false</IntlLangReview>
+    <OutputCachingOn xmlns="4873beb7-5857-4685-be1f-d57550cc96cc">false</OutputCachingOn>
+    <AverageRating xmlns="4873beb7-5857-4685-be1f-d57550cc96cc" xsi:nil="true"/>
+    <APAuthor xmlns="4873beb7-5857-4685-be1f-d57550cc96cc">
+      <UserInfo>
+        <DisplayName>REDMOND\v-vaddu</DisplayName>
+        <AccountId>2567</AccountId>
+        <AccountType/>
+      </UserInfo>
+    </APAuthor>
+    <LocManualTestRequired xmlns="4873beb7-5857-4685-be1f-d57550cc96cc">false</LocManualTestRequired>
+    <TPCommandLine xmlns="4873beb7-5857-4685-be1f-d57550cc96cc" xsi:nil="true"/>
+    <TPAppVersion xmlns="4873beb7-5857-4685-be1f-d57550cc96cc" xsi:nil="true"/>
+    <EditorialStatus xmlns="4873beb7-5857-4685-be1f-d57550cc96cc">Complete</EditorialStatus>
+    <LastModifiedDateTime xmlns="4873beb7-5857-4685-be1f-d57550cc96cc" xsi:nil="true"/>
+    <ScenarioTagsTaxHTField0 xmlns="4873beb7-5857-4685-be1f-d57550cc96cc">
+      <Terms xmlns="http://schemas.microsoft.com/office/infopath/2007/PartnerControls"/>
+    </ScenarioTagsTaxHTField0>
+    <OriginalRelease xmlns="4873beb7-5857-4685-be1f-d57550cc96cc">15</OriginalRelease>
+    <TPLaunchHelpLinkType xmlns="4873beb7-5857-4685-be1f-d57550cc96cc">Template</TPLaunchHelpLinkType>
+    <LocalizationTagsTaxHTField0 xmlns="4873beb7-5857-4685-be1f-d57550cc96cc">
+      <Terms xmlns="http://schemas.microsoft.com/office/infopath/2007/PartnerControls"/>
+    </LocalizationTagsTaxHTField0>
+    <LocMarketGroupTiers2 xmlns="4873beb7-5857-4685-be1f-d57550cc96cc" xsi:nil="true"/>
+  </documentManagement>
+</p:properties>
+</file>
+
+<file path=customXml/item2.xml><?xml version="1.0" encoding="utf-8"?>
+<?mso-contentType ?>
+<FormTemplates xmlns="http://schemas.microsoft.com/sharepoint/v3/contenttype/forms">
+  <Display>DocumentLibraryForm</Display>
+  <Edit>AssetEditForm</Edit>
+  <New>DocumentLibraryForm</New>
+</FormTemplates>
+</file>
+
+<file path=customXml/item3.xml><?xml version="1.0" encoding="utf-8"?>
 <ct:contentTypeSchema xmlns:ct="http://schemas.microsoft.com/office/2006/metadata/contentType" xmlns:ma="http://schemas.microsoft.com/office/2006/metadata/properties/metaAttributes" ct:_="" ma:_="" ma:contentTypeName="TemplateFile" ma:contentTypeID="0x0101006EDDDB5EE6D98C44930B742096920B300400F5B6D36B3EF94B4E9A635CDF2A18F5B8" ma:contentTypeVersion="72" ma:contentTypeDescription="Create a new document." ma:contentTypeScope="" ma:versionID="a23e56308344d904b51738559c3d67c9">
   <xsd:schema xmlns:xsd="http://www.w3.org/2001/XMLSchema" xmlns:xs="http://www.w3.org/2001/XMLSchema" xmlns:p="http://schemas.microsoft.com/office/2006/metadata/properties" xmlns:ns2="4873beb7-5857-4685-be1f-d57550cc96cc" targetNamespace="http://schemas.microsoft.com/office/2006/metadata/properties" ma:root="true" ma:fieldsID="cd0908cc4600e77bf5da051303e00c8d" ns2:_="">
     <xsd:import namespace="4873beb7-5857-4685-be1f-d57550cc96cc"/>
@@ -7683,143 +7651,25 @@
 </ct:contentTypeSchema>
 </file>
 
-<file path=customXml/item2.xml><?xml version="1.0" encoding="utf-8"?>
-<?mso-contentType ?>
-<FormTemplates xmlns="http://schemas.microsoft.com/sharepoint/v3/contenttype/forms">
-  <Display>DocumentLibraryForm</Display>
-  <Edit>AssetEditForm</Edit>
-  <New>DocumentLibraryForm</New>
-</FormTemplates>
+<file path=customXml/itemProps1.xml><?xml version="1.0" encoding="utf-8"?>
+<ds:datastoreItem xmlns:ds="http://schemas.openxmlformats.org/officeDocument/2006/customXml" ds:itemID="{00E41224-0370-4595-877C-23316CD80004}">
+  <ds:schemaRefs>
+    <ds:schemaRef ds:uri="http://schemas.microsoft.com/office/2006/metadata/properties"/>
+    <ds:schemaRef ds:uri="http://schemas.microsoft.com/office/infopath/2007/PartnerControls"/>
+    <ds:schemaRef ds:uri="4873beb7-5857-4685-be1f-d57550cc96cc"/>
+  </ds:schemaRefs>
+</ds:datastoreItem>
 </file>
 
-<file path=customXml/item3.xml><?xml version="1.0" encoding="utf-8"?>
-<p:properties xmlns:p="http://schemas.microsoft.com/office/2006/metadata/properties" xmlns:xsi="http://www.w3.org/2001/XMLSchema-instance" xmlns:pc="http://schemas.microsoft.com/office/infopath/2007/PartnerControls">
-  <documentManagement>
-    <DirectSourceMarket xmlns="4873beb7-5857-4685-be1f-d57550cc96cc" xsi:nil="true"/>
-    <ApprovalStatus xmlns="4873beb7-5857-4685-be1f-d57550cc96cc">InProgress</ApprovalStatus>
-    <MarketSpecific xmlns="4873beb7-5857-4685-be1f-d57550cc96cc">false</MarketSpecific>
-    <LocComments xmlns="4873beb7-5857-4685-be1f-d57550cc96cc" xsi:nil="true"/>
-    <ThumbnailAssetId xmlns="4873beb7-5857-4685-be1f-d57550cc96cc" xsi:nil="true"/>
-    <PrimaryImageGen xmlns="4873beb7-5857-4685-be1f-d57550cc96cc">true</PrimaryImageGen>
-    <LegacyData xmlns="4873beb7-5857-4685-be1f-d57550cc96cc" xsi:nil="true"/>
-    <LocRecommendedHandoff xmlns="4873beb7-5857-4685-be1f-d57550cc96cc" xsi:nil="true"/>
-    <BusinessGroup xmlns="4873beb7-5857-4685-be1f-d57550cc96cc" xsi:nil="true"/>
-    <BlockPublish xmlns="4873beb7-5857-4685-be1f-d57550cc96cc">false</BlockPublish>
-    <TPFriendlyName xmlns="4873beb7-5857-4685-be1f-d57550cc96cc" xsi:nil="true"/>
-    <NumericId xmlns="4873beb7-5857-4685-be1f-d57550cc96cc" xsi:nil="true"/>
-    <APEditor xmlns="4873beb7-5857-4685-be1f-d57550cc96cc">
-      <UserInfo>
-        <DisplayName/>
-        <AccountId xsi:nil="true"/>
-        <AccountType/>
-      </UserInfo>
-    </APEditor>
-    <SourceTitle xmlns="4873beb7-5857-4685-be1f-d57550cc96cc" xsi:nil="true"/>
-    <OpenTemplate xmlns="4873beb7-5857-4685-be1f-d57550cc96cc">true</OpenTemplate>
-    <UALocComments xmlns="4873beb7-5857-4685-be1f-d57550cc96cc" xsi:nil="true"/>
-    <ParentAssetId xmlns="4873beb7-5857-4685-be1f-d57550cc96cc" xsi:nil="true"/>
-    <IntlLangReviewDate xmlns="4873beb7-5857-4685-be1f-d57550cc96cc" xsi:nil="true"/>
-    <FeatureTagsTaxHTField0 xmlns="4873beb7-5857-4685-be1f-d57550cc96cc">
-      <Terms xmlns="http://schemas.microsoft.com/office/infopath/2007/PartnerControls"/>
-    </FeatureTagsTaxHTField0>
-    <PublishStatusLookup xmlns="4873beb7-5857-4685-be1f-d57550cc96cc">
-      <Value>1564227</Value>
-    </PublishStatusLookup>
-    <Providers xmlns="4873beb7-5857-4685-be1f-d57550cc96cc" xsi:nil="true"/>
-    <MachineTranslated xmlns="4873beb7-5857-4685-be1f-d57550cc96cc">false</MachineTranslated>
-    <OriginalSourceMarket xmlns="4873beb7-5857-4685-be1f-d57550cc96cc" xsi:nil="true"/>
-    <APDescription xmlns="4873beb7-5857-4685-be1f-d57550cc96cc">Take your audience through a digital tunnel where they'll  burst through to the other side and see the information you want to present. Show them lists, charts, tables, SmartArt,  and pictures using a variety of layouts in widescreen (16X9) format. This design works well for subjects on science and technology, computers, communication, and more.   
-</APDescription>
-    <ClipArtFilename xmlns="4873beb7-5857-4685-be1f-d57550cc96cc" xsi:nil="true"/>
-    <ContentItem xmlns="4873beb7-5857-4685-be1f-d57550cc96cc" xsi:nil="true"/>
-    <TPInstallLocation xmlns="4873beb7-5857-4685-be1f-d57550cc96cc" xsi:nil="true"/>
-    <PublishTargets xmlns="4873beb7-5857-4685-be1f-d57550cc96cc">OfficeOnlineVNext</PublishTargets>
-    <TimesCloned xmlns="4873beb7-5857-4685-be1f-d57550cc96cc" xsi:nil="true"/>
-    <AssetStart xmlns="4873beb7-5857-4685-be1f-d57550cc96cc">2012-05-11T02:04:00+00:00</AssetStart>
-    <Provider xmlns="4873beb7-5857-4685-be1f-d57550cc96cc" xsi:nil="true"/>
-    <AcquiredFrom xmlns="4873beb7-5857-4685-be1f-d57550cc96cc">Internal MS</AcquiredFrom>
-    <FriendlyTitle xmlns="4873beb7-5857-4685-be1f-d57550cc96cc" xsi:nil="true"/>
-    <LastHandOff xmlns="4873beb7-5857-4685-be1f-d57550cc96cc" xsi:nil="true"/>
-    <TPClientViewer xmlns="4873beb7-5857-4685-be1f-d57550cc96cc" xsi:nil="true"/>
-    <UACurrentWords xmlns="4873beb7-5857-4685-be1f-d57550cc96cc" xsi:nil="true"/>
-    <ArtSampleDocs xmlns="4873beb7-5857-4685-be1f-d57550cc96cc" xsi:nil="true"/>
-    <UALocRecommendation xmlns="4873beb7-5857-4685-be1f-d57550cc96cc">Localize</UALocRecommendation>
-    <Manager xmlns="4873beb7-5857-4685-be1f-d57550cc96cc" xsi:nil="true"/>
-    <ShowIn xmlns="4873beb7-5857-4685-be1f-d57550cc96cc">Show everywhere</ShowIn>
-    <UANotes xmlns="4873beb7-5857-4685-be1f-d57550cc96cc" xsi:nil="true"/>
-    <TemplateStatus xmlns="4873beb7-5857-4685-be1f-d57550cc96cc">Complete</TemplateStatus>
-    <InternalTagsTaxHTField0 xmlns="4873beb7-5857-4685-be1f-d57550cc96cc">
-      <Terms xmlns="http://schemas.microsoft.com/office/infopath/2007/PartnerControls"/>
-    </InternalTagsTaxHTField0>
-    <CSXHash xmlns="4873beb7-5857-4685-be1f-d57550cc96cc" xsi:nil="true"/>
-    <Downloads xmlns="4873beb7-5857-4685-be1f-d57550cc96cc">0</Downloads>
-    <VoteCount xmlns="4873beb7-5857-4685-be1f-d57550cc96cc" xsi:nil="true"/>
-    <OOCacheId xmlns="4873beb7-5857-4685-be1f-d57550cc96cc" xsi:nil="true"/>
-    <IsDeleted xmlns="4873beb7-5857-4685-be1f-d57550cc96cc">false</IsDeleted>
-    <AssetExpire xmlns="4873beb7-5857-4685-be1f-d57550cc96cc">2029-01-01T08:00:00+00:00</AssetExpire>
-    <DSATActionTaken xmlns="4873beb7-5857-4685-be1f-d57550cc96cc" xsi:nil="true"/>
-    <CSXSubmissionMarket xmlns="4873beb7-5857-4685-be1f-d57550cc96cc" xsi:nil="true"/>
-    <TPExecutable xmlns="4873beb7-5857-4685-be1f-d57550cc96cc" xsi:nil="true"/>
-    <SubmitterId xmlns="4873beb7-5857-4685-be1f-d57550cc96cc" xsi:nil="true"/>
-    <EditorialTags xmlns="4873beb7-5857-4685-be1f-d57550cc96cc" xsi:nil="true"/>
-    <ApprovalLog xmlns="4873beb7-5857-4685-be1f-d57550cc96cc" xsi:nil="true"/>
-    <AssetType xmlns="4873beb7-5857-4685-be1f-d57550cc96cc">TP</AssetType>
-    <BugNumber xmlns="4873beb7-5857-4685-be1f-d57550cc96cc" xsi:nil="true"/>
-    <CSXSubmissionDate xmlns="4873beb7-5857-4685-be1f-d57550cc96cc" xsi:nil="true"/>
-    <CSXUpdate xmlns="4873beb7-5857-4685-be1f-d57550cc96cc">false</CSXUpdate>
-    <Milestone xmlns="4873beb7-5857-4685-be1f-d57550cc96cc" xsi:nil="true"/>
-    <RecommendationsModifier xmlns="4873beb7-5857-4685-be1f-d57550cc96cc" xsi:nil="true"/>
-    <OriginAsset xmlns="4873beb7-5857-4685-be1f-d57550cc96cc" xsi:nil="true"/>
-    <TPComponent xmlns="4873beb7-5857-4685-be1f-d57550cc96cc" xsi:nil="true"/>
-    <AssetId xmlns="4873beb7-5857-4685-be1f-d57550cc96cc">TP102895246</AssetId>
-    <IntlLocPriority xmlns="4873beb7-5857-4685-be1f-d57550cc96cc" xsi:nil="true"/>
-    <PolicheckWords xmlns="4873beb7-5857-4685-be1f-d57550cc96cc" xsi:nil="true"/>
-    <TPLaunchHelpLink xmlns="4873beb7-5857-4685-be1f-d57550cc96cc" xsi:nil="true"/>
-    <TPApplication xmlns="4873beb7-5857-4685-be1f-d57550cc96cc" xsi:nil="true"/>
-    <CrawlForDependencies xmlns="4873beb7-5857-4685-be1f-d57550cc96cc">false</CrawlForDependencies>
-    <HandoffToMSDN xmlns="4873beb7-5857-4685-be1f-d57550cc96cc" xsi:nil="true"/>
-    <PlannedPubDate xmlns="4873beb7-5857-4685-be1f-d57550cc96cc" xsi:nil="true"/>
-    <IntlLangReviewer xmlns="4873beb7-5857-4685-be1f-d57550cc96cc" xsi:nil="true"/>
-    <TrustLevel xmlns="4873beb7-5857-4685-be1f-d57550cc96cc">1 Microsoft Managed Content</TrustLevel>
-    <LocLastLocAttemptVersionLookup xmlns="4873beb7-5857-4685-be1f-d57550cc96cc">835483</LocLastLocAttemptVersionLookup>
-    <IsSearchable xmlns="4873beb7-5857-4685-be1f-d57550cc96cc">true</IsSearchable>
-    <TemplateTemplateType xmlns="4873beb7-5857-4685-be1f-d57550cc96cc">PowerPoint Presentation Template</TemplateTemplateType>
-    <CampaignTagsTaxHTField0 xmlns="4873beb7-5857-4685-be1f-d57550cc96cc">
-      <Terms xmlns="http://schemas.microsoft.com/office/infopath/2007/PartnerControls"/>
-    </CampaignTagsTaxHTField0>
-    <TPNamespace xmlns="4873beb7-5857-4685-be1f-d57550cc96cc" xsi:nil="true"/>
-    <TaxCatchAll xmlns="4873beb7-5857-4685-be1f-d57550cc96cc"/>
-    <Markets xmlns="4873beb7-5857-4685-be1f-d57550cc96cc"/>
-    <UAProjectedTotalWords xmlns="4873beb7-5857-4685-be1f-d57550cc96cc" xsi:nil="true"/>
-    <IntlLangReview xmlns="4873beb7-5857-4685-be1f-d57550cc96cc">false</IntlLangReview>
-    <OutputCachingOn xmlns="4873beb7-5857-4685-be1f-d57550cc96cc">false</OutputCachingOn>
-    <AverageRating xmlns="4873beb7-5857-4685-be1f-d57550cc96cc" xsi:nil="true"/>
-    <APAuthor xmlns="4873beb7-5857-4685-be1f-d57550cc96cc">
-      <UserInfo>
-        <DisplayName>REDMOND\v-vaddu</DisplayName>
-        <AccountId>2567</AccountId>
-        <AccountType/>
-      </UserInfo>
-    </APAuthor>
-    <LocManualTestRequired xmlns="4873beb7-5857-4685-be1f-d57550cc96cc">false</LocManualTestRequired>
-    <TPCommandLine xmlns="4873beb7-5857-4685-be1f-d57550cc96cc" xsi:nil="true"/>
-    <TPAppVersion xmlns="4873beb7-5857-4685-be1f-d57550cc96cc" xsi:nil="true"/>
-    <EditorialStatus xmlns="4873beb7-5857-4685-be1f-d57550cc96cc">Complete</EditorialStatus>
-    <LastModifiedDateTime xmlns="4873beb7-5857-4685-be1f-d57550cc96cc" xsi:nil="true"/>
-    <ScenarioTagsTaxHTField0 xmlns="4873beb7-5857-4685-be1f-d57550cc96cc">
-      <Terms xmlns="http://schemas.microsoft.com/office/infopath/2007/PartnerControls"/>
-    </ScenarioTagsTaxHTField0>
-    <OriginalRelease xmlns="4873beb7-5857-4685-be1f-d57550cc96cc">15</OriginalRelease>
-    <TPLaunchHelpLinkType xmlns="4873beb7-5857-4685-be1f-d57550cc96cc">Template</TPLaunchHelpLinkType>
-    <LocalizationTagsTaxHTField0 xmlns="4873beb7-5857-4685-be1f-d57550cc96cc">
-      <Terms xmlns="http://schemas.microsoft.com/office/infopath/2007/PartnerControls"/>
-    </LocalizationTagsTaxHTField0>
-    <LocMarketGroupTiers2 xmlns="4873beb7-5857-4685-be1f-d57550cc96cc" xsi:nil="true"/>
-  </documentManagement>
-</p:properties>
+<file path=customXml/itemProps2.xml><?xml version="1.0" encoding="utf-8"?>
+<ds:datastoreItem xmlns:ds="http://schemas.openxmlformats.org/officeDocument/2006/customXml" ds:itemID="{74228E6B-D70C-44BB-A81F-A245495F612B}">
+  <ds:schemaRefs>
+    <ds:schemaRef ds:uri="http://schemas.microsoft.com/sharepoint/v3/contenttype/forms"/>
+  </ds:schemaRefs>
+</ds:datastoreItem>
 </file>
 
-<file path=customXml/itemProps1.xml><?xml version="1.0" encoding="utf-8"?>
+<file path=customXml/itemProps3.xml><?xml version="1.0" encoding="utf-8"?>
 <ds:datastoreItem xmlns:ds="http://schemas.openxmlformats.org/officeDocument/2006/customXml" ds:itemID="{22CCB507-0646-4A50-A4F7-7F385079D589}">
   <ds:schemaRefs>
     <ds:schemaRef ds:uri="http://schemas.microsoft.com/office/2006/metadata/contentType"/>
@@ -7835,22 +7685,4 @@
     <ds:schemaRef ds:uri="http://schemas.microsoft.com/internal/obd"/>
   </ds:schemaRefs>
 </ds:datastoreItem>
-</file>
-
-<file path=customXml/itemProps2.xml><?xml version="1.0" encoding="utf-8"?>
-<ds:datastoreItem xmlns:ds="http://schemas.openxmlformats.org/officeDocument/2006/customXml" ds:itemID="{74228E6B-D70C-44BB-A81F-A245495F612B}">
-  <ds:schemaRefs>
-    <ds:schemaRef ds:uri="http://schemas.microsoft.com/sharepoint/v3/contenttype/forms"/>
-  </ds:schemaRefs>
-</ds:datastoreItem>
-</file>
-
-<file path=customXml/itemProps3.xml><?xml version="1.0" encoding="utf-8"?>
-<ds:datastoreItem xmlns:ds="http://schemas.openxmlformats.org/officeDocument/2006/customXml" ds:itemID="{00E41224-0370-4595-877C-23316CD80004}">
-  <ds:schemaRefs>
-    <ds:schemaRef ds:uri="http://schemas.microsoft.com/office/2006/metadata/properties"/>
-    <ds:schemaRef ds:uri="http://schemas.microsoft.com/office/infopath/2007/PartnerControls"/>
-    <ds:schemaRef ds:uri="4873beb7-5857-4685-be1f-d57550cc96cc"/>
-  </ds:schemaRefs>
-</ds:datastoreItem>
 </file>